--- a/IntroductionToTheTypeScriptCollectionFramework.pptx
+++ b/IntroductionToTheTypeScriptCollectionFramework.pptx
@@ -6,14 +6,15 @@
   </p:sldMasterIdLst>
   <p:sldIdLst>
     <p:sldId id="256" r:id="rId2"/>
-    <p:sldId id="259" r:id="rId3"/>
-    <p:sldId id="263" r:id="rId4"/>
-    <p:sldId id="264" r:id="rId5"/>
-    <p:sldId id="265" r:id="rId6"/>
-    <p:sldId id="266" r:id="rId7"/>
-    <p:sldId id="261" r:id="rId8"/>
-    <p:sldId id="260" r:id="rId9"/>
-    <p:sldId id="267" r:id="rId10"/>
+    <p:sldId id="268" r:id="rId3"/>
+    <p:sldId id="259" r:id="rId4"/>
+    <p:sldId id="263" r:id="rId5"/>
+    <p:sldId id="264" r:id="rId6"/>
+    <p:sldId id="265" r:id="rId7"/>
+    <p:sldId id="266" r:id="rId8"/>
+    <p:sldId id="261" r:id="rId9"/>
+    <p:sldId id="260" r:id="rId10"/>
+    <p:sldId id="267" r:id="rId11"/>
   </p:sldIdLst>
   <p:sldSz cx="12192000" cy="6858000"/>
   <p:notesSz cx="7010400" cy="9296400"/>
@@ -261,7 +262,7 @@
           <a:p>
             <a:fld id="{A9163F85-7E9F-4EB8-A181-CE3075DCA272}" type="datetimeFigureOut">
               <a:rPr lang="en-US" smtClean="0"/>
-              <a:t>11/10/2017</a:t>
+              <a:t>11/16/2017</a:t>
             </a:fld>
             <a:endParaRPr lang="en-US"/>
           </a:p>
@@ -429,7 +430,7 @@
           <a:p>
             <a:fld id="{A9163F85-7E9F-4EB8-A181-CE3075DCA272}" type="datetimeFigureOut">
               <a:rPr lang="en-US" smtClean="0"/>
-              <a:t>11/10/2017</a:t>
+              <a:t>11/16/2017</a:t>
             </a:fld>
             <a:endParaRPr lang="en-US"/>
           </a:p>
@@ -607,7 +608,7 @@
           <a:p>
             <a:fld id="{A9163F85-7E9F-4EB8-A181-CE3075DCA272}" type="datetimeFigureOut">
               <a:rPr lang="en-US" smtClean="0"/>
-              <a:t>11/10/2017</a:t>
+              <a:t>11/16/2017</a:t>
             </a:fld>
             <a:endParaRPr lang="en-US"/>
           </a:p>
@@ -775,7 +776,7 @@
           <a:p>
             <a:fld id="{A9163F85-7E9F-4EB8-A181-CE3075DCA272}" type="datetimeFigureOut">
               <a:rPr lang="en-US" smtClean="0"/>
-              <a:t>11/10/2017</a:t>
+              <a:t>11/16/2017</a:t>
             </a:fld>
             <a:endParaRPr lang="en-US"/>
           </a:p>
@@ -1020,7 +1021,7 @@
           <a:p>
             <a:fld id="{A9163F85-7E9F-4EB8-A181-CE3075DCA272}" type="datetimeFigureOut">
               <a:rPr lang="en-US" smtClean="0"/>
-              <a:t>11/10/2017</a:t>
+              <a:t>11/16/2017</a:t>
             </a:fld>
             <a:endParaRPr lang="en-US"/>
           </a:p>
@@ -1249,7 +1250,7 @@
           <a:p>
             <a:fld id="{A9163F85-7E9F-4EB8-A181-CE3075DCA272}" type="datetimeFigureOut">
               <a:rPr lang="en-US" smtClean="0"/>
-              <a:t>11/10/2017</a:t>
+              <a:t>11/16/2017</a:t>
             </a:fld>
             <a:endParaRPr lang="en-US"/>
           </a:p>
@@ -1613,7 +1614,7 @@
           <a:p>
             <a:fld id="{A9163F85-7E9F-4EB8-A181-CE3075DCA272}" type="datetimeFigureOut">
               <a:rPr lang="en-US" smtClean="0"/>
-              <a:t>11/10/2017</a:t>
+              <a:t>11/16/2017</a:t>
             </a:fld>
             <a:endParaRPr lang="en-US"/>
           </a:p>
@@ -1730,7 +1731,7 @@
           <a:p>
             <a:fld id="{A9163F85-7E9F-4EB8-A181-CE3075DCA272}" type="datetimeFigureOut">
               <a:rPr lang="en-US" smtClean="0"/>
-              <a:t>11/10/2017</a:t>
+              <a:t>11/16/2017</a:t>
             </a:fld>
             <a:endParaRPr lang="en-US"/>
           </a:p>
@@ -1825,7 +1826,7 @@
           <a:p>
             <a:fld id="{A9163F85-7E9F-4EB8-A181-CE3075DCA272}" type="datetimeFigureOut">
               <a:rPr lang="en-US" smtClean="0"/>
-              <a:t>11/10/2017</a:t>
+              <a:t>11/16/2017</a:t>
             </a:fld>
             <a:endParaRPr lang="en-US"/>
           </a:p>
@@ -2100,7 +2101,7 @@
           <a:p>
             <a:fld id="{A9163F85-7E9F-4EB8-A181-CE3075DCA272}" type="datetimeFigureOut">
               <a:rPr lang="en-US" smtClean="0"/>
-              <a:t>11/10/2017</a:t>
+              <a:t>11/16/2017</a:t>
             </a:fld>
             <a:endParaRPr lang="en-US"/>
           </a:p>
@@ -2352,7 +2353,7 @@
           <a:p>
             <a:fld id="{A9163F85-7E9F-4EB8-A181-CE3075DCA272}" type="datetimeFigureOut">
               <a:rPr lang="en-US" smtClean="0"/>
-              <a:t>11/10/2017</a:t>
+              <a:t>11/16/2017</a:t>
             </a:fld>
             <a:endParaRPr lang="en-US"/>
           </a:p>
@@ -2563,7 +2564,7 @@
           <a:p>
             <a:fld id="{A9163F85-7E9F-4EB8-A181-CE3075DCA272}" type="datetimeFigureOut">
               <a:rPr lang="en-US" smtClean="0"/>
-              <a:t>11/10/2017</a:t>
+              <a:t>11/16/2017</a:t>
             </a:fld>
             <a:endParaRPr lang="en-US"/>
           </a:p>
@@ -3311,7 +3312,419 @@
 </p:sld>
 </file>
 
+<file path=ppt/slides/slide10.xml><?xml version="1.0" encoding="utf-8"?>
+<p:sld xmlns:a="http://schemas.openxmlformats.org/drawingml/2006/main" xmlns:r="http://schemas.openxmlformats.org/officeDocument/2006/relationships" xmlns:p="http://schemas.openxmlformats.org/presentationml/2006/main">
+  <p:cSld>
+    <p:spTree>
+      <p:nvGrpSpPr>
+        <p:cNvPr id="1" name=""/>
+        <p:cNvGrpSpPr/>
+        <p:nvPr/>
+      </p:nvGrpSpPr>
+      <p:grpSpPr>
+        <a:xfrm>
+          <a:off x="0" y="0"/>
+          <a:ext cx="0" cy="0"/>
+          <a:chOff x="0" y="0"/>
+          <a:chExt cx="0" cy="0"/>
+        </a:xfrm>
+      </p:grpSpPr>
+      <p:sp>
+        <p:nvSpPr>
+          <p:cNvPr id="2" name="Title 1"/>
+          <p:cNvSpPr>
+            <a:spLocks noGrp="1"/>
+          </p:cNvSpPr>
+          <p:nvPr>
+            <p:ph type="title"/>
+          </p:nvPr>
+        </p:nvSpPr>
+        <p:spPr>
+          <a:xfrm>
+            <a:off x="872387" y="105901"/>
+            <a:ext cx="10515600" cy="1325563"/>
+          </a:xfrm>
+        </p:spPr>
+        <p:txBody>
+          <a:bodyPr>
+            <a:normAutofit fontScale="90000"/>
+          </a:bodyPr>
+          <a:lstStyle/>
+          <a:p>
+            <a:pPr algn="ctr"/>
+            <a:r>
+              <a:rPr lang="en-US" b="1" dirty="0">
+                <a:solidFill>
+                  <a:srgbClr val="7030A0"/>
+                </a:solidFill>
+              </a:rPr>
+              <a:t>Open Source resources without which the TypeScript Collections Framework would not exist</a:t>
+            </a:r>
+          </a:p>
+        </p:txBody>
+      </p:sp>
+      <p:sp>
+        <p:nvSpPr>
+          <p:cNvPr id="3" name="Content Placeholder 2"/>
+          <p:cNvSpPr>
+            <a:spLocks noGrp="1"/>
+          </p:cNvSpPr>
+          <p:nvPr>
+            <p:ph idx="1"/>
+          </p:nvPr>
+        </p:nvSpPr>
+        <p:spPr>
+          <a:xfrm>
+            <a:off x="792873" y="1424262"/>
+            <a:ext cx="10515600" cy="4351338"/>
+          </a:xfrm>
+        </p:spPr>
+        <p:txBody>
+          <a:bodyPr>
+            <a:normAutofit fontScale="92500"/>
+          </a:bodyPr>
+          <a:lstStyle/>
+          <a:p>
+            <a:r>
+              <a:rPr lang="en-US" dirty="0"/>
+              <a:t>Github.com for free source code hosting</a:t>
+            </a:r>
+          </a:p>
+          <a:p>
+            <a:r>
+              <a:rPr lang="en-US" dirty="0"/>
+              <a:t>Npmjs.org for free distribution hosting</a:t>
+            </a:r>
+          </a:p>
+          <a:p>
+            <a:r>
+              <a:rPr lang="en-US" dirty="0"/>
+              <a:t>Travis-ci for free automatic builds</a:t>
+            </a:r>
+          </a:p>
+          <a:p>
+            <a:r>
+              <a:rPr lang="en-US" dirty="0"/>
+              <a:t>Codcov.io for free code coverage analysis and UI</a:t>
+            </a:r>
+          </a:p>
+          <a:p>
+            <a:r>
+              <a:rPr lang="en-US" dirty="0"/>
+              <a:t>David-dm.org for free dependency analysis</a:t>
+            </a:r>
+          </a:p>
+          <a:p>
+            <a:r>
+              <a:rPr lang="en-US" dirty="0"/>
+              <a:t>Nodesecurity.io for free security analysis</a:t>
+            </a:r>
+          </a:p>
+          <a:p>
+            <a:r>
+              <a:rPr lang="en-US" dirty="0"/>
+              <a:t>All of the people who are using the TypeScript Collections Framework</a:t>
+            </a:r>
+          </a:p>
+          <a:p>
+            <a:r>
+              <a:rPr lang="en-US" dirty="0"/>
+              <a:t>OpenCamps 2017 for allowing me to present (and the recommendations!)</a:t>
+            </a:r>
+          </a:p>
+          <a:p>
+            <a:r>
+              <a:rPr lang="en-US" dirty="0"/>
+              <a:t>You for sitting through my presentation!</a:t>
+            </a:r>
+          </a:p>
+        </p:txBody>
+      </p:sp>
+      <p:sp>
+        <p:nvSpPr>
+          <p:cNvPr id="4" name="TextBox 3"/>
+          <p:cNvSpPr txBox="1"/>
+          <p:nvPr/>
+        </p:nvSpPr>
+        <p:spPr>
+          <a:xfrm>
+            <a:off x="329784" y="6165504"/>
+            <a:ext cx="11862215" cy="923330"/>
+          </a:xfrm>
+          <a:prstGeom prst="rect">
+            <a:avLst/>
+          </a:prstGeom>
+          <a:noFill/>
+        </p:spPr>
+        <p:txBody>
+          <a:bodyPr wrap="square" rtlCol="0">
+            <a:spAutoFit/>
+          </a:bodyPr>
+          <a:lstStyle/>
+          <a:p>
+            <a:r>
+              <a:rPr lang="en-US" b="1" dirty="0">
+                <a:solidFill>
+                  <a:srgbClr val="7030A0"/>
+                </a:solidFill>
+              </a:rPr>
+              <a:t>TypeScript Collections Framework by Larry Diamond                                    </a:t>
+            </a:r>
+            <a:r>
+              <a:rPr lang="en-US" b="1" dirty="0" err="1">
+                <a:solidFill>
+                  <a:srgbClr val="7030A0"/>
+                </a:solidFill>
+              </a:rPr>
+              <a:t>npm</a:t>
+            </a:r>
+            <a:r>
+              <a:rPr lang="en-US" b="1" dirty="0">
+                <a:solidFill>
+                  <a:srgbClr val="7030A0"/>
+                </a:solidFill>
+              </a:rPr>
+              <a:t> install typescriptcollectionsframework --save</a:t>
+            </a:r>
+          </a:p>
+          <a:p>
+            <a:pPr algn="ctr"/>
+            <a:r>
+              <a:rPr lang="en-US" dirty="0">
+                <a:hlinkClick r:id="rId2"/>
+              </a:rPr>
+              <a:t>https://github.com/larrydiamond/typescriptcollectionsframework</a:t>
+            </a:r>
+            <a:endParaRPr lang="en-US" dirty="0"/>
+          </a:p>
+          <a:p>
+            <a:endParaRPr lang="en-US" dirty="0"/>
+          </a:p>
+        </p:txBody>
+      </p:sp>
+      <p:sp>
+        <p:nvSpPr>
+          <p:cNvPr id="5" name="Arrow: Down 4"/>
+          <p:cNvSpPr/>
+          <p:nvPr/>
+        </p:nvSpPr>
+        <p:spPr>
+          <a:xfrm rot="5400000">
+            <a:off x="8314204" y="2182407"/>
+            <a:ext cx="541884" cy="732224"/>
+          </a:xfrm>
+          <a:prstGeom prst="downArrow">
+            <a:avLst/>
+          </a:prstGeom>
+          <a:noFill/>
+        </p:spPr>
+        <p:style>
+          <a:lnRef idx="2">
+            <a:schemeClr val="accent1">
+              <a:shade val="50000"/>
+            </a:schemeClr>
+          </a:lnRef>
+          <a:fillRef idx="1">
+            <a:schemeClr val="accent1"/>
+          </a:fillRef>
+          <a:effectRef idx="0">
+            <a:schemeClr val="accent1"/>
+          </a:effectRef>
+          <a:fontRef idx="minor">
+            <a:schemeClr val="lt1"/>
+          </a:fontRef>
+        </p:style>
+        <p:txBody>
+          <a:bodyPr rtlCol="0" anchor="ctr"/>
+          <a:lstStyle/>
+          <a:p>
+            <a:pPr algn="ctr"/>
+            <a:endParaRPr lang="en-US"/>
+          </a:p>
+        </p:txBody>
+      </p:sp>
+      <p:sp>
+        <p:nvSpPr>
+          <p:cNvPr id="6" name="TextBox 5"/>
+          <p:cNvSpPr txBox="1"/>
+          <p:nvPr/>
+        </p:nvSpPr>
+        <p:spPr>
+          <a:xfrm>
+            <a:off x="8951258" y="2201294"/>
+            <a:ext cx="3240741" cy="646331"/>
+          </a:xfrm>
+          <a:prstGeom prst="rect">
+            <a:avLst/>
+          </a:prstGeom>
+          <a:noFill/>
+        </p:spPr>
+        <p:txBody>
+          <a:bodyPr wrap="square" rtlCol="0">
+            <a:spAutoFit/>
+          </a:bodyPr>
+          <a:lstStyle/>
+          <a:p>
+            <a:r>
+              <a:rPr lang="en-US" dirty="0"/>
+              <a:t>A very big thank you to all of these people and organizations</a:t>
+            </a:r>
+          </a:p>
+        </p:txBody>
+      </p:sp>
+    </p:spTree>
+    <p:extLst>
+      <p:ext uri="{BB962C8B-B14F-4D97-AF65-F5344CB8AC3E}">
+        <p14:creationId xmlns:p14="http://schemas.microsoft.com/office/powerpoint/2010/main" val="3409023381"/>
+      </p:ext>
+    </p:extLst>
+  </p:cSld>
+  <p:clrMapOvr>
+    <a:masterClrMapping/>
+  </p:clrMapOvr>
+</p:sld>
+</file>
+
 <file path=ppt/slides/slide2.xml><?xml version="1.0" encoding="utf-8"?>
+<p:sld xmlns:a="http://schemas.openxmlformats.org/drawingml/2006/main" xmlns:r="http://schemas.openxmlformats.org/officeDocument/2006/relationships" xmlns:p="http://schemas.openxmlformats.org/presentationml/2006/main">
+  <p:cSld>
+    <p:spTree>
+      <p:nvGrpSpPr>
+        <p:cNvPr id="1" name=""/>
+        <p:cNvGrpSpPr/>
+        <p:nvPr/>
+      </p:nvGrpSpPr>
+      <p:grpSpPr>
+        <a:xfrm>
+          <a:off x="0" y="0"/>
+          <a:ext cx="0" cy="0"/>
+          <a:chOff x="0" y="0"/>
+          <a:chExt cx="0" cy="0"/>
+        </a:xfrm>
+      </p:grpSpPr>
+      <p:sp>
+        <p:nvSpPr>
+          <p:cNvPr id="2" name="Title 1"/>
+          <p:cNvSpPr>
+            <a:spLocks noGrp="1"/>
+          </p:cNvSpPr>
+          <p:nvPr>
+            <p:ph type="title"/>
+          </p:nvPr>
+        </p:nvSpPr>
+        <p:spPr>
+          <a:xfrm>
+            <a:off x="838200" y="126587"/>
+            <a:ext cx="10515600" cy="851424"/>
+          </a:xfrm>
+        </p:spPr>
+        <p:txBody>
+          <a:bodyPr/>
+          <a:lstStyle/>
+          <a:p>
+            <a:pPr algn="ctr"/>
+            <a:r>
+              <a:rPr lang="en-US" b="1" dirty="0">
+                <a:solidFill>
+                  <a:srgbClr val="7030A0"/>
+                </a:solidFill>
+              </a:rPr>
+              <a:t>Why did I create the Framework?</a:t>
+            </a:r>
+          </a:p>
+        </p:txBody>
+      </p:sp>
+      <p:sp>
+        <p:nvSpPr>
+          <p:cNvPr id="3" name="Content Placeholder 2"/>
+          <p:cNvSpPr>
+            <a:spLocks noGrp="1"/>
+          </p:cNvSpPr>
+          <p:nvPr>
+            <p:ph idx="1"/>
+          </p:nvPr>
+        </p:nvSpPr>
+        <p:spPr>
+          <a:xfrm>
+            <a:off x="838200" y="879419"/>
+            <a:ext cx="10515600" cy="5378257"/>
+          </a:xfrm>
+        </p:spPr>
+        <p:txBody>
+          <a:bodyPr>
+            <a:normAutofit lnSpcReduction="10000"/>
+          </a:bodyPr>
+          <a:lstStyle/>
+          <a:p>
+            <a:r>
+              <a:rPr lang="en-US" dirty="0"/>
+              <a:t>I’m an architect for a team of Java developers who previously coded web sites using JSPs or JSF.</a:t>
+            </a:r>
+          </a:p>
+          <a:p>
+            <a:endParaRPr lang="en-US" dirty="0"/>
+          </a:p>
+          <a:p>
+            <a:r>
+              <a:rPr lang="en-US" dirty="0"/>
+              <a:t>Our organization switched to AngularJS (1.x originally)</a:t>
+            </a:r>
+          </a:p>
+          <a:p>
+            <a:endParaRPr lang="en-US" dirty="0"/>
+          </a:p>
+          <a:p>
+            <a:r>
+              <a:rPr lang="en-US" dirty="0"/>
+              <a:t>We recognized quickly (2.0 RC3) that </a:t>
+            </a:r>
+            <a:r>
+              <a:rPr lang="en-US" dirty="0" err="1"/>
+              <a:t>TypeScript</a:t>
+            </a:r>
+            <a:r>
+              <a:rPr lang="en-US" dirty="0"/>
+              <a:t> was the right way forward to produce better quality code more quickly.</a:t>
+            </a:r>
+          </a:p>
+          <a:p>
+            <a:endParaRPr lang="en-US" dirty="0"/>
+          </a:p>
+          <a:p>
+            <a:r>
+              <a:rPr lang="en-US" dirty="0"/>
+              <a:t>We have a Java background, not a JavaScript background mostly.</a:t>
+            </a:r>
+          </a:p>
+          <a:p>
+            <a:endParaRPr lang="en-US" dirty="0"/>
+          </a:p>
+          <a:p>
+            <a:r>
+              <a:rPr lang="en-US" b="1" dirty="0">
+                <a:solidFill>
+                  <a:srgbClr val="7030A0"/>
+                </a:solidFill>
+              </a:rPr>
+              <a:t>This framework is designed to get Java developers productive using AngularJS 2+ quickly.</a:t>
+            </a:r>
+          </a:p>
+        </p:txBody>
+      </p:sp>
+    </p:spTree>
+    <p:extLst>
+      <p:ext uri="{BB962C8B-B14F-4D97-AF65-F5344CB8AC3E}">
+        <p14:creationId xmlns:p14="http://schemas.microsoft.com/office/powerpoint/2010/main" val="1837858491"/>
+      </p:ext>
+    </p:extLst>
+  </p:cSld>
+  <p:clrMapOvr>
+    <a:masterClrMapping/>
+  </p:clrMapOvr>
+</p:sld>
+</file>
+
+<file path=ppt/slides/slide3.xml><?xml version="1.0" encoding="utf-8"?>
 <p:sld xmlns:a="http://schemas.openxmlformats.org/drawingml/2006/main" xmlns:r="http://schemas.openxmlformats.org/officeDocument/2006/relationships" xmlns:p="http://schemas.openxmlformats.org/presentationml/2006/main">
   <p:cSld>
     <p:spTree>
@@ -3350,14 +3763,26 @@
           <a:p>
             <a:pPr algn="ctr"/>
             <a:r>
-              <a:rPr lang="en-US" dirty="0"/>
+              <a:rPr lang="en-US" b="1" dirty="0">
+                <a:solidFill>
+                  <a:srgbClr val="7030A0"/>
+                </a:solidFill>
+              </a:rPr>
               <a:t>Most Java Collections are available today</a:t>
             </a:r>
             <a:br>
-              <a:rPr lang="en-US" dirty="0"/>
+              <a:rPr lang="en-US" b="1" dirty="0">
+                <a:solidFill>
+                  <a:srgbClr val="7030A0"/>
+                </a:solidFill>
+              </a:rPr>
             </a:br>
             <a:r>
-              <a:rPr lang="en-US" dirty="0"/>
+              <a:rPr lang="en-US" b="1" dirty="0">
+                <a:solidFill>
+                  <a:srgbClr val="7030A0"/>
+                </a:solidFill>
+              </a:rPr>
               <a:t>in the TypeScript Collections Framework</a:t>
             </a:r>
           </a:p>
@@ -3501,23 +3926,38 @@
           <a:lstStyle/>
           <a:p>
             <a:r>
-              <a:rPr lang="en-US" sz="1400" dirty="0"/>
+              <a:rPr lang="en-US" sz="1400" b="1" dirty="0">
+                <a:solidFill>
+                  <a:srgbClr val="7030A0"/>
+                </a:solidFill>
+              </a:rPr>
               <a:t>TypeScript Collections Framework by Larry Diamond</a:t>
             </a:r>
           </a:p>
           <a:p>
-            <a:endParaRPr lang="en-US" sz="1400" dirty="0"/>
-          </a:p>
-          <a:p>
-            <a:r>
-              <a:rPr lang="en-US" sz="1400" dirty="0" err="1"/>
+            <a:endParaRPr lang="en-US" sz="1400" b="1" dirty="0">
+              <a:solidFill>
+                <a:srgbClr val="7030A0"/>
+              </a:solidFill>
+            </a:endParaRPr>
+          </a:p>
+          <a:p>
+            <a:r>
+              <a:rPr lang="en-US" sz="1400" b="1" dirty="0" err="1">
+                <a:solidFill>
+                  <a:srgbClr val="7030A0"/>
+                </a:solidFill>
+              </a:rPr>
               <a:t>npm</a:t>
             </a:r>
             <a:r>
-              <a:rPr lang="en-US" sz="1400" dirty="0"/>
+              <a:rPr lang="en-US" sz="1400" b="1" dirty="0">
+                <a:solidFill>
+                  <a:srgbClr val="7030A0"/>
+                </a:solidFill>
+              </a:rPr>
               <a:t> install typescriptcollectionsframework --save</a:t>
             </a:r>
-            <a:endParaRPr lang="en-US" sz="1400" dirty="0"/>
           </a:p>
           <a:p>
             <a:endParaRPr lang="en-US" sz="1400" dirty="0">
@@ -3551,7 +3991,7 @@
 </p:sld>
 </file>
 
-<file path=ppt/slides/slide3.xml><?xml version="1.0" encoding="utf-8"?>
+<file path=ppt/slides/slide4.xml><?xml version="1.0" encoding="utf-8"?>
 <p:sld xmlns:a="http://schemas.openxmlformats.org/drawingml/2006/main" xmlns:r="http://schemas.openxmlformats.org/officeDocument/2006/relationships" xmlns:p="http://schemas.openxmlformats.org/presentationml/2006/main">
   <p:cSld>
     <p:spTree>
@@ -4980,10 +5420,13 @@
           <a:p>
             <a:pPr algn="ctr"/>
             <a:r>
-              <a:rPr lang="en-US" dirty="0"/>
+              <a:rPr lang="en-US" b="1" dirty="0">
+                <a:solidFill>
+                  <a:srgbClr val="7030A0"/>
+                </a:solidFill>
+              </a:rPr>
               <a:t>If you know Java, you already know the TypeScript Collections Framework</a:t>
             </a:r>
-            <a:endParaRPr lang="en-US" b="1" dirty="0"/>
           </a:p>
         </p:txBody>
       </p:sp>
@@ -5798,10 +6241,6 @@
               </a:rPr>
               <a:t>}</a:t>
             </a:r>
-            <a:endParaRPr lang="en-US" sz="1200" dirty="0">
-              <a:latin typeface="Courier New" panose="02070309020205020404" pitchFamily="49" charset="0"/>
-              <a:cs typeface="Courier New" panose="02070309020205020404" pitchFamily="49" charset="0"/>
-            </a:endParaRPr>
           </a:p>
         </p:txBody>
       </p:sp>
@@ -5828,18 +6267,29 @@
           <a:lstStyle/>
           <a:p>
             <a:r>
-              <a:rPr lang="en-US" dirty="0"/>
+              <a:rPr lang="en-US" b="1" dirty="0">
+                <a:solidFill>
+                  <a:srgbClr val="7030A0"/>
+                </a:solidFill>
+              </a:rPr>
               <a:t>TypeScript Collections Framework by Larry Diamond                                    </a:t>
             </a:r>
             <a:r>
-              <a:rPr lang="en-US" dirty="0" err="1"/>
+              <a:rPr lang="en-US" b="1" dirty="0" err="1">
+                <a:solidFill>
+                  <a:srgbClr val="7030A0"/>
+                </a:solidFill>
+              </a:rPr>
               <a:t>npm</a:t>
             </a:r>
             <a:r>
-              <a:rPr lang="en-US" dirty="0"/>
+              <a:rPr lang="en-US" b="1" dirty="0">
+                <a:solidFill>
+                  <a:srgbClr val="7030A0"/>
+                </a:solidFill>
+              </a:rPr>
               <a:t> install typescriptcollectionsframework --save</a:t>
             </a:r>
-            <a:endParaRPr lang="en-US" dirty="0"/>
           </a:p>
           <a:p>
             <a:pPr algn="ctr"/>
@@ -5852,6 +6302,112 @@
             <a:endParaRPr lang="en-US" dirty="0"/>
           </a:p>
           <a:p>
+            <a:endParaRPr lang="en-US" dirty="0"/>
+          </a:p>
+        </p:txBody>
+      </p:sp>
+      <p:sp>
+        <p:nvSpPr>
+          <p:cNvPr id="2" name="Rectangle 1"/>
+          <p:cNvSpPr/>
+          <p:nvPr/>
+        </p:nvSpPr>
+        <p:spPr>
+          <a:xfrm>
+            <a:off x="6613156" y="5516367"/>
+            <a:ext cx="4668330" cy="369332"/>
+          </a:xfrm>
+          <a:prstGeom prst="rect">
+            <a:avLst/>
+          </a:prstGeom>
+        </p:spPr>
+        <p:txBody>
+          <a:bodyPr wrap="square">
+            <a:spAutoFit/>
+          </a:bodyPr>
+          <a:lstStyle/>
+          <a:p>
+            <a:r>
+              <a:rPr lang="en-US" dirty="0">
+                <a:solidFill>
+                  <a:srgbClr val="24292E"/>
+                </a:solidFill>
+                <a:latin typeface="SFMono-Regular"/>
+              </a:rPr>
+              <a:t>&lt;</a:t>
+            </a:r>
+            <a:r>
+              <a:rPr lang="en-US" dirty="0">
+                <a:solidFill>
+                  <a:srgbClr val="22863A"/>
+                </a:solidFill>
+                <a:latin typeface="SFMono-Regular"/>
+              </a:rPr>
+              <a:t>li</a:t>
+            </a:r>
+            <a:r>
+              <a:rPr lang="en-US" dirty="0">
+                <a:solidFill>
+                  <a:srgbClr val="24292E"/>
+                </a:solidFill>
+                <a:latin typeface="SFMono-Regular"/>
+              </a:rPr>
+              <a:t> *</a:t>
+            </a:r>
+            <a:r>
+              <a:rPr lang="en-US" dirty="0" err="1">
+                <a:solidFill>
+                  <a:srgbClr val="6F42C1"/>
+                </a:solidFill>
+                <a:latin typeface="SFMono-Regular"/>
+              </a:rPr>
+              <a:t>ngFor</a:t>
+            </a:r>
+            <a:r>
+              <a:rPr lang="en-US" dirty="0">
+                <a:solidFill>
+                  <a:srgbClr val="24292E"/>
+                </a:solidFill>
+                <a:latin typeface="SFMono-Regular"/>
+              </a:rPr>
+              <a:t>=</a:t>
+            </a:r>
+            <a:r>
+              <a:rPr lang="en-US" dirty="0">
+                <a:solidFill>
+                  <a:srgbClr val="032F62"/>
+                </a:solidFill>
+                <a:latin typeface="SFMono-Regular"/>
+              </a:rPr>
+              <a:t>"let x of stuff"</a:t>
+            </a:r>
+            <a:r>
+              <a:rPr lang="en-US" dirty="0">
+                <a:solidFill>
+                  <a:srgbClr val="24292E"/>
+                </a:solidFill>
+                <a:latin typeface="SFMono-Regular"/>
+              </a:rPr>
+              <a:t>&gt;{{x}}&lt;/</a:t>
+            </a:r>
+            <a:r>
+              <a:rPr lang="en-US" dirty="0">
+                <a:solidFill>
+                  <a:srgbClr val="22863A"/>
+                </a:solidFill>
+                <a:latin typeface="SFMono-Regular"/>
+              </a:rPr>
+              <a:t>li</a:t>
+            </a:r>
+            <a:r>
+              <a:rPr lang="en-US" dirty="0">
+                <a:solidFill>
+                  <a:srgbClr val="24292E"/>
+                </a:solidFill>
+                <a:latin typeface="SFMono-Regular"/>
+              </a:rPr>
+              <a:t>&gt;</a:t>
+            </a:r>
             <a:endParaRPr lang="en-US" dirty="0"/>
           </a:p>
         </p:txBody>
@@ -5860,2061 +6416,6 @@
     <p:extLst>
       <p:ext uri="{BB962C8B-B14F-4D97-AF65-F5344CB8AC3E}">
         <p14:creationId xmlns:p14="http://schemas.microsoft.com/office/powerpoint/2010/main" val="4118575983"/>
-      </p:ext>
-    </p:extLst>
-  </p:cSld>
-  <p:clrMapOvr>
-    <a:masterClrMapping/>
-  </p:clrMapOvr>
-</p:sld>
-</file>
-
-<file path=ppt/slides/slide4.xml><?xml version="1.0" encoding="utf-8"?>
-<p:sld xmlns:a="http://schemas.openxmlformats.org/drawingml/2006/main" xmlns:r="http://schemas.openxmlformats.org/officeDocument/2006/relationships" xmlns:p="http://schemas.openxmlformats.org/presentationml/2006/main">
-  <p:cSld>
-    <p:spTree>
-      <p:nvGrpSpPr>
-        <p:cNvPr id="1" name=""/>
-        <p:cNvGrpSpPr/>
-        <p:nvPr/>
-      </p:nvGrpSpPr>
-      <p:grpSpPr>
-        <a:xfrm>
-          <a:off x="0" y="0"/>
-          <a:ext cx="0" cy="0"/>
-          <a:chOff x="0" y="0"/>
-          <a:chExt cx="0" cy="0"/>
-        </a:xfrm>
-      </p:grpSpPr>
-      <p:sp>
-        <p:nvSpPr>
-          <p:cNvPr id="2" name="Title 1"/>
-          <p:cNvSpPr>
-            <a:spLocks noGrp="1"/>
-          </p:cNvSpPr>
-          <p:nvPr>
-            <p:ph type="title"/>
-          </p:nvPr>
-        </p:nvSpPr>
-        <p:spPr>
-          <a:xfrm>
-            <a:off x="838200" y="0"/>
-            <a:ext cx="10515600" cy="1325563"/>
-          </a:xfrm>
-        </p:spPr>
-        <p:txBody>
-          <a:bodyPr/>
-          <a:lstStyle/>
-          <a:p>
-            <a:pPr algn="ctr"/>
-            <a:r>
-              <a:rPr lang="en-US" dirty="0"/>
-              <a:t>What about Java .equals() &amp; .hashCode()?</a:t>
-            </a:r>
-          </a:p>
-        </p:txBody>
-      </p:sp>
-      <p:sp>
-        <p:nvSpPr>
-          <p:cNvPr id="3" name="Content Placeholder 2"/>
-          <p:cNvSpPr>
-            <a:spLocks noGrp="1"/>
-          </p:cNvSpPr>
-          <p:nvPr>
-            <p:ph idx="1"/>
-          </p:nvPr>
-        </p:nvSpPr>
-        <p:spPr>
-          <a:xfrm>
-            <a:off x="151775" y="1574900"/>
-            <a:ext cx="6109116" cy="4081686"/>
-          </a:xfrm>
-          <a:ln>
-            <a:solidFill>
-              <a:srgbClr val="0070C0"/>
-            </a:solidFill>
-          </a:ln>
-        </p:spPr>
-        <p:txBody>
-          <a:bodyPr>
-            <a:noAutofit/>
-          </a:bodyPr>
-          <a:lstStyle/>
-          <a:p>
-            <a:pPr marL="0" indent="0">
-              <a:lnSpc>
-                <a:spcPct val="100000"/>
-              </a:lnSpc>
-              <a:spcBef>
-                <a:spcPts val="0"/>
-              </a:spcBef>
-              <a:buNone/>
-            </a:pPr>
-            <a:r>
-              <a:rPr lang="en-US" sz="1200" b="1" dirty="0">
-                <a:solidFill>
-                  <a:srgbClr val="7030A0"/>
-                </a:solidFill>
-                <a:latin typeface="Courier New" panose="02070309020205020404" pitchFamily="49" charset="0"/>
-                <a:cs typeface="Courier New" panose="02070309020205020404" pitchFamily="49" charset="0"/>
-              </a:rPr>
-              <a:t>public class</a:t>
-            </a:r>
-            <a:r>
-              <a:rPr lang="en-US" sz="1200" dirty="0">
-                <a:latin typeface="Courier New" panose="02070309020205020404" pitchFamily="49" charset="0"/>
-                <a:cs typeface="Courier New" panose="02070309020205020404" pitchFamily="49" charset="0"/>
-              </a:rPr>
-              <a:t> </a:t>
-            </a:r>
-            <a:r>
-              <a:rPr lang="en-US" sz="1200" b="1" dirty="0">
-                <a:solidFill>
-                  <a:schemeClr val="accent4">
-                    <a:lumMod val="50000"/>
-                  </a:schemeClr>
-                </a:solidFill>
-                <a:latin typeface="Courier New" panose="02070309020205020404" pitchFamily="49" charset="0"/>
-                <a:cs typeface="Courier New" panose="02070309020205020404" pitchFamily="49" charset="0"/>
-              </a:rPr>
-              <a:t>Employee</a:t>
-            </a:r>
-            <a:r>
-              <a:rPr lang="en-US" sz="1200" dirty="0">
-                <a:latin typeface="Courier New" panose="02070309020205020404" pitchFamily="49" charset="0"/>
-                <a:cs typeface="Courier New" panose="02070309020205020404" pitchFamily="49" charset="0"/>
-              </a:rPr>
-              <a:t> {</a:t>
-            </a:r>
-          </a:p>
-          <a:p>
-            <a:pPr marL="0" indent="0">
-              <a:lnSpc>
-                <a:spcPct val="100000"/>
-              </a:lnSpc>
-              <a:spcBef>
-                <a:spcPts val="0"/>
-              </a:spcBef>
-              <a:buNone/>
-            </a:pPr>
-            <a:r>
-              <a:rPr lang="en-US" sz="1200" dirty="0">
-                <a:latin typeface="Courier New" panose="02070309020205020404" pitchFamily="49" charset="0"/>
-                <a:cs typeface="Courier New" panose="02070309020205020404" pitchFamily="49" charset="0"/>
-              </a:rPr>
-              <a:t>  </a:t>
-            </a:r>
-            <a:r>
-              <a:rPr lang="en-US" sz="1200" b="1" dirty="0">
-                <a:solidFill>
-                  <a:schemeClr val="accent4">
-                    <a:lumMod val="50000"/>
-                  </a:schemeClr>
-                </a:solidFill>
-                <a:latin typeface="Courier New" panose="02070309020205020404" pitchFamily="49" charset="0"/>
-                <a:cs typeface="Courier New" panose="02070309020205020404" pitchFamily="49" charset="0"/>
-              </a:rPr>
-              <a:t>long</a:t>
-            </a:r>
-            <a:r>
-              <a:rPr lang="en-US" sz="1200" dirty="0">
-                <a:latin typeface="Courier New" panose="02070309020205020404" pitchFamily="49" charset="0"/>
-                <a:cs typeface="Courier New" panose="02070309020205020404" pitchFamily="49" charset="0"/>
-              </a:rPr>
-              <a:t> </a:t>
-            </a:r>
-            <a:r>
-              <a:rPr lang="en-US" sz="1200" b="1" dirty="0">
-                <a:solidFill>
-                  <a:srgbClr val="C00000"/>
-                </a:solidFill>
-                <a:latin typeface="Courier New" panose="02070309020205020404" pitchFamily="49" charset="0"/>
-                <a:cs typeface="Courier New" panose="02070309020205020404" pitchFamily="49" charset="0"/>
-              </a:rPr>
-              <a:t>employeeId</a:t>
-            </a:r>
-            <a:r>
-              <a:rPr lang="en-US" sz="1200" dirty="0">
-                <a:latin typeface="Courier New" panose="02070309020205020404" pitchFamily="49" charset="0"/>
-                <a:cs typeface="Courier New" panose="02070309020205020404" pitchFamily="49" charset="0"/>
-              </a:rPr>
-              <a:t>;</a:t>
-            </a:r>
-          </a:p>
-          <a:p>
-            <a:pPr marL="0" indent="0">
-              <a:lnSpc>
-                <a:spcPct val="100000"/>
-              </a:lnSpc>
-              <a:spcBef>
-                <a:spcPts val="0"/>
-              </a:spcBef>
-              <a:buNone/>
-            </a:pPr>
-            <a:r>
-              <a:rPr lang="en-US" sz="1200" dirty="0">
-                <a:latin typeface="Courier New" panose="02070309020205020404" pitchFamily="49" charset="0"/>
-                <a:cs typeface="Courier New" panose="02070309020205020404" pitchFamily="49" charset="0"/>
-              </a:rPr>
-              <a:t>  </a:t>
-            </a:r>
-            <a:r>
-              <a:rPr lang="en-US" sz="1200" b="1" dirty="0">
-                <a:solidFill>
-                  <a:schemeClr val="accent4">
-                    <a:lumMod val="50000"/>
-                  </a:schemeClr>
-                </a:solidFill>
-                <a:latin typeface="Courier New" panose="02070309020205020404" pitchFamily="49" charset="0"/>
-                <a:cs typeface="Courier New" panose="02070309020205020404" pitchFamily="49" charset="0"/>
-              </a:rPr>
-              <a:t>String</a:t>
-            </a:r>
-            <a:r>
-              <a:rPr lang="en-US" sz="1200" dirty="0">
-                <a:latin typeface="Courier New" panose="02070309020205020404" pitchFamily="49" charset="0"/>
-                <a:cs typeface="Courier New" panose="02070309020205020404" pitchFamily="49" charset="0"/>
-              </a:rPr>
-              <a:t> </a:t>
-            </a:r>
-            <a:r>
-              <a:rPr lang="en-US" sz="1200" b="1" dirty="0">
-                <a:solidFill>
-                  <a:srgbClr val="C00000"/>
-                </a:solidFill>
-                <a:latin typeface="Courier New" panose="02070309020205020404" pitchFamily="49" charset="0"/>
-                <a:cs typeface="Courier New" panose="02070309020205020404" pitchFamily="49" charset="0"/>
-              </a:rPr>
-              <a:t>firstName</a:t>
-            </a:r>
-            <a:r>
-              <a:rPr lang="en-US" sz="1200" dirty="0">
-                <a:latin typeface="Courier New" panose="02070309020205020404" pitchFamily="49" charset="0"/>
-                <a:cs typeface="Courier New" panose="02070309020205020404" pitchFamily="49" charset="0"/>
-              </a:rPr>
-              <a:t>;</a:t>
-            </a:r>
-          </a:p>
-          <a:p>
-            <a:pPr marL="0" indent="0">
-              <a:lnSpc>
-                <a:spcPct val="100000"/>
-              </a:lnSpc>
-              <a:spcBef>
-                <a:spcPts val="0"/>
-              </a:spcBef>
-              <a:buNone/>
-            </a:pPr>
-            <a:r>
-              <a:rPr lang="en-US" sz="1200" dirty="0">
-                <a:latin typeface="Courier New" panose="02070309020205020404" pitchFamily="49" charset="0"/>
-                <a:cs typeface="Courier New" panose="02070309020205020404" pitchFamily="49" charset="0"/>
-              </a:rPr>
-              <a:t>  </a:t>
-            </a:r>
-            <a:r>
-              <a:rPr lang="en-US" sz="1200" dirty="0">
-                <a:solidFill>
-                  <a:schemeClr val="accent4">
-                    <a:lumMod val="50000"/>
-                  </a:schemeClr>
-                </a:solidFill>
-                <a:latin typeface="Courier New" panose="02070309020205020404" pitchFamily="49" charset="0"/>
-                <a:cs typeface="Courier New" panose="02070309020205020404" pitchFamily="49" charset="0"/>
-              </a:rPr>
-              <a:t>String</a:t>
-            </a:r>
-            <a:r>
-              <a:rPr lang="en-US" sz="1200" dirty="0">
-                <a:latin typeface="Courier New" panose="02070309020205020404" pitchFamily="49" charset="0"/>
-                <a:cs typeface="Courier New" panose="02070309020205020404" pitchFamily="49" charset="0"/>
-              </a:rPr>
-              <a:t> </a:t>
-            </a:r>
-            <a:r>
-              <a:rPr lang="en-US" sz="1200" b="1" dirty="0">
-                <a:solidFill>
-                  <a:srgbClr val="C00000"/>
-                </a:solidFill>
-                <a:latin typeface="Courier New" panose="02070309020205020404" pitchFamily="49" charset="0"/>
-                <a:cs typeface="Courier New" panose="02070309020205020404" pitchFamily="49" charset="0"/>
-              </a:rPr>
-              <a:t>lastName</a:t>
-            </a:r>
-            <a:r>
-              <a:rPr lang="en-US" sz="1200" dirty="0">
-                <a:latin typeface="Courier New" panose="02070309020205020404" pitchFamily="49" charset="0"/>
-                <a:cs typeface="Courier New" panose="02070309020205020404" pitchFamily="49" charset="0"/>
-              </a:rPr>
-              <a:t>;</a:t>
-            </a:r>
-          </a:p>
-          <a:p>
-            <a:pPr marL="0" indent="0">
-              <a:lnSpc>
-                <a:spcPct val="100000"/>
-              </a:lnSpc>
-              <a:spcBef>
-                <a:spcPts val="0"/>
-              </a:spcBef>
-              <a:buNone/>
-            </a:pPr>
-            <a:endParaRPr lang="en-US" sz="1200" dirty="0">
-              <a:latin typeface="Courier New" panose="02070309020205020404" pitchFamily="49" charset="0"/>
-              <a:cs typeface="Courier New" panose="02070309020205020404" pitchFamily="49" charset="0"/>
-            </a:endParaRPr>
-          </a:p>
-          <a:p>
-            <a:pPr marL="0" indent="0">
-              <a:lnSpc>
-                <a:spcPct val="100000"/>
-              </a:lnSpc>
-              <a:spcBef>
-                <a:spcPts val="0"/>
-              </a:spcBef>
-              <a:buNone/>
-            </a:pPr>
-            <a:r>
-              <a:rPr lang="en-US" sz="1200" dirty="0">
-                <a:latin typeface="Courier New" panose="02070309020205020404" pitchFamily="49" charset="0"/>
-                <a:cs typeface="Courier New" panose="02070309020205020404" pitchFamily="49" charset="0"/>
-              </a:rPr>
-              <a:t>  </a:t>
-            </a:r>
-            <a:r>
-              <a:rPr lang="en-US" sz="1200" b="1" dirty="0">
-                <a:solidFill>
-                  <a:srgbClr val="7030A0"/>
-                </a:solidFill>
-                <a:latin typeface="Courier New" panose="02070309020205020404" pitchFamily="49" charset="0"/>
-                <a:cs typeface="Courier New" panose="02070309020205020404" pitchFamily="49" charset="0"/>
-              </a:rPr>
-              <a:t>public</a:t>
-            </a:r>
-            <a:r>
-              <a:rPr lang="en-US" sz="1200" dirty="0">
-                <a:latin typeface="Courier New" panose="02070309020205020404" pitchFamily="49" charset="0"/>
-                <a:cs typeface="Courier New" panose="02070309020205020404" pitchFamily="49" charset="0"/>
-              </a:rPr>
-              <a:t> </a:t>
-            </a:r>
-            <a:r>
-              <a:rPr lang="en-US" sz="1200" b="1" dirty="0">
-                <a:solidFill>
-                  <a:schemeClr val="accent4">
-                    <a:lumMod val="50000"/>
-                  </a:schemeClr>
-                </a:solidFill>
-                <a:latin typeface="Courier New" panose="02070309020205020404" pitchFamily="49" charset="0"/>
-                <a:cs typeface="Courier New" panose="02070309020205020404" pitchFamily="49" charset="0"/>
-              </a:rPr>
-              <a:t>boolean</a:t>
-            </a:r>
-            <a:r>
-              <a:rPr lang="en-US" sz="1200" dirty="0">
-                <a:latin typeface="Courier New" panose="02070309020205020404" pitchFamily="49" charset="0"/>
-                <a:cs typeface="Courier New" panose="02070309020205020404" pitchFamily="49" charset="0"/>
-              </a:rPr>
-              <a:t> </a:t>
-            </a:r>
-            <a:r>
-              <a:rPr lang="en-US" sz="1200" b="1" dirty="0">
-                <a:solidFill>
-                  <a:schemeClr val="accent5">
-                    <a:lumMod val="50000"/>
-                  </a:schemeClr>
-                </a:solidFill>
-                <a:latin typeface="Courier New" panose="02070309020205020404" pitchFamily="49" charset="0"/>
-                <a:cs typeface="Courier New" panose="02070309020205020404" pitchFamily="49" charset="0"/>
-              </a:rPr>
-              <a:t>equals</a:t>
-            </a:r>
-            <a:r>
-              <a:rPr lang="en-US" sz="1200" dirty="0">
-                <a:latin typeface="Courier New" panose="02070309020205020404" pitchFamily="49" charset="0"/>
-                <a:cs typeface="Courier New" panose="02070309020205020404" pitchFamily="49" charset="0"/>
-              </a:rPr>
-              <a:t> (</a:t>
-            </a:r>
-            <a:r>
-              <a:rPr lang="en-US" sz="1200" b="1" dirty="0">
-                <a:solidFill>
-                  <a:schemeClr val="accent4">
-                    <a:lumMod val="50000"/>
-                  </a:schemeClr>
-                </a:solidFill>
-                <a:latin typeface="Courier New" panose="02070309020205020404" pitchFamily="49" charset="0"/>
-                <a:cs typeface="Courier New" panose="02070309020205020404" pitchFamily="49" charset="0"/>
-              </a:rPr>
-              <a:t>Object</a:t>
-            </a:r>
-            <a:r>
-              <a:rPr lang="en-US" sz="1200" dirty="0">
-                <a:latin typeface="Courier New" panose="02070309020205020404" pitchFamily="49" charset="0"/>
-                <a:cs typeface="Courier New" panose="02070309020205020404" pitchFamily="49" charset="0"/>
-              </a:rPr>
-              <a:t> o) {</a:t>
-            </a:r>
-          </a:p>
-          <a:p>
-            <a:pPr marL="0" indent="0">
-              <a:lnSpc>
-                <a:spcPct val="100000"/>
-              </a:lnSpc>
-              <a:spcBef>
-                <a:spcPts val="0"/>
-              </a:spcBef>
-              <a:buNone/>
-            </a:pPr>
-            <a:r>
-              <a:rPr lang="en-US" sz="1200" dirty="0">
-                <a:latin typeface="Courier New" panose="02070309020205020404" pitchFamily="49" charset="0"/>
-                <a:cs typeface="Courier New" panose="02070309020205020404" pitchFamily="49" charset="0"/>
-              </a:rPr>
-              <a:t>    </a:t>
-            </a:r>
-            <a:r>
-              <a:rPr lang="en-US" sz="1200" b="1" dirty="0">
-                <a:solidFill>
-                  <a:srgbClr val="7030A0"/>
-                </a:solidFill>
-                <a:latin typeface="Courier New" panose="02070309020205020404" pitchFamily="49" charset="0"/>
-                <a:cs typeface="Courier New" panose="02070309020205020404" pitchFamily="49" charset="0"/>
-              </a:rPr>
-              <a:t>if</a:t>
-            </a:r>
-            <a:r>
-              <a:rPr lang="en-US" sz="1200" dirty="0">
-                <a:latin typeface="Courier New" panose="02070309020205020404" pitchFamily="49" charset="0"/>
-                <a:cs typeface="Courier New" panose="02070309020205020404" pitchFamily="49" charset="0"/>
-              </a:rPr>
-              <a:t> (o == </a:t>
-            </a:r>
-            <a:r>
-              <a:rPr lang="en-US" sz="1200" b="1" dirty="0">
-                <a:solidFill>
-                  <a:schemeClr val="accent4">
-                    <a:lumMod val="50000"/>
-                  </a:schemeClr>
-                </a:solidFill>
-                <a:latin typeface="Courier New" panose="02070309020205020404" pitchFamily="49" charset="0"/>
-                <a:cs typeface="Courier New" panose="02070309020205020404" pitchFamily="49" charset="0"/>
-              </a:rPr>
-              <a:t>null</a:t>
-            </a:r>
-            <a:r>
-              <a:rPr lang="en-US" sz="1200" dirty="0">
-                <a:latin typeface="Courier New" panose="02070309020205020404" pitchFamily="49" charset="0"/>
-                <a:cs typeface="Courier New" panose="02070309020205020404" pitchFamily="49" charset="0"/>
-              </a:rPr>
-              <a:t>) </a:t>
-            </a:r>
-            <a:r>
-              <a:rPr lang="en-US" sz="1200" b="1" dirty="0">
-                <a:solidFill>
-                  <a:srgbClr val="7030A0"/>
-                </a:solidFill>
-                <a:latin typeface="Courier New" panose="02070309020205020404" pitchFamily="49" charset="0"/>
-                <a:cs typeface="Courier New" panose="02070309020205020404" pitchFamily="49" charset="0"/>
-              </a:rPr>
-              <a:t>return</a:t>
-            </a:r>
-            <a:r>
-              <a:rPr lang="en-US" sz="1200" dirty="0">
-                <a:latin typeface="Courier New" panose="02070309020205020404" pitchFamily="49" charset="0"/>
-                <a:cs typeface="Courier New" panose="02070309020205020404" pitchFamily="49" charset="0"/>
-              </a:rPr>
-              <a:t> </a:t>
-            </a:r>
-            <a:r>
-              <a:rPr lang="en-US" sz="1200" b="1" dirty="0">
-                <a:solidFill>
-                  <a:schemeClr val="accent4">
-                    <a:lumMod val="50000"/>
-                  </a:schemeClr>
-                </a:solidFill>
-                <a:latin typeface="Courier New" panose="02070309020205020404" pitchFamily="49" charset="0"/>
-                <a:cs typeface="Courier New" panose="02070309020205020404" pitchFamily="49" charset="0"/>
-              </a:rPr>
-              <a:t>false</a:t>
-            </a:r>
-            <a:r>
-              <a:rPr lang="en-US" sz="1200" dirty="0">
-                <a:latin typeface="Courier New" panose="02070309020205020404" pitchFamily="49" charset="0"/>
-                <a:cs typeface="Courier New" panose="02070309020205020404" pitchFamily="49" charset="0"/>
-              </a:rPr>
-              <a:t>;</a:t>
-            </a:r>
-          </a:p>
-          <a:p>
-            <a:pPr marL="0" indent="0">
-              <a:lnSpc>
-                <a:spcPct val="100000"/>
-              </a:lnSpc>
-              <a:spcBef>
-                <a:spcPts val="0"/>
-              </a:spcBef>
-              <a:buNone/>
-            </a:pPr>
-            <a:r>
-              <a:rPr lang="en-US" sz="1200" dirty="0">
-                <a:latin typeface="Courier New" panose="02070309020205020404" pitchFamily="49" charset="0"/>
-                <a:cs typeface="Courier New" panose="02070309020205020404" pitchFamily="49" charset="0"/>
-              </a:rPr>
-              <a:t>    </a:t>
-            </a:r>
-            <a:r>
-              <a:rPr lang="en-US" sz="1200" b="1" dirty="0">
-                <a:solidFill>
-                  <a:srgbClr val="7030A0"/>
-                </a:solidFill>
-                <a:latin typeface="Courier New" panose="02070309020205020404" pitchFamily="49" charset="0"/>
-                <a:cs typeface="Courier New" panose="02070309020205020404" pitchFamily="49" charset="0"/>
-              </a:rPr>
-              <a:t>if</a:t>
-            </a:r>
-            <a:r>
-              <a:rPr lang="en-US" sz="1200" dirty="0">
-                <a:latin typeface="Courier New" panose="02070309020205020404" pitchFamily="49" charset="0"/>
-                <a:cs typeface="Courier New" panose="02070309020205020404" pitchFamily="49" charset="0"/>
-              </a:rPr>
-              <a:t> (!(o </a:t>
-            </a:r>
-            <a:r>
-              <a:rPr lang="en-US" sz="1200" b="1" dirty="0">
-                <a:solidFill>
-                  <a:srgbClr val="7030A0"/>
-                </a:solidFill>
-                <a:latin typeface="Courier New" panose="02070309020205020404" pitchFamily="49" charset="0"/>
-                <a:cs typeface="Courier New" panose="02070309020205020404" pitchFamily="49" charset="0"/>
-              </a:rPr>
-              <a:t>instanceof</a:t>
-            </a:r>
-            <a:r>
-              <a:rPr lang="en-US" sz="1200" dirty="0">
-                <a:latin typeface="Courier New" panose="02070309020205020404" pitchFamily="49" charset="0"/>
-                <a:cs typeface="Courier New" panose="02070309020205020404" pitchFamily="49" charset="0"/>
-              </a:rPr>
-              <a:t>) </a:t>
-            </a:r>
-            <a:r>
-              <a:rPr lang="en-US" sz="1200" b="1" dirty="0">
-                <a:solidFill>
-                  <a:schemeClr val="accent4">
-                    <a:lumMod val="50000"/>
-                  </a:schemeClr>
-                </a:solidFill>
-                <a:latin typeface="Courier New" panose="02070309020205020404" pitchFamily="49" charset="0"/>
-                <a:cs typeface="Courier New" panose="02070309020205020404" pitchFamily="49" charset="0"/>
-              </a:rPr>
-              <a:t>Employee</a:t>
-            </a:r>
-            <a:r>
-              <a:rPr lang="en-US" sz="1200" dirty="0">
-                <a:latin typeface="Courier New" panose="02070309020205020404" pitchFamily="49" charset="0"/>
-                <a:cs typeface="Courier New" panose="02070309020205020404" pitchFamily="49" charset="0"/>
-              </a:rPr>
-              <a:t>) </a:t>
-            </a:r>
-            <a:r>
-              <a:rPr lang="en-US" sz="1200" b="1" dirty="0">
-                <a:solidFill>
-                  <a:srgbClr val="7030A0"/>
-                </a:solidFill>
-                <a:latin typeface="Courier New" panose="02070309020205020404" pitchFamily="49" charset="0"/>
-                <a:cs typeface="Courier New" panose="02070309020205020404" pitchFamily="49" charset="0"/>
-              </a:rPr>
-              <a:t>return</a:t>
-            </a:r>
-            <a:r>
-              <a:rPr lang="en-US" sz="1200" dirty="0">
-                <a:latin typeface="Courier New" panose="02070309020205020404" pitchFamily="49" charset="0"/>
-                <a:cs typeface="Courier New" panose="02070309020205020404" pitchFamily="49" charset="0"/>
-              </a:rPr>
-              <a:t> </a:t>
-            </a:r>
-            <a:r>
-              <a:rPr lang="en-US" sz="1200" b="1" dirty="0">
-                <a:solidFill>
-                  <a:schemeClr val="accent4">
-                    <a:lumMod val="50000"/>
-                  </a:schemeClr>
-                </a:solidFill>
-                <a:latin typeface="Courier New" panose="02070309020205020404" pitchFamily="49" charset="0"/>
-                <a:cs typeface="Courier New" panose="02070309020205020404" pitchFamily="49" charset="0"/>
-              </a:rPr>
-              <a:t>false</a:t>
-            </a:r>
-            <a:r>
-              <a:rPr lang="en-US" sz="1200" dirty="0">
-                <a:latin typeface="Courier New" panose="02070309020205020404" pitchFamily="49" charset="0"/>
-                <a:cs typeface="Courier New" panose="02070309020205020404" pitchFamily="49" charset="0"/>
-              </a:rPr>
-              <a:t>;</a:t>
-            </a:r>
-          </a:p>
-          <a:p>
-            <a:pPr marL="0" indent="0">
-              <a:lnSpc>
-                <a:spcPct val="100000"/>
-              </a:lnSpc>
-              <a:spcBef>
-                <a:spcPts val="0"/>
-              </a:spcBef>
-              <a:buNone/>
-            </a:pPr>
-            <a:r>
-              <a:rPr lang="en-US" sz="1200" dirty="0">
-                <a:latin typeface="Courier New" panose="02070309020205020404" pitchFamily="49" charset="0"/>
-                <a:cs typeface="Courier New" panose="02070309020205020404" pitchFamily="49" charset="0"/>
-              </a:rPr>
-              <a:t>    </a:t>
-            </a:r>
-            <a:r>
-              <a:rPr lang="en-US" sz="1200" b="1" dirty="0">
-                <a:solidFill>
-                  <a:schemeClr val="accent4">
-                    <a:lumMod val="50000"/>
-                  </a:schemeClr>
-                </a:solidFill>
-                <a:latin typeface="Courier New" panose="02070309020205020404" pitchFamily="49" charset="0"/>
-                <a:cs typeface="Courier New" panose="02070309020205020404" pitchFamily="49" charset="0"/>
-              </a:rPr>
-              <a:t>Employee</a:t>
-            </a:r>
-            <a:r>
-              <a:rPr lang="en-US" sz="1200" dirty="0">
-                <a:latin typeface="Courier New" panose="02070309020205020404" pitchFamily="49" charset="0"/>
-                <a:cs typeface="Courier New" panose="02070309020205020404" pitchFamily="49" charset="0"/>
-              </a:rPr>
-              <a:t> </a:t>
-            </a:r>
-            <a:r>
-              <a:rPr lang="en-US" sz="1200" b="1" dirty="0">
-                <a:solidFill>
-                  <a:srgbClr val="C00000"/>
-                </a:solidFill>
-                <a:latin typeface="Courier New" panose="02070309020205020404" pitchFamily="49" charset="0"/>
-                <a:cs typeface="Courier New" panose="02070309020205020404" pitchFamily="49" charset="0"/>
-              </a:rPr>
-              <a:t>other</a:t>
-            </a:r>
-            <a:r>
-              <a:rPr lang="en-US" sz="1200" dirty="0">
-                <a:latin typeface="Courier New" panose="02070309020205020404" pitchFamily="49" charset="0"/>
-                <a:cs typeface="Courier New" panose="02070309020205020404" pitchFamily="49" charset="0"/>
-              </a:rPr>
-              <a:t> = (</a:t>
-            </a:r>
-            <a:r>
-              <a:rPr lang="en-US" sz="1200" b="1" dirty="0">
-                <a:solidFill>
-                  <a:schemeClr val="accent4">
-                    <a:lumMod val="50000"/>
-                  </a:schemeClr>
-                </a:solidFill>
-                <a:latin typeface="Courier New" panose="02070309020205020404" pitchFamily="49" charset="0"/>
-                <a:cs typeface="Courier New" panose="02070309020205020404" pitchFamily="49" charset="0"/>
-              </a:rPr>
-              <a:t>Employee</a:t>
-            </a:r>
-            <a:r>
-              <a:rPr lang="en-US" sz="1200" dirty="0">
-                <a:latin typeface="Courier New" panose="02070309020205020404" pitchFamily="49" charset="0"/>
-                <a:cs typeface="Courier New" panose="02070309020205020404" pitchFamily="49" charset="0"/>
-              </a:rPr>
-              <a:t>) o;</a:t>
-            </a:r>
-          </a:p>
-          <a:p>
-            <a:pPr marL="0" indent="0">
-              <a:lnSpc>
-                <a:spcPct val="100000"/>
-              </a:lnSpc>
-              <a:spcBef>
-                <a:spcPts val="0"/>
-              </a:spcBef>
-              <a:buNone/>
-            </a:pPr>
-            <a:r>
-              <a:rPr lang="en-US" sz="1200" dirty="0">
-                <a:latin typeface="Courier New" panose="02070309020205020404" pitchFamily="49" charset="0"/>
-                <a:cs typeface="Courier New" panose="02070309020205020404" pitchFamily="49" charset="0"/>
-              </a:rPr>
-              <a:t>    </a:t>
-            </a:r>
-            <a:r>
-              <a:rPr lang="en-US" sz="1200" b="1" dirty="0">
-                <a:solidFill>
-                  <a:srgbClr val="7030A0"/>
-                </a:solidFill>
-                <a:latin typeface="Courier New" panose="02070309020205020404" pitchFamily="49" charset="0"/>
-                <a:cs typeface="Courier New" panose="02070309020205020404" pitchFamily="49" charset="0"/>
-              </a:rPr>
-              <a:t>if</a:t>
-            </a:r>
-            <a:r>
-              <a:rPr lang="en-US" sz="1200" dirty="0">
-                <a:latin typeface="Courier New" panose="02070309020205020404" pitchFamily="49" charset="0"/>
-                <a:cs typeface="Courier New" panose="02070309020205020404" pitchFamily="49" charset="0"/>
-              </a:rPr>
-              <a:t> (</a:t>
-            </a:r>
-            <a:r>
-              <a:rPr lang="en-US" sz="1200" b="1" dirty="0">
-                <a:solidFill>
-                  <a:srgbClr val="C00000"/>
-                </a:solidFill>
-                <a:latin typeface="Courier New" panose="02070309020205020404" pitchFamily="49" charset="0"/>
-                <a:cs typeface="Courier New" panose="02070309020205020404" pitchFamily="49" charset="0"/>
-              </a:rPr>
-              <a:t>this</a:t>
-            </a:r>
-            <a:r>
-              <a:rPr lang="en-US" sz="1200" dirty="0">
-                <a:latin typeface="Courier New" panose="02070309020205020404" pitchFamily="49" charset="0"/>
-                <a:cs typeface="Courier New" panose="02070309020205020404" pitchFamily="49" charset="0"/>
-              </a:rPr>
-              <a:t>.</a:t>
-            </a:r>
-            <a:r>
-              <a:rPr lang="en-US" sz="1200" b="1" dirty="0">
-                <a:solidFill>
-                  <a:srgbClr val="C00000"/>
-                </a:solidFill>
-                <a:latin typeface="Courier New" panose="02070309020205020404" pitchFamily="49" charset="0"/>
-                <a:cs typeface="Courier New" panose="02070309020205020404" pitchFamily="49" charset="0"/>
-              </a:rPr>
-              <a:t>employeeId</a:t>
-            </a:r>
-            <a:r>
-              <a:rPr lang="en-US" sz="1200" dirty="0">
-                <a:latin typeface="Courier New" panose="02070309020205020404" pitchFamily="49" charset="0"/>
-                <a:cs typeface="Courier New" panose="02070309020205020404" pitchFamily="49" charset="0"/>
-              </a:rPr>
-              <a:t> != </a:t>
-            </a:r>
-            <a:r>
-              <a:rPr lang="en-US" sz="1200" b="1" dirty="0">
-                <a:solidFill>
-                  <a:srgbClr val="C00000"/>
-                </a:solidFill>
-                <a:latin typeface="Courier New" panose="02070309020205020404" pitchFamily="49" charset="0"/>
-                <a:cs typeface="Courier New" panose="02070309020205020404" pitchFamily="49" charset="0"/>
-              </a:rPr>
-              <a:t>other</a:t>
-            </a:r>
-            <a:r>
-              <a:rPr lang="en-US" sz="1200" dirty="0">
-                <a:latin typeface="Courier New" panose="02070309020205020404" pitchFamily="49" charset="0"/>
-                <a:cs typeface="Courier New" panose="02070309020205020404" pitchFamily="49" charset="0"/>
-              </a:rPr>
-              <a:t>.</a:t>
-            </a:r>
-            <a:r>
-              <a:rPr lang="en-US" sz="1200" b="1" dirty="0">
-                <a:solidFill>
-                  <a:srgbClr val="C00000"/>
-                </a:solidFill>
-                <a:latin typeface="Courier New" panose="02070309020205020404" pitchFamily="49" charset="0"/>
-                <a:cs typeface="Courier New" panose="02070309020205020404" pitchFamily="49" charset="0"/>
-              </a:rPr>
-              <a:t>employeeId</a:t>
-            </a:r>
-            <a:r>
-              <a:rPr lang="en-US" sz="1200" dirty="0">
-                <a:latin typeface="Courier New" panose="02070309020205020404" pitchFamily="49" charset="0"/>
-                <a:cs typeface="Courier New" panose="02070309020205020404" pitchFamily="49" charset="0"/>
-              </a:rPr>
-              <a:t>) </a:t>
-            </a:r>
-            <a:r>
-              <a:rPr lang="en-US" sz="1200" b="1" dirty="0">
-                <a:solidFill>
-                  <a:srgbClr val="7030A0"/>
-                </a:solidFill>
-                <a:latin typeface="Courier New" panose="02070309020205020404" pitchFamily="49" charset="0"/>
-                <a:cs typeface="Courier New" panose="02070309020205020404" pitchFamily="49" charset="0"/>
-              </a:rPr>
-              <a:t>return</a:t>
-            </a:r>
-            <a:r>
-              <a:rPr lang="en-US" sz="1200" dirty="0">
-                <a:latin typeface="Courier New" panose="02070309020205020404" pitchFamily="49" charset="0"/>
-                <a:cs typeface="Courier New" panose="02070309020205020404" pitchFamily="49" charset="0"/>
-              </a:rPr>
-              <a:t> </a:t>
-            </a:r>
-            <a:r>
-              <a:rPr lang="en-US" sz="1200" b="1" dirty="0">
-                <a:solidFill>
-                  <a:schemeClr val="accent4">
-                    <a:lumMod val="50000"/>
-                  </a:schemeClr>
-                </a:solidFill>
-                <a:latin typeface="Courier New" panose="02070309020205020404" pitchFamily="49" charset="0"/>
-                <a:cs typeface="Courier New" panose="02070309020205020404" pitchFamily="49" charset="0"/>
-              </a:rPr>
-              <a:t>false</a:t>
-            </a:r>
-            <a:r>
-              <a:rPr lang="en-US" sz="1200" dirty="0">
-                <a:latin typeface="Courier New" panose="02070309020205020404" pitchFamily="49" charset="0"/>
-                <a:cs typeface="Courier New" panose="02070309020205020404" pitchFamily="49" charset="0"/>
-              </a:rPr>
-              <a:t>;</a:t>
-            </a:r>
-          </a:p>
-          <a:p>
-            <a:pPr marL="0" indent="0">
-              <a:lnSpc>
-                <a:spcPct val="100000"/>
-              </a:lnSpc>
-              <a:spcBef>
-                <a:spcPts val="0"/>
-              </a:spcBef>
-              <a:buNone/>
-            </a:pPr>
-            <a:r>
-              <a:rPr lang="en-US" sz="1200" dirty="0">
-                <a:latin typeface="Courier New" panose="02070309020205020404" pitchFamily="49" charset="0"/>
-                <a:cs typeface="Courier New" panose="02070309020205020404" pitchFamily="49" charset="0"/>
-              </a:rPr>
-              <a:t>    </a:t>
-            </a:r>
-            <a:r>
-              <a:rPr lang="en-US" sz="1200" b="1" dirty="0">
-                <a:solidFill>
-                  <a:srgbClr val="7030A0"/>
-                </a:solidFill>
-                <a:latin typeface="Courier New" panose="02070309020205020404" pitchFamily="49" charset="0"/>
-                <a:cs typeface="Courier New" panose="02070309020205020404" pitchFamily="49" charset="0"/>
-              </a:rPr>
-              <a:t>if</a:t>
-            </a:r>
-            <a:r>
-              <a:rPr lang="en-US" sz="1200" dirty="0">
-                <a:latin typeface="Courier New" panose="02070309020205020404" pitchFamily="49" charset="0"/>
-                <a:cs typeface="Courier New" panose="02070309020205020404" pitchFamily="49" charset="0"/>
-              </a:rPr>
-              <a:t> (! </a:t>
-            </a:r>
-            <a:r>
-              <a:rPr lang="en-US" sz="1200" b="1" dirty="0">
-                <a:solidFill>
-                  <a:srgbClr val="C00000"/>
-                </a:solidFill>
-                <a:latin typeface="Courier New" panose="02070309020205020404" pitchFamily="49" charset="0"/>
-                <a:cs typeface="Courier New" panose="02070309020205020404" pitchFamily="49" charset="0"/>
-              </a:rPr>
-              <a:t>this</a:t>
-            </a:r>
-            <a:r>
-              <a:rPr lang="en-US" sz="1200" dirty="0">
-                <a:latin typeface="Courier New" panose="02070309020205020404" pitchFamily="49" charset="0"/>
-                <a:cs typeface="Courier New" panose="02070309020205020404" pitchFamily="49" charset="0"/>
-              </a:rPr>
-              <a:t>.</a:t>
-            </a:r>
-            <a:r>
-              <a:rPr lang="en-US" sz="1200" b="1" dirty="0">
-                <a:solidFill>
-                  <a:srgbClr val="C00000"/>
-                </a:solidFill>
-                <a:latin typeface="Courier New" panose="02070309020205020404" pitchFamily="49" charset="0"/>
-                <a:cs typeface="Courier New" panose="02070309020205020404" pitchFamily="49" charset="0"/>
-              </a:rPr>
-              <a:t>firstName</a:t>
-            </a:r>
-            <a:r>
-              <a:rPr lang="en-US" sz="1200" dirty="0">
-                <a:latin typeface="Courier New" panose="02070309020205020404" pitchFamily="49" charset="0"/>
-                <a:cs typeface="Courier New" panose="02070309020205020404" pitchFamily="49" charset="0"/>
-              </a:rPr>
-              <a:t>.</a:t>
-            </a:r>
-            <a:r>
-              <a:rPr lang="en-US" sz="1200" b="1" dirty="0">
-                <a:solidFill>
-                  <a:schemeClr val="accent5">
-                    <a:lumMod val="50000"/>
-                  </a:schemeClr>
-                </a:solidFill>
-                <a:latin typeface="Courier New" panose="02070309020205020404" pitchFamily="49" charset="0"/>
-                <a:cs typeface="Courier New" panose="02070309020205020404" pitchFamily="49" charset="0"/>
-              </a:rPr>
-              <a:t>equals</a:t>
-            </a:r>
-            <a:r>
-              <a:rPr lang="en-US" sz="1200" dirty="0">
-                <a:latin typeface="Courier New" panose="02070309020205020404" pitchFamily="49" charset="0"/>
-                <a:cs typeface="Courier New" panose="02070309020205020404" pitchFamily="49" charset="0"/>
-              </a:rPr>
-              <a:t> (</a:t>
-            </a:r>
-            <a:r>
-              <a:rPr lang="en-US" sz="1200" b="1" dirty="0">
-                <a:solidFill>
-                  <a:srgbClr val="C00000"/>
-                </a:solidFill>
-                <a:latin typeface="Courier New" panose="02070309020205020404" pitchFamily="49" charset="0"/>
-                <a:cs typeface="Courier New" panose="02070309020205020404" pitchFamily="49" charset="0"/>
-              </a:rPr>
-              <a:t>other</a:t>
-            </a:r>
-            <a:r>
-              <a:rPr lang="en-US" sz="1200" dirty="0">
-                <a:latin typeface="Courier New" panose="02070309020205020404" pitchFamily="49" charset="0"/>
-                <a:cs typeface="Courier New" panose="02070309020205020404" pitchFamily="49" charset="0"/>
-              </a:rPr>
-              <a:t>.</a:t>
-            </a:r>
-            <a:r>
-              <a:rPr lang="en-US" sz="1200" b="1" dirty="0">
-                <a:solidFill>
-                  <a:srgbClr val="C00000"/>
-                </a:solidFill>
-                <a:latin typeface="Courier New" panose="02070309020205020404" pitchFamily="49" charset="0"/>
-                <a:cs typeface="Courier New" panose="02070309020205020404" pitchFamily="49" charset="0"/>
-              </a:rPr>
-              <a:t>firstName</a:t>
-            </a:r>
-            <a:r>
-              <a:rPr lang="en-US" sz="1200" dirty="0">
-                <a:latin typeface="Courier New" panose="02070309020205020404" pitchFamily="49" charset="0"/>
-                <a:cs typeface="Courier New" panose="02070309020205020404" pitchFamily="49" charset="0"/>
-              </a:rPr>
-              <a:t>)) </a:t>
-            </a:r>
-            <a:r>
-              <a:rPr lang="en-US" sz="1200" b="1" dirty="0">
-                <a:solidFill>
-                  <a:srgbClr val="7030A0"/>
-                </a:solidFill>
-                <a:latin typeface="Courier New" panose="02070309020205020404" pitchFamily="49" charset="0"/>
-                <a:cs typeface="Courier New" panose="02070309020205020404" pitchFamily="49" charset="0"/>
-              </a:rPr>
-              <a:t>return</a:t>
-            </a:r>
-            <a:r>
-              <a:rPr lang="en-US" sz="1200" dirty="0">
-                <a:latin typeface="Courier New" panose="02070309020205020404" pitchFamily="49" charset="0"/>
-                <a:cs typeface="Courier New" panose="02070309020205020404" pitchFamily="49" charset="0"/>
-              </a:rPr>
-              <a:t> </a:t>
-            </a:r>
-            <a:r>
-              <a:rPr lang="en-US" sz="1200" b="1" dirty="0">
-                <a:solidFill>
-                  <a:schemeClr val="accent4">
-                    <a:lumMod val="50000"/>
-                  </a:schemeClr>
-                </a:solidFill>
-                <a:latin typeface="Courier New" panose="02070309020205020404" pitchFamily="49" charset="0"/>
-                <a:cs typeface="Courier New" panose="02070309020205020404" pitchFamily="49" charset="0"/>
-              </a:rPr>
-              <a:t>false</a:t>
-            </a:r>
-            <a:r>
-              <a:rPr lang="en-US" sz="1200" dirty="0">
-                <a:latin typeface="Courier New" panose="02070309020205020404" pitchFamily="49" charset="0"/>
-                <a:cs typeface="Courier New" panose="02070309020205020404" pitchFamily="49" charset="0"/>
-              </a:rPr>
-              <a:t>;</a:t>
-            </a:r>
-          </a:p>
-          <a:p>
-            <a:pPr marL="0" indent="0">
-              <a:lnSpc>
-                <a:spcPct val="100000"/>
-              </a:lnSpc>
-              <a:spcBef>
-                <a:spcPts val="0"/>
-              </a:spcBef>
-              <a:buNone/>
-            </a:pPr>
-            <a:r>
-              <a:rPr lang="en-US" sz="1200" dirty="0">
-                <a:latin typeface="Courier New" panose="02070309020205020404" pitchFamily="49" charset="0"/>
-                <a:cs typeface="Courier New" panose="02070309020205020404" pitchFamily="49" charset="0"/>
-              </a:rPr>
-              <a:t>    </a:t>
-            </a:r>
-            <a:r>
-              <a:rPr lang="en-US" sz="1200" b="1" dirty="0">
-                <a:solidFill>
-                  <a:srgbClr val="7030A0"/>
-                </a:solidFill>
-                <a:latin typeface="Courier New" panose="02070309020205020404" pitchFamily="49" charset="0"/>
-                <a:cs typeface="Courier New" panose="02070309020205020404" pitchFamily="49" charset="0"/>
-              </a:rPr>
-              <a:t>if</a:t>
-            </a:r>
-            <a:r>
-              <a:rPr lang="en-US" sz="1200" dirty="0">
-                <a:latin typeface="Courier New" panose="02070309020205020404" pitchFamily="49" charset="0"/>
-                <a:cs typeface="Courier New" panose="02070309020205020404" pitchFamily="49" charset="0"/>
-              </a:rPr>
-              <a:t> (! </a:t>
-            </a:r>
-            <a:r>
-              <a:rPr lang="en-US" sz="1200" b="1" dirty="0">
-                <a:solidFill>
-                  <a:srgbClr val="C00000"/>
-                </a:solidFill>
-                <a:latin typeface="Courier New" panose="02070309020205020404" pitchFamily="49" charset="0"/>
-                <a:cs typeface="Courier New" panose="02070309020205020404" pitchFamily="49" charset="0"/>
-              </a:rPr>
-              <a:t>this</a:t>
-            </a:r>
-            <a:r>
-              <a:rPr lang="en-US" sz="1200" dirty="0">
-                <a:latin typeface="Courier New" panose="02070309020205020404" pitchFamily="49" charset="0"/>
-                <a:cs typeface="Courier New" panose="02070309020205020404" pitchFamily="49" charset="0"/>
-              </a:rPr>
-              <a:t>.</a:t>
-            </a:r>
-            <a:r>
-              <a:rPr lang="en-US" sz="1200" b="1" dirty="0">
-                <a:solidFill>
-                  <a:srgbClr val="C00000"/>
-                </a:solidFill>
-                <a:latin typeface="Courier New" panose="02070309020205020404" pitchFamily="49" charset="0"/>
-                <a:cs typeface="Courier New" panose="02070309020205020404" pitchFamily="49" charset="0"/>
-              </a:rPr>
-              <a:t>lastName</a:t>
-            </a:r>
-            <a:r>
-              <a:rPr lang="en-US" sz="1200" dirty="0">
-                <a:latin typeface="Courier New" panose="02070309020205020404" pitchFamily="49" charset="0"/>
-                <a:cs typeface="Courier New" panose="02070309020205020404" pitchFamily="49" charset="0"/>
-              </a:rPr>
-              <a:t>.</a:t>
-            </a:r>
-            <a:r>
-              <a:rPr lang="en-US" sz="1200" b="1" dirty="0">
-                <a:solidFill>
-                  <a:schemeClr val="accent5">
-                    <a:lumMod val="50000"/>
-                  </a:schemeClr>
-                </a:solidFill>
-                <a:latin typeface="Courier New" panose="02070309020205020404" pitchFamily="49" charset="0"/>
-                <a:cs typeface="Courier New" panose="02070309020205020404" pitchFamily="49" charset="0"/>
-              </a:rPr>
-              <a:t>equals</a:t>
-            </a:r>
-            <a:r>
-              <a:rPr lang="en-US" sz="1200" dirty="0">
-                <a:latin typeface="Courier New" panose="02070309020205020404" pitchFamily="49" charset="0"/>
-                <a:cs typeface="Courier New" panose="02070309020205020404" pitchFamily="49" charset="0"/>
-              </a:rPr>
-              <a:t> (</a:t>
-            </a:r>
-            <a:r>
-              <a:rPr lang="en-US" sz="1200" b="1" dirty="0">
-                <a:solidFill>
-                  <a:srgbClr val="C00000"/>
-                </a:solidFill>
-                <a:latin typeface="Courier New" panose="02070309020205020404" pitchFamily="49" charset="0"/>
-                <a:cs typeface="Courier New" panose="02070309020205020404" pitchFamily="49" charset="0"/>
-              </a:rPr>
-              <a:t>other</a:t>
-            </a:r>
-            <a:r>
-              <a:rPr lang="en-US" sz="1200" dirty="0">
-                <a:latin typeface="Courier New" panose="02070309020205020404" pitchFamily="49" charset="0"/>
-                <a:cs typeface="Courier New" panose="02070309020205020404" pitchFamily="49" charset="0"/>
-              </a:rPr>
-              <a:t>.</a:t>
-            </a:r>
-            <a:r>
-              <a:rPr lang="en-US" sz="1200" b="1" dirty="0">
-                <a:solidFill>
-                  <a:srgbClr val="C00000"/>
-                </a:solidFill>
-                <a:latin typeface="Courier New" panose="02070309020205020404" pitchFamily="49" charset="0"/>
-                <a:cs typeface="Courier New" panose="02070309020205020404" pitchFamily="49" charset="0"/>
-              </a:rPr>
-              <a:t>lastName</a:t>
-            </a:r>
-            <a:r>
-              <a:rPr lang="en-US" sz="1200" dirty="0">
-                <a:latin typeface="Courier New" panose="02070309020205020404" pitchFamily="49" charset="0"/>
-                <a:cs typeface="Courier New" panose="02070309020205020404" pitchFamily="49" charset="0"/>
-              </a:rPr>
-              <a:t>)) </a:t>
-            </a:r>
-            <a:r>
-              <a:rPr lang="en-US" sz="1200" b="1" dirty="0">
-                <a:solidFill>
-                  <a:srgbClr val="7030A0"/>
-                </a:solidFill>
-                <a:latin typeface="Courier New" panose="02070309020205020404" pitchFamily="49" charset="0"/>
-                <a:cs typeface="Courier New" panose="02070309020205020404" pitchFamily="49" charset="0"/>
-              </a:rPr>
-              <a:t>return</a:t>
-            </a:r>
-            <a:r>
-              <a:rPr lang="en-US" sz="1200" dirty="0">
-                <a:latin typeface="Courier New" panose="02070309020205020404" pitchFamily="49" charset="0"/>
-                <a:cs typeface="Courier New" panose="02070309020205020404" pitchFamily="49" charset="0"/>
-              </a:rPr>
-              <a:t> </a:t>
-            </a:r>
-            <a:r>
-              <a:rPr lang="en-US" sz="1200" b="1" dirty="0">
-                <a:solidFill>
-                  <a:schemeClr val="accent4">
-                    <a:lumMod val="50000"/>
-                  </a:schemeClr>
-                </a:solidFill>
-                <a:latin typeface="Courier New" panose="02070309020205020404" pitchFamily="49" charset="0"/>
-                <a:cs typeface="Courier New" panose="02070309020205020404" pitchFamily="49" charset="0"/>
-              </a:rPr>
-              <a:t>false</a:t>
-            </a:r>
-            <a:r>
-              <a:rPr lang="en-US" sz="1200" dirty="0">
-                <a:latin typeface="Courier New" panose="02070309020205020404" pitchFamily="49" charset="0"/>
-                <a:cs typeface="Courier New" panose="02070309020205020404" pitchFamily="49" charset="0"/>
-              </a:rPr>
-              <a:t>;</a:t>
-            </a:r>
-          </a:p>
-          <a:p>
-            <a:pPr marL="0" indent="0">
-              <a:lnSpc>
-                <a:spcPct val="100000"/>
-              </a:lnSpc>
-              <a:spcBef>
-                <a:spcPts val="0"/>
-              </a:spcBef>
-              <a:buNone/>
-            </a:pPr>
-            <a:r>
-              <a:rPr lang="en-US" sz="1200" dirty="0">
-                <a:latin typeface="Courier New" panose="02070309020205020404" pitchFamily="49" charset="0"/>
-                <a:cs typeface="Courier New" panose="02070309020205020404" pitchFamily="49" charset="0"/>
-              </a:rPr>
-              <a:t>    </a:t>
-            </a:r>
-            <a:r>
-              <a:rPr lang="en-US" sz="1200" b="1" dirty="0">
-                <a:solidFill>
-                  <a:srgbClr val="7030A0"/>
-                </a:solidFill>
-                <a:latin typeface="Courier New" panose="02070309020205020404" pitchFamily="49" charset="0"/>
-                <a:cs typeface="Courier New" panose="02070309020205020404" pitchFamily="49" charset="0"/>
-              </a:rPr>
-              <a:t>return</a:t>
-            </a:r>
-            <a:r>
-              <a:rPr lang="en-US" sz="1200" dirty="0">
-                <a:latin typeface="Courier New" panose="02070309020205020404" pitchFamily="49" charset="0"/>
-                <a:cs typeface="Courier New" panose="02070309020205020404" pitchFamily="49" charset="0"/>
-              </a:rPr>
-              <a:t> </a:t>
-            </a:r>
-            <a:r>
-              <a:rPr lang="en-US" sz="1200" b="1" dirty="0">
-                <a:solidFill>
-                  <a:schemeClr val="accent4">
-                    <a:lumMod val="50000"/>
-                  </a:schemeClr>
-                </a:solidFill>
-                <a:latin typeface="Courier New" panose="02070309020205020404" pitchFamily="49" charset="0"/>
-                <a:cs typeface="Courier New" panose="02070309020205020404" pitchFamily="49" charset="0"/>
-              </a:rPr>
-              <a:t>true</a:t>
-            </a:r>
-            <a:r>
-              <a:rPr lang="en-US" sz="1200" dirty="0">
-                <a:latin typeface="Courier New" panose="02070309020205020404" pitchFamily="49" charset="0"/>
-                <a:cs typeface="Courier New" panose="02070309020205020404" pitchFamily="49" charset="0"/>
-              </a:rPr>
-              <a:t>;</a:t>
-            </a:r>
-          </a:p>
-          <a:p>
-            <a:pPr marL="0" indent="0">
-              <a:lnSpc>
-                <a:spcPct val="100000"/>
-              </a:lnSpc>
-              <a:spcBef>
-                <a:spcPts val="0"/>
-              </a:spcBef>
-              <a:buNone/>
-            </a:pPr>
-            <a:r>
-              <a:rPr lang="en-US" sz="1200" dirty="0">
-                <a:latin typeface="Courier New" panose="02070309020205020404" pitchFamily="49" charset="0"/>
-                <a:cs typeface="Courier New" panose="02070309020205020404" pitchFamily="49" charset="0"/>
-              </a:rPr>
-              <a:t>  }</a:t>
-            </a:r>
-          </a:p>
-          <a:p>
-            <a:pPr marL="0" indent="0">
-              <a:lnSpc>
-                <a:spcPct val="100000"/>
-              </a:lnSpc>
-              <a:spcBef>
-                <a:spcPts val="0"/>
-              </a:spcBef>
-              <a:buNone/>
-            </a:pPr>
-            <a:endParaRPr lang="en-US" sz="1200" dirty="0">
-              <a:latin typeface="Courier New" panose="02070309020205020404" pitchFamily="49" charset="0"/>
-              <a:cs typeface="Courier New" panose="02070309020205020404" pitchFamily="49" charset="0"/>
-            </a:endParaRPr>
-          </a:p>
-          <a:p>
-            <a:pPr marL="0" indent="0">
-              <a:lnSpc>
-                <a:spcPct val="100000"/>
-              </a:lnSpc>
-              <a:spcBef>
-                <a:spcPts val="0"/>
-              </a:spcBef>
-              <a:buNone/>
-            </a:pPr>
-            <a:r>
-              <a:rPr lang="en-US" sz="1200" dirty="0">
-                <a:latin typeface="Courier New" panose="02070309020205020404" pitchFamily="49" charset="0"/>
-                <a:cs typeface="Courier New" panose="02070309020205020404" pitchFamily="49" charset="0"/>
-              </a:rPr>
-              <a:t>  </a:t>
-            </a:r>
-            <a:r>
-              <a:rPr lang="en-US" sz="1200" b="1" dirty="0">
-                <a:solidFill>
-                  <a:srgbClr val="7030A0"/>
-                </a:solidFill>
-                <a:latin typeface="Courier New" panose="02070309020205020404" pitchFamily="49" charset="0"/>
-                <a:cs typeface="Courier New" panose="02070309020205020404" pitchFamily="49" charset="0"/>
-              </a:rPr>
-              <a:t>public</a:t>
-            </a:r>
-            <a:r>
-              <a:rPr lang="en-US" sz="1200" dirty="0">
-                <a:latin typeface="Courier New" panose="02070309020205020404" pitchFamily="49" charset="0"/>
-                <a:cs typeface="Courier New" panose="02070309020205020404" pitchFamily="49" charset="0"/>
-              </a:rPr>
-              <a:t> </a:t>
-            </a:r>
-            <a:r>
-              <a:rPr lang="en-US" sz="1200" b="1" dirty="0">
-                <a:solidFill>
-                  <a:schemeClr val="accent4">
-                    <a:lumMod val="50000"/>
-                  </a:schemeClr>
-                </a:solidFill>
-                <a:latin typeface="Courier New" panose="02070309020205020404" pitchFamily="49" charset="0"/>
-                <a:cs typeface="Courier New" panose="02070309020205020404" pitchFamily="49" charset="0"/>
-              </a:rPr>
-              <a:t>int</a:t>
-            </a:r>
-            <a:r>
-              <a:rPr lang="en-US" sz="1200" dirty="0">
-                <a:latin typeface="Courier New" panose="02070309020205020404" pitchFamily="49" charset="0"/>
-                <a:cs typeface="Courier New" panose="02070309020205020404" pitchFamily="49" charset="0"/>
-              </a:rPr>
-              <a:t> </a:t>
-            </a:r>
-            <a:r>
-              <a:rPr lang="en-US" sz="1200" b="1" dirty="0">
-                <a:solidFill>
-                  <a:schemeClr val="accent5">
-                    <a:lumMod val="50000"/>
-                  </a:schemeClr>
-                </a:solidFill>
-                <a:latin typeface="Courier New" panose="02070309020205020404" pitchFamily="49" charset="0"/>
-                <a:cs typeface="Courier New" panose="02070309020205020404" pitchFamily="49" charset="0"/>
-              </a:rPr>
-              <a:t>hashCode</a:t>
-            </a:r>
-            <a:r>
-              <a:rPr lang="en-US" sz="1200" dirty="0">
-                <a:latin typeface="Courier New" panose="02070309020205020404" pitchFamily="49" charset="0"/>
-                <a:cs typeface="Courier New" panose="02070309020205020404" pitchFamily="49" charset="0"/>
-              </a:rPr>
-              <a:t>() {</a:t>
-            </a:r>
-          </a:p>
-          <a:p>
-            <a:pPr marL="0" indent="0">
-              <a:lnSpc>
-                <a:spcPct val="100000"/>
-              </a:lnSpc>
-              <a:spcBef>
-                <a:spcPts val="0"/>
-              </a:spcBef>
-              <a:buNone/>
-            </a:pPr>
-            <a:r>
-              <a:rPr lang="en-US" sz="1200" dirty="0">
-                <a:latin typeface="Courier New" panose="02070309020205020404" pitchFamily="49" charset="0"/>
-                <a:cs typeface="Courier New" panose="02070309020205020404" pitchFamily="49" charset="0"/>
-              </a:rPr>
-              <a:t>    </a:t>
-            </a:r>
-            <a:r>
-              <a:rPr lang="en-US" sz="1200" b="1" dirty="0">
-                <a:solidFill>
-                  <a:srgbClr val="7030A0"/>
-                </a:solidFill>
-                <a:latin typeface="Courier New" panose="02070309020205020404" pitchFamily="49" charset="0"/>
-                <a:cs typeface="Courier New" panose="02070309020205020404" pitchFamily="49" charset="0"/>
-              </a:rPr>
-              <a:t>return</a:t>
-            </a:r>
-            <a:r>
-              <a:rPr lang="en-US" sz="1200" dirty="0">
-                <a:latin typeface="Courier New" panose="02070309020205020404" pitchFamily="49" charset="0"/>
-                <a:cs typeface="Courier New" panose="02070309020205020404" pitchFamily="49" charset="0"/>
-              </a:rPr>
-              <a:t> (</a:t>
-            </a:r>
-            <a:r>
-              <a:rPr lang="en-US" sz="1200" dirty="0">
-                <a:solidFill>
-                  <a:schemeClr val="accent4">
-                    <a:lumMod val="50000"/>
-                  </a:schemeClr>
-                </a:solidFill>
-                <a:latin typeface="Courier New" panose="02070309020205020404" pitchFamily="49" charset="0"/>
-                <a:cs typeface="Courier New" panose="02070309020205020404" pitchFamily="49" charset="0"/>
-              </a:rPr>
-              <a:t>int</a:t>
-            </a:r>
-            <a:r>
-              <a:rPr lang="en-US" sz="1200" dirty="0">
-                <a:latin typeface="Courier New" panose="02070309020205020404" pitchFamily="49" charset="0"/>
-                <a:cs typeface="Courier New" panose="02070309020205020404" pitchFamily="49" charset="0"/>
-              </a:rPr>
-              <a:t>) </a:t>
-            </a:r>
-            <a:r>
-              <a:rPr lang="en-US" sz="1200" b="1" dirty="0">
-                <a:solidFill>
-                  <a:srgbClr val="C00000"/>
-                </a:solidFill>
-                <a:latin typeface="Courier New" panose="02070309020205020404" pitchFamily="49" charset="0"/>
-                <a:cs typeface="Courier New" panose="02070309020205020404" pitchFamily="49" charset="0"/>
-              </a:rPr>
-              <a:t>employeeId</a:t>
-            </a:r>
-            <a:r>
-              <a:rPr lang="en-US" sz="1200" dirty="0">
-                <a:latin typeface="Courier New" panose="02070309020205020404" pitchFamily="49" charset="0"/>
-                <a:cs typeface="Courier New" panose="02070309020205020404" pitchFamily="49" charset="0"/>
-              </a:rPr>
-              <a:t> * </a:t>
-            </a:r>
-            <a:r>
-              <a:rPr lang="en-US" sz="1200" b="1" dirty="0">
-                <a:solidFill>
-                  <a:srgbClr val="C00000"/>
-                </a:solidFill>
-                <a:latin typeface="Courier New" panose="02070309020205020404" pitchFamily="49" charset="0"/>
-                <a:cs typeface="Courier New" panose="02070309020205020404" pitchFamily="49" charset="0"/>
-              </a:rPr>
-              <a:t>firstName</a:t>
-            </a:r>
-            <a:r>
-              <a:rPr lang="en-US" sz="1200" dirty="0">
-                <a:latin typeface="Courier New" panose="02070309020205020404" pitchFamily="49" charset="0"/>
-                <a:cs typeface="Courier New" panose="02070309020205020404" pitchFamily="49" charset="0"/>
-              </a:rPr>
-              <a:t>.</a:t>
-            </a:r>
-            <a:r>
-              <a:rPr lang="en-US" sz="1200" b="1" dirty="0">
-                <a:solidFill>
-                  <a:schemeClr val="accent5">
-                    <a:lumMod val="50000"/>
-                  </a:schemeClr>
-                </a:solidFill>
-                <a:latin typeface="Courier New" panose="02070309020205020404" pitchFamily="49" charset="0"/>
-                <a:cs typeface="Courier New" panose="02070309020205020404" pitchFamily="49" charset="0"/>
-              </a:rPr>
-              <a:t>hashCode</a:t>
-            </a:r>
-            <a:r>
-              <a:rPr lang="en-US" sz="1200" dirty="0">
-                <a:latin typeface="Courier New" panose="02070309020205020404" pitchFamily="49" charset="0"/>
-                <a:cs typeface="Courier New" panose="02070309020205020404" pitchFamily="49" charset="0"/>
-              </a:rPr>
-              <a:t>() * </a:t>
-            </a:r>
-            <a:r>
-              <a:rPr lang="en-US" sz="1200" b="1" dirty="0">
-                <a:solidFill>
-                  <a:srgbClr val="C00000"/>
-                </a:solidFill>
-                <a:latin typeface="Courier New" panose="02070309020205020404" pitchFamily="49" charset="0"/>
-                <a:cs typeface="Courier New" panose="02070309020205020404" pitchFamily="49" charset="0"/>
-              </a:rPr>
-              <a:t>lastName</a:t>
-            </a:r>
-            <a:r>
-              <a:rPr lang="en-US" sz="1200" dirty="0">
-                <a:latin typeface="Courier New" panose="02070309020205020404" pitchFamily="49" charset="0"/>
-                <a:cs typeface="Courier New" panose="02070309020205020404" pitchFamily="49" charset="0"/>
-              </a:rPr>
-              <a:t>.</a:t>
-            </a:r>
-            <a:r>
-              <a:rPr lang="en-US" sz="1200" b="1" dirty="0">
-                <a:solidFill>
-                  <a:schemeClr val="accent5">
-                    <a:lumMod val="50000"/>
-                  </a:schemeClr>
-                </a:solidFill>
-                <a:latin typeface="Courier New" panose="02070309020205020404" pitchFamily="49" charset="0"/>
-                <a:cs typeface="Courier New" panose="02070309020205020404" pitchFamily="49" charset="0"/>
-              </a:rPr>
-              <a:t>hashCode</a:t>
-            </a:r>
-            <a:r>
-              <a:rPr lang="en-US" sz="1200" dirty="0">
-                <a:latin typeface="Courier New" panose="02070309020205020404" pitchFamily="49" charset="0"/>
-                <a:cs typeface="Courier New" panose="02070309020205020404" pitchFamily="49" charset="0"/>
-              </a:rPr>
-              <a:t>();</a:t>
-            </a:r>
-          </a:p>
-          <a:p>
-            <a:pPr marL="0" indent="0">
-              <a:lnSpc>
-                <a:spcPct val="100000"/>
-              </a:lnSpc>
-              <a:spcBef>
-                <a:spcPts val="0"/>
-              </a:spcBef>
-              <a:buNone/>
-            </a:pPr>
-            <a:r>
-              <a:rPr lang="en-US" sz="1200" dirty="0">
-                <a:latin typeface="Courier New" panose="02070309020205020404" pitchFamily="49" charset="0"/>
-                <a:cs typeface="Courier New" panose="02070309020205020404" pitchFamily="49" charset="0"/>
-              </a:rPr>
-              <a:t>  }</a:t>
-            </a:r>
-          </a:p>
-          <a:p>
-            <a:pPr marL="0" indent="0">
-              <a:lnSpc>
-                <a:spcPct val="100000"/>
-              </a:lnSpc>
-              <a:spcBef>
-                <a:spcPts val="0"/>
-              </a:spcBef>
-              <a:buNone/>
-            </a:pPr>
-            <a:r>
-              <a:rPr lang="en-US" sz="1200" dirty="0">
-                <a:latin typeface="Courier New" panose="02070309020205020404" pitchFamily="49" charset="0"/>
-                <a:cs typeface="Courier New" panose="02070309020205020404" pitchFamily="49" charset="0"/>
-              </a:rPr>
-              <a:t>}</a:t>
-            </a:r>
-          </a:p>
-        </p:txBody>
-      </p:sp>
-      <p:sp>
-        <p:nvSpPr>
-          <p:cNvPr id="4" name="TextBox 3"/>
-          <p:cNvSpPr txBox="1"/>
-          <p:nvPr/>
-        </p:nvSpPr>
-        <p:spPr>
-          <a:xfrm>
-            <a:off x="329784" y="6165504"/>
-            <a:ext cx="11862215" cy="923330"/>
-          </a:xfrm>
-          <a:prstGeom prst="rect">
-            <a:avLst/>
-          </a:prstGeom>
-          <a:noFill/>
-        </p:spPr>
-        <p:txBody>
-          <a:bodyPr wrap="square" rtlCol="0">
-            <a:spAutoFit/>
-          </a:bodyPr>
-          <a:lstStyle/>
-          <a:p>
-            <a:r>
-              <a:rPr lang="en-US" dirty="0"/>
-              <a:t>TypeScript Collections Framework by Larry Diamond                                    </a:t>
-            </a:r>
-            <a:r>
-              <a:rPr lang="en-US" dirty="0" err="1"/>
-              <a:t>npm</a:t>
-            </a:r>
-            <a:r>
-              <a:rPr lang="en-US" dirty="0"/>
-              <a:t> install typescriptcollectionsframework --save</a:t>
-            </a:r>
-            <a:endParaRPr lang="en-US" dirty="0"/>
-          </a:p>
-          <a:p>
-            <a:pPr algn="ctr"/>
-            <a:r>
-              <a:rPr lang="en-US" dirty="0">
-                <a:hlinkClick r:id="rId2"/>
-              </a:rPr>
-              <a:t>https://github.com/larrydiamond/typescriptcollectionsframework</a:t>
-            </a:r>
-            <a:endParaRPr lang="en-US" dirty="0"/>
-          </a:p>
-          <a:p>
-            <a:endParaRPr lang="en-US" dirty="0"/>
-          </a:p>
-        </p:txBody>
-      </p:sp>
-      <p:sp>
-        <p:nvSpPr>
-          <p:cNvPr id="5" name="TextBox 4"/>
-          <p:cNvSpPr txBox="1"/>
-          <p:nvPr/>
-        </p:nvSpPr>
-        <p:spPr>
-          <a:xfrm>
-            <a:off x="838200" y="824459"/>
-            <a:ext cx="2483708" cy="769441"/>
-          </a:xfrm>
-          <a:prstGeom prst="rect">
-            <a:avLst/>
-          </a:prstGeom>
-          <a:noFill/>
-        </p:spPr>
-        <p:txBody>
-          <a:bodyPr wrap="square" rtlCol="0">
-            <a:spAutoFit/>
-          </a:bodyPr>
-          <a:lstStyle/>
-          <a:p>
-            <a:r>
-              <a:rPr lang="en-US" sz="4400" dirty="0"/>
-              <a:t>Java Code</a:t>
-            </a:r>
-          </a:p>
-        </p:txBody>
-      </p:sp>
-      <p:sp>
-        <p:nvSpPr>
-          <p:cNvPr id="6" name="TextBox 5"/>
-          <p:cNvSpPr txBox="1"/>
-          <p:nvPr/>
-        </p:nvSpPr>
-        <p:spPr>
-          <a:xfrm>
-            <a:off x="7641589" y="824459"/>
-            <a:ext cx="4030361" cy="769441"/>
-          </a:xfrm>
-          <a:prstGeom prst="rect">
-            <a:avLst/>
-          </a:prstGeom>
-          <a:noFill/>
-        </p:spPr>
-        <p:txBody>
-          <a:bodyPr wrap="square" rtlCol="0">
-            <a:spAutoFit/>
-          </a:bodyPr>
-          <a:lstStyle/>
-          <a:p>
-            <a:r>
-              <a:rPr lang="en-US" sz="4400" dirty="0"/>
-              <a:t>TypeScript Code</a:t>
-            </a:r>
-          </a:p>
-        </p:txBody>
-      </p:sp>
-      <p:sp>
-        <p:nvSpPr>
-          <p:cNvPr id="7" name="Rectangle 6"/>
-          <p:cNvSpPr/>
-          <p:nvPr/>
-        </p:nvSpPr>
-        <p:spPr>
-          <a:xfrm>
-            <a:off x="6366155" y="1593900"/>
-            <a:ext cx="5205271" cy="1569660"/>
-          </a:xfrm>
-          <a:prstGeom prst="rect">
-            <a:avLst/>
-          </a:prstGeom>
-          <a:ln>
-            <a:solidFill>
-              <a:srgbClr val="0070C0"/>
-            </a:solidFill>
-          </a:ln>
-        </p:spPr>
-        <p:txBody>
-          <a:bodyPr wrap="none">
-            <a:spAutoFit/>
-          </a:bodyPr>
-          <a:lstStyle/>
-          <a:p>
-            <a:r>
-              <a:rPr lang="en-US" sz="1200" b="1" dirty="0">
-                <a:solidFill>
-                  <a:srgbClr val="7030A0"/>
-                </a:solidFill>
-                <a:latin typeface="Courier New" panose="02070309020205020404" pitchFamily="49" charset="0"/>
-                <a:cs typeface="Courier New" panose="02070309020205020404" pitchFamily="49" charset="0"/>
-              </a:rPr>
-              <a:t>export class </a:t>
-            </a:r>
-            <a:r>
-              <a:rPr lang="en-US" sz="1200" b="1" dirty="0">
-                <a:solidFill>
-                  <a:schemeClr val="accent4">
-                    <a:lumMod val="50000"/>
-                  </a:schemeClr>
-                </a:solidFill>
-                <a:latin typeface="Courier New" panose="02070309020205020404" pitchFamily="49" charset="0"/>
-                <a:cs typeface="Courier New" panose="02070309020205020404" pitchFamily="49" charset="0"/>
-              </a:rPr>
-              <a:t>Employee</a:t>
-            </a:r>
-            <a:r>
-              <a:rPr lang="en-US" sz="1200" b="1" dirty="0">
-                <a:solidFill>
-                  <a:srgbClr val="7030A0"/>
-                </a:solidFill>
-                <a:latin typeface="Courier New" panose="02070309020205020404" pitchFamily="49" charset="0"/>
-                <a:cs typeface="Courier New" panose="02070309020205020404" pitchFamily="49" charset="0"/>
-              </a:rPr>
-              <a:t> {</a:t>
-            </a:r>
-          </a:p>
-          <a:p>
-            <a:r>
-              <a:rPr lang="en-US" sz="1200" b="1" dirty="0">
-                <a:solidFill>
-                  <a:srgbClr val="7030A0"/>
-                </a:solidFill>
-                <a:latin typeface="Courier New" panose="02070309020205020404" pitchFamily="49" charset="0"/>
-                <a:cs typeface="Courier New" panose="02070309020205020404" pitchFamily="49" charset="0"/>
-              </a:rPr>
-              <a:t>  </a:t>
-            </a:r>
-            <a:r>
-              <a:rPr lang="en-US" sz="1200" b="1" dirty="0">
-                <a:solidFill>
-                  <a:srgbClr val="C00000"/>
-                </a:solidFill>
-                <a:latin typeface="Courier New" panose="02070309020205020404" pitchFamily="49" charset="0"/>
-                <a:cs typeface="Courier New" panose="02070309020205020404" pitchFamily="49" charset="0"/>
-              </a:rPr>
-              <a:t>employeeId</a:t>
-            </a:r>
-            <a:r>
-              <a:rPr lang="en-US" sz="1200" b="1" dirty="0">
-                <a:solidFill>
-                  <a:srgbClr val="7030A0"/>
-                </a:solidFill>
-                <a:latin typeface="Courier New" panose="02070309020205020404" pitchFamily="49" charset="0"/>
-                <a:cs typeface="Courier New" panose="02070309020205020404" pitchFamily="49" charset="0"/>
-              </a:rPr>
-              <a:t>:</a:t>
-            </a:r>
-            <a:r>
-              <a:rPr lang="en-US" sz="1200" b="1" dirty="0">
-                <a:solidFill>
-                  <a:schemeClr val="accent4">
-                    <a:lumMod val="50000"/>
-                  </a:schemeClr>
-                </a:solidFill>
-                <a:latin typeface="Courier New" panose="02070309020205020404" pitchFamily="49" charset="0"/>
-                <a:cs typeface="Courier New" panose="02070309020205020404" pitchFamily="49" charset="0"/>
-              </a:rPr>
-              <a:t>number</a:t>
-            </a:r>
-            <a:r>
-              <a:rPr lang="en-US" sz="1200" b="1" dirty="0">
-                <a:solidFill>
-                  <a:srgbClr val="7030A0"/>
-                </a:solidFill>
-                <a:latin typeface="Courier New" panose="02070309020205020404" pitchFamily="49" charset="0"/>
-                <a:cs typeface="Courier New" panose="02070309020205020404" pitchFamily="49" charset="0"/>
-              </a:rPr>
-              <a:t>; </a:t>
-            </a:r>
-          </a:p>
-          <a:p>
-            <a:r>
-              <a:rPr lang="en-US" sz="1200" b="1" dirty="0">
-                <a:solidFill>
-                  <a:srgbClr val="7030A0"/>
-                </a:solidFill>
-                <a:latin typeface="Courier New" panose="02070309020205020404" pitchFamily="49" charset="0"/>
-                <a:cs typeface="Courier New" panose="02070309020205020404" pitchFamily="49" charset="0"/>
-              </a:rPr>
-              <a:t>  </a:t>
-            </a:r>
-            <a:r>
-              <a:rPr lang="en-US" sz="1200" b="1" dirty="0">
-                <a:solidFill>
-                  <a:srgbClr val="C00000"/>
-                </a:solidFill>
-                <a:latin typeface="Courier New" panose="02070309020205020404" pitchFamily="49" charset="0"/>
-                <a:cs typeface="Courier New" panose="02070309020205020404" pitchFamily="49" charset="0"/>
-              </a:rPr>
-              <a:t>firstName</a:t>
-            </a:r>
-            <a:r>
-              <a:rPr lang="en-US" sz="1200" b="1" dirty="0">
-                <a:solidFill>
-                  <a:srgbClr val="7030A0"/>
-                </a:solidFill>
-                <a:latin typeface="Courier New" panose="02070309020205020404" pitchFamily="49" charset="0"/>
-                <a:cs typeface="Courier New" panose="02070309020205020404" pitchFamily="49" charset="0"/>
-              </a:rPr>
-              <a:t>:</a:t>
-            </a:r>
-            <a:r>
-              <a:rPr lang="en-US" sz="1200" b="1" dirty="0">
-                <a:solidFill>
-                  <a:schemeClr val="accent4">
-                    <a:lumMod val="50000"/>
-                  </a:schemeClr>
-                </a:solidFill>
-                <a:latin typeface="Courier New" panose="02070309020205020404" pitchFamily="49" charset="0"/>
-                <a:cs typeface="Courier New" panose="02070309020205020404" pitchFamily="49" charset="0"/>
-              </a:rPr>
-              <a:t>string</a:t>
-            </a:r>
-            <a:r>
-              <a:rPr lang="en-US" sz="1200" b="1" dirty="0">
-                <a:solidFill>
-                  <a:srgbClr val="7030A0"/>
-                </a:solidFill>
-                <a:latin typeface="Courier New" panose="02070309020205020404" pitchFamily="49" charset="0"/>
-                <a:cs typeface="Courier New" panose="02070309020205020404" pitchFamily="49" charset="0"/>
-              </a:rPr>
-              <a:t>; </a:t>
-            </a:r>
-          </a:p>
-          <a:p>
-            <a:r>
-              <a:rPr lang="en-US" sz="1200" b="1" dirty="0">
-                <a:solidFill>
-                  <a:srgbClr val="7030A0"/>
-                </a:solidFill>
-                <a:latin typeface="Courier New" panose="02070309020205020404" pitchFamily="49" charset="0"/>
-                <a:cs typeface="Courier New" panose="02070309020205020404" pitchFamily="49" charset="0"/>
-              </a:rPr>
-              <a:t>  </a:t>
-            </a:r>
-            <a:r>
-              <a:rPr lang="en-US" sz="1200" b="1" dirty="0">
-                <a:solidFill>
-                  <a:srgbClr val="C00000"/>
-                </a:solidFill>
-                <a:latin typeface="Courier New" panose="02070309020205020404" pitchFamily="49" charset="0"/>
-                <a:cs typeface="Courier New" panose="02070309020205020404" pitchFamily="49" charset="0"/>
-              </a:rPr>
-              <a:t>lastName</a:t>
-            </a:r>
-            <a:r>
-              <a:rPr lang="en-US" sz="1200" b="1" dirty="0">
-                <a:solidFill>
-                  <a:srgbClr val="7030A0"/>
-                </a:solidFill>
-                <a:latin typeface="Courier New" panose="02070309020205020404" pitchFamily="49" charset="0"/>
-                <a:cs typeface="Courier New" panose="02070309020205020404" pitchFamily="49" charset="0"/>
-              </a:rPr>
-              <a:t>:</a:t>
-            </a:r>
-            <a:r>
-              <a:rPr lang="en-US" sz="1200" b="1" dirty="0">
-                <a:solidFill>
-                  <a:schemeClr val="accent4">
-                    <a:lumMod val="50000"/>
-                  </a:schemeClr>
-                </a:solidFill>
-                <a:latin typeface="Courier New" panose="02070309020205020404" pitchFamily="49" charset="0"/>
-                <a:cs typeface="Courier New" panose="02070309020205020404" pitchFamily="49" charset="0"/>
-              </a:rPr>
-              <a:t>string</a:t>
-            </a:r>
-            <a:r>
-              <a:rPr lang="en-US" sz="1200" b="1" dirty="0">
-                <a:solidFill>
-                  <a:srgbClr val="7030A0"/>
-                </a:solidFill>
-                <a:latin typeface="Courier New" panose="02070309020205020404" pitchFamily="49" charset="0"/>
-                <a:cs typeface="Courier New" panose="02070309020205020404" pitchFamily="49" charset="0"/>
-              </a:rPr>
-              <a:t>;</a:t>
-            </a:r>
-          </a:p>
-          <a:p>
-            <a:r>
-              <a:rPr lang="en-US" sz="1200" b="1" dirty="0">
-                <a:solidFill>
-                  <a:srgbClr val="7030A0"/>
-                </a:solidFill>
-                <a:latin typeface="Courier New" panose="02070309020205020404" pitchFamily="49" charset="0"/>
-                <a:cs typeface="Courier New" panose="02070309020205020404" pitchFamily="49" charset="0"/>
-              </a:rPr>
-              <a:t>}</a:t>
-            </a:r>
-          </a:p>
-          <a:p>
-            <a:endParaRPr lang="en-US" sz="1200" b="1" dirty="0">
-              <a:solidFill>
-                <a:srgbClr val="7030A0"/>
-              </a:solidFill>
-              <a:latin typeface="Courier New" panose="02070309020205020404" pitchFamily="49" charset="0"/>
-              <a:cs typeface="Courier New" panose="02070309020205020404" pitchFamily="49" charset="0"/>
-            </a:endParaRPr>
-          </a:p>
-          <a:p>
-            <a:r>
-              <a:rPr lang="en-US" sz="1200" b="1" dirty="0">
-                <a:solidFill>
-                  <a:srgbClr val="7030A0"/>
-                </a:solidFill>
-                <a:latin typeface="Courier New" panose="02070309020205020404" pitchFamily="49" charset="0"/>
-                <a:cs typeface="Courier New" panose="02070309020205020404" pitchFamily="49" charset="0"/>
-              </a:rPr>
-              <a:t>const</a:t>
-            </a:r>
-            <a:r>
-              <a:rPr lang="en-US" sz="1200" dirty="0">
-                <a:latin typeface="Courier New" panose="02070309020205020404" pitchFamily="49" charset="0"/>
-                <a:cs typeface="Courier New" panose="02070309020205020404" pitchFamily="49" charset="0"/>
-              </a:rPr>
-              <a:t> </a:t>
-            </a:r>
-            <a:r>
-              <a:rPr lang="en-US" sz="1200" b="1" dirty="0">
-                <a:solidFill>
-                  <a:srgbClr val="C00000"/>
-                </a:solidFill>
-                <a:latin typeface="Courier New" panose="02070309020205020404" pitchFamily="49" charset="0"/>
-                <a:cs typeface="Courier New" panose="02070309020205020404" pitchFamily="49" charset="0"/>
-              </a:rPr>
-              <a:t>stuff</a:t>
-            </a:r>
-            <a:r>
-              <a:rPr lang="en-US" sz="1200" dirty="0">
-                <a:latin typeface="Courier New" panose="02070309020205020404" pitchFamily="49" charset="0"/>
-                <a:cs typeface="Courier New" panose="02070309020205020404" pitchFamily="49" charset="0"/>
-              </a:rPr>
-              <a:t>:</a:t>
-            </a:r>
-            <a:r>
-              <a:rPr lang="en-US" sz="1200" b="1" dirty="0">
-                <a:solidFill>
-                  <a:schemeClr val="accent4">
-                    <a:lumMod val="50000"/>
-                  </a:schemeClr>
-                </a:solidFill>
-                <a:latin typeface="Courier New" panose="02070309020205020404" pitchFamily="49" charset="0"/>
-                <a:cs typeface="Courier New" panose="02070309020205020404" pitchFamily="49" charset="0"/>
-              </a:rPr>
-              <a:t>HashSet</a:t>
-            </a:r>
-            <a:r>
-              <a:rPr lang="en-US" sz="1200" dirty="0">
-                <a:latin typeface="Courier New" panose="02070309020205020404" pitchFamily="49" charset="0"/>
-                <a:cs typeface="Courier New" panose="02070309020205020404" pitchFamily="49" charset="0"/>
-              </a:rPr>
-              <a:t>&lt;</a:t>
-            </a:r>
-            <a:r>
-              <a:rPr lang="en-US" sz="1200" b="1" dirty="0">
-                <a:solidFill>
-                  <a:srgbClr val="002060"/>
-                </a:solidFill>
-                <a:latin typeface="Courier New" panose="02070309020205020404" pitchFamily="49" charset="0"/>
-                <a:cs typeface="Courier New" panose="02070309020205020404" pitchFamily="49" charset="0"/>
-              </a:rPr>
-              <a:t>Employee</a:t>
-            </a:r>
-            <a:r>
-              <a:rPr lang="en-US" sz="1200" dirty="0">
-                <a:latin typeface="Courier New" panose="02070309020205020404" pitchFamily="49" charset="0"/>
-                <a:cs typeface="Courier New" panose="02070309020205020404" pitchFamily="49" charset="0"/>
-              </a:rPr>
-              <a:t>&gt; = new </a:t>
-            </a:r>
-            <a:r>
-              <a:rPr lang="en-US" sz="1200" b="1" dirty="0">
-                <a:solidFill>
-                  <a:schemeClr val="accent4">
-                    <a:lumMod val="50000"/>
-                  </a:schemeClr>
-                </a:solidFill>
-                <a:latin typeface="Courier New" panose="02070309020205020404" pitchFamily="49" charset="0"/>
-                <a:cs typeface="Courier New" panose="02070309020205020404" pitchFamily="49" charset="0"/>
-              </a:rPr>
-              <a:t>HashSet</a:t>
-            </a:r>
-            <a:r>
-              <a:rPr lang="en-US" sz="1200" dirty="0">
-                <a:latin typeface="Courier New" panose="02070309020205020404" pitchFamily="49" charset="0"/>
-                <a:cs typeface="Courier New" panose="02070309020205020404" pitchFamily="49" charset="0"/>
-              </a:rPr>
-              <a:t>&lt;</a:t>
-            </a:r>
-            <a:r>
-              <a:rPr lang="en-US" sz="1200" b="1" dirty="0">
-                <a:solidFill>
-                  <a:srgbClr val="002060"/>
-                </a:solidFill>
-                <a:latin typeface="Courier New" panose="02070309020205020404" pitchFamily="49" charset="0"/>
-                <a:cs typeface="Courier New" panose="02070309020205020404" pitchFamily="49" charset="0"/>
-              </a:rPr>
-              <a:t>Employee</a:t>
-            </a:r>
-            <a:r>
-              <a:rPr lang="en-US" sz="1200" dirty="0">
-                <a:latin typeface="Courier New" panose="02070309020205020404" pitchFamily="49" charset="0"/>
-                <a:cs typeface="Courier New" panose="02070309020205020404" pitchFamily="49" charset="0"/>
-              </a:rPr>
-              <a:t>&gt;(</a:t>
-            </a:r>
-          </a:p>
-          <a:p>
-            <a:r>
-              <a:rPr lang="en-US" sz="1200" dirty="0">
-                <a:latin typeface="Courier New" panose="02070309020205020404" pitchFamily="49" charset="0"/>
-                <a:cs typeface="Courier New" panose="02070309020205020404" pitchFamily="49" charset="0"/>
-              </a:rPr>
-              <a:t>		new </a:t>
-            </a:r>
-            <a:r>
-              <a:rPr lang="en-US" sz="1200" b="1" dirty="0">
-                <a:solidFill>
-                  <a:schemeClr val="accent4">
-                    <a:lumMod val="50000"/>
-                  </a:schemeClr>
-                </a:solidFill>
-                <a:latin typeface="Courier New" panose="02070309020205020404" pitchFamily="49" charset="0"/>
-                <a:cs typeface="Courier New" panose="02070309020205020404" pitchFamily="49" charset="0"/>
-              </a:rPr>
-              <a:t>AllFieldHashable</a:t>
-            </a:r>
-            <a:r>
-              <a:rPr lang="en-US" sz="1200" dirty="0">
-                <a:latin typeface="Courier New" panose="02070309020205020404" pitchFamily="49" charset="0"/>
-                <a:cs typeface="Courier New" panose="02070309020205020404" pitchFamily="49" charset="0"/>
-              </a:rPr>
-              <a:t>&lt;</a:t>
-            </a:r>
-            <a:r>
-              <a:rPr lang="en-US" sz="1200" b="1" dirty="0">
-                <a:solidFill>
-                  <a:srgbClr val="002060"/>
-                </a:solidFill>
-                <a:latin typeface="Courier New" panose="02070309020205020404" pitchFamily="49" charset="0"/>
-                <a:cs typeface="Courier New" panose="02070309020205020404" pitchFamily="49" charset="0"/>
-              </a:rPr>
-              <a:t>Employee</a:t>
-            </a:r>
-            <a:r>
-              <a:rPr lang="en-US" sz="1200" dirty="0">
-                <a:latin typeface="Courier New" panose="02070309020205020404" pitchFamily="49" charset="0"/>
-                <a:cs typeface="Courier New" panose="02070309020205020404" pitchFamily="49" charset="0"/>
-              </a:rPr>
-              <a:t>&gt;());</a:t>
-            </a:r>
-          </a:p>
-        </p:txBody>
-      </p:sp>
-      <p:sp>
-        <p:nvSpPr>
-          <p:cNvPr id="9" name="TextBox 8"/>
-          <p:cNvSpPr txBox="1"/>
-          <p:nvPr/>
-        </p:nvSpPr>
-        <p:spPr>
-          <a:xfrm>
-            <a:off x="151775" y="5656586"/>
-            <a:ext cx="5693544" cy="584775"/>
-          </a:xfrm>
-          <a:prstGeom prst="rect">
-            <a:avLst/>
-          </a:prstGeom>
-          <a:noFill/>
-        </p:spPr>
-        <p:txBody>
-          <a:bodyPr wrap="square" rtlCol="0">
-            <a:spAutoFit/>
-          </a:bodyPr>
-          <a:lstStyle/>
-          <a:p>
-            <a:r>
-              <a:rPr lang="en-US" sz="1600" dirty="0"/>
-              <a:t>Anybody ever find a bug in somebody’s equals method?  					Tedious, huh?</a:t>
-            </a:r>
-          </a:p>
-        </p:txBody>
-      </p:sp>
-      <p:sp>
-        <p:nvSpPr>
-          <p:cNvPr id="10" name="TextBox 9"/>
-          <p:cNvSpPr txBox="1"/>
-          <p:nvPr/>
-        </p:nvSpPr>
-        <p:spPr>
-          <a:xfrm>
-            <a:off x="6366155" y="3247231"/>
-            <a:ext cx="5588280" cy="2031325"/>
-          </a:xfrm>
-          <a:prstGeom prst="rect">
-            <a:avLst/>
-          </a:prstGeom>
-          <a:noFill/>
-        </p:spPr>
-        <p:txBody>
-          <a:bodyPr wrap="square" rtlCol="0">
-            <a:spAutoFit/>
-          </a:bodyPr>
-          <a:lstStyle/>
-          <a:p>
-            <a:r>
-              <a:rPr lang="en-US" dirty="0"/>
-              <a:t>AllFieldHashable uses </a:t>
-            </a:r>
-            <a:r>
-              <a:rPr lang="en-US" dirty="0" err="1"/>
-              <a:t>JSON.stringify</a:t>
-            </a:r>
-            <a:r>
-              <a:rPr lang="en-US" dirty="0"/>
-              <a:t> when it needs to compare instances and will build a hash code off of the </a:t>
-            </a:r>
-            <a:r>
-              <a:rPr lang="en-US" dirty="0" err="1"/>
-              <a:t>JSON.stringify</a:t>
-            </a:r>
-            <a:r>
-              <a:rPr lang="en-US" dirty="0"/>
-              <a:t> results.   </a:t>
-            </a:r>
-          </a:p>
-          <a:p>
-            <a:endParaRPr lang="en-US" dirty="0"/>
-          </a:p>
-          <a:p>
-            <a:r>
-              <a:rPr lang="en-US" dirty="0"/>
-              <a:t>This all means that you can build collections off of anybody’s code – they don’t need to support the framework.</a:t>
-            </a:r>
-          </a:p>
-        </p:txBody>
-      </p:sp>
-    </p:spTree>
-    <p:extLst>
-      <p:ext uri="{BB962C8B-B14F-4D97-AF65-F5344CB8AC3E}">
-        <p14:creationId xmlns:p14="http://schemas.microsoft.com/office/powerpoint/2010/main" val="3563178291"/>
       </p:ext>
     </p:extLst>
   </p:cSld>
@@ -7953,8 +6454,8 @@
         </p:nvSpPr>
         <p:spPr>
           <a:xfrm>
-            <a:off x="838200" y="0"/>
-            <a:ext cx="10515600" cy="1325563"/>
+            <a:off x="838200" y="1"/>
+            <a:ext cx="10515600" cy="1065982"/>
           </a:xfrm>
         </p:spPr>
         <p:txBody>
@@ -7963,20 +6464,1420 @@
           <a:p>
             <a:pPr algn="ctr"/>
             <a:r>
-              <a:rPr lang="en-US" dirty="0" err="1"/>
-              <a:t>SkipListSet</a:t>
-            </a:r>
-            <a:r>
-              <a:rPr lang="en-US" dirty="0"/>
-              <a:t> and TreeSet (</a:t>
-            </a:r>
-            <a:r>
-              <a:rPr lang="en-US" dirty="0" err="1"/>
-              <a:t>NavigableSet</a:t>
-            </a:r>
-            <a:r>
-              <a:rPr lang="en-US" dirty="0"/>
-              <a:t>)</a:t>
+              <a:rPr lang="en-US" b="1" dirty="0">
+                <a:solidFill>
+                  <a:srgbClr val="7030A0"/>
+                </a:solidFill>
+              </a:rPr>
+              <a:t>What about Java .equals() &amp; .hashCode()?</a:t>
+            </a:r>
+          </a:p>
+        </p:txBody>
+      </p:sp>
+      <p:sp>
+        <p:nvSpPr>
+          <p:cNvPr id="3" name="Content Placeholder 2"/>
+          <p:cNvSpPr>
+            <a:spLocks noGrp="1"/>
+          </p:cNvSpPr>
+          <p:nvPr>
+            <p:ph idx="1"/>
+          </p:nvPr>
+        </p:nvSpPr>
+        <p:spPr>
+          <a:xfrm>
+            <a:off x="151775" y="1574900"/>
+            <a:ext cx="6109116" cy="4081686"/>
+          </a:xfrm>
+          <a:ln>
+            <a:solidFill>
+              <a:srgbClr val="0070C0"/>
+            </a:solidFill>
+          </a:ln>
+        </p:spPr>
+        <p:txBody>
+          <a:bodyPr>
+            <a:noAutofit/>
+          </a:bodyPr>
+          <a:lstStyle/>
+          <a:p>
+            <a:pPr marL="0" indent="0">
+              <a:lnSpc>
+                <a:spcPct val="100000"/>
+              </a:lnSpc>
+              <a:spcBef>
+                <a:spcPts val="0"/>
+              </a:spcBef>
+              <a:buNone/>
+            </a:pPr>
+            <a:r>
+              <a:rPr lang="en-US" sz="1200" b="1" dirty="0">
+                <a:solidFill>
+                  <a:srgbClr val="7030A0"/>
+                </a:solidFill>
+                <a:latin typeface="Courier New" panose="02070309020205020404" pitchFamily="49" charset="0"/>
+                <a:cs typeface="Courier New" panose="02070309020205020404" pitchFamily="49" charset="0"/>
+              </a:rPr>
+              <a:t>public class</a:t>
+            </a:r>
+            <a:r>
+              <a:rPr lang="en-US" sz="1200" dirty="0">
+                <a:latin typeface="Courier New" panose="02070309020205020404" pitchFamily="49" charset="0"/>
+                <a:cs typeface="Courier New" panose="02070309020205020404" pitchFamily="49" charset="0"/>
+              </a:rPr>
+              <a:t> </a:t>
+            </a:r>
+            <a:r>
+              <a:rPr lang="en-US" sz="1200" b="1" dirty="0">
+                <a:solidFill>
+                  <a:schemeClr val="accent4">
+                    <a:lumMod val="50000"/>
+                  </a:schemeClr>
+                </a:solidFill>
+                <a:latin typeface="Courier New" panose="02070309020205020404" pitchFamily="49" charset="0"/>
+                <a:cs typeface="Courier New" panose="02070309020205020404" pitchFamily="49" charset="0"/>
+              </a:rPr>
+              <a:t>Employee</a:t>
+            </a:r>
+            <a:r>
+              <a:rPr lang="en-US" sz="1200" dirty="0">
+                <a:latin typeface="Courier New" panose="02070309020205020404" pitchFamily="49" charset="0"/>
+                <a:cs typeface="Courier New" panose="02070309020205020404" pitchFamily="49" charset="0"/>
+              </a:rPr>
+              <a:t> {</a:t>
+            </a:r>
+          </a:p>
+          <a:p>
+            <a:pPr marL="0" indent="0">
+              <a:lnSpc>
+                <a:spcPct val="100000"/>
+              </a:lnSpc>
+              <a:spcBef>
+                <a:spcPts val="0"/>
+              </a:spcBef>
+              <a:buNone/>
+            </a:pPr>
+            <a:r>
+              <a:rPr lang="en-US" sz="1200" dirty="0">
+                <a:latin typeface="Courier New" panose="02070309020205020404" pitchFamily="49" charset="0"/>
+                <a:cs typeface="Courier New" panose="02070309020205020404" pitchFamily="49" charset="0"/>
+              </a:rPr>
+              <a:t>  </a:t>
+            </a:r>
+            <a:r>
+              <a:rPr lang="en-US" sz="1200" b="1" dirty="0">
+                <a:solidFill>
+                  <a:schemeClr val="accent4">
+                    <a:lumMod val="50000"/>
+                  </a:schemeClr>
+                </a:solidFill>
+                <a:latin typeface="Courier New" panose="02070309020205020404" pitchFamily="49" charset="0"/>
+                <a:cs typeface="Courier New" panose="02070309020205020404" pitchFamily="49" charset="0"/>
+              </a:rPr>
+              <a:t>long</a:t>
+            </a:r>
+            <a:r>
+              <a:rPr lang="en-US" sz="1200" dirty="0">
+                <a:latin typeface="Courier New" panose="02070309020205020404" pitchFamily="49" charset="0"/>
+                <a:cs typeface="Courier New" panose="02070309020205020404" pitchFamily="49" charset="0"/>
+              </a:rPr>
+              <a:t> </a:t>
+            </a:r>
+            <a:r>
+              <a:rPr lang="en-US" sz="1200" b="1" dirty="0">
+                <a:solidFill>
+                  <a:srgbClr val="C00000"/>
+                </a:solidFill>
+                <a:latin typeface="Courier New" panose="02070309020205020404" pitchFamily="49" charset="0"/>
+                <a:cs typeface="Courier New" panose="02070309020205020404" pitchFamily="49" charset="0"/>
+              </a:rPr>
+              <a:t>employeeId</a:t>
+            </a:r>
+            <a:r>
+              <a:rPr lang="en-US" sz="1200" dirty="0">
+                <a:latin typeface="Courier New" panose="02070309020205020404" pitchFamily="49" charset="0"/>
+                <a:cs typeface="Courier New" panose="02070309020205020404" pitchFamily="49" charset="0"/>
+              </a:rPr>
+              <a:t>;</a:t>
+            </a:r>
+          </a:p>
+          <a:p>
+            <a:pPr marL="0" indent="0">
+              <a:lnSpc>
+                <a:spcPct val="100000"/>
+              </a:lnSpc>
+              <a:spcBef>
+                <a:spcPts val="0"/>
+              </a:spcBef>
+              <a:buNone/>
+            </a:pPr>
+            <a:r>
+              <a:rPr lang="en-US" sz="1200" dirty="0">
+                <a:latin typeface="Courier New" panose="02070309020205020404" pitchFamily="49" charset="0"/>
+                <a:cs typeface="Courier New" panose="02070309020205020404" pitchFamily="49" charset="0"/>
+              </a:rPr>
+              <a:t>  </a:t>
+            </a:r>
+            <a:r>
+              <a:rPr lang="en-US" sz="1200" b="1" dirty="0">
+                <a:solidFill>
+                  <a:schemeClr val="accent4">
+                    <a:lumMod val="50000"/>
+                  </a:schemeClr>
+                </a:solidFill>
+                <a:latin typeface="Courier New" panose="02070309020205020404" pitchFamily="49" charset="0"/>
+                <a:cs typeface="Courier New" panose="02070309020205020404" pitchFamily="49" charset="0"/>
+              </a:rPr>
+              <a:t>String</a:t>
+            </a:r>
+            <a:r>
+              <a:rPr lang="en-US" sz="1200" dirty="0">
+                <a:latin typeface="Courier New" panose="02070309020205020404" pitchFamily="49" charset="0"/>
+                <a:cs typeface="Courier New" panose="02070309020205020404" pitchFamily="49" charset="0"/>
+              </a:rPr>
+              <a:t> </a:t>
+            </a:r>
+            <a:r>
+              <a:rPr lang="en-US" sz="1200" b="1" dirty="0">
+                <a:solidFill>
+                  <a:srgbClr val="C00000"/>
+                </a:solidFill>
+                <a:latin typeface="Courier New" panose="02070309020205020404" pitchFamily="49" charset="0"/>
+                <a:cs typeface="Courier New" panose="02070309020205020404" pitchFamily="49" charset="0"/>
+              </a:rPr>
+              <a:t>firstName</a:t>
+            </a:r>
+            <a:r>
+              <a:rPr lang="en-US" sz="1200" dirty="0">
+                <a:latin typeface="Courier New" panose="02070309020205020404" pitchFamily="49" charset="0"/>
+                <a:cs typeface="Courier New" panose="02070309020205020404" pitchFamily="49" charset="0"/>
+              </a:rPr>
+              <a:t>;</a:t>
+            </a:r>
+          </a:p>
+          <a:p>
+            <a:pPr marL="0" indent="0">
+              <a:lnSpc>
+                <a:spcPct val="100000"/>
+              </a:lnSpc>
+              <a:spcBef>
+                <a:spcPts val="0"/>
+              </a:spcBef>
+              <a:buNone/>
+            </a:pPr>
+            <a:r>
+              <a:rPr lang="en-US" sz="1200" dirty="0">
+                <a:latin typeface="Courier New" panose="02070309020205020404" pitchFamily="49" charset="0"/>
+                <a:cs typeface="Courier New" panose="02070309020205020404" pitchFamily="49" charset="0"/>
+              </a:rPr>
+              <a:t>  </a:t>
+            </a:r>
+            <a:r>
+              <a:rPr lang="en-US" sz="1200" dirty="0">
+                <a:solidFill>
+                  <a:schemeClr val="accent4">
+                    <a:lumMod val="50000"/>
+                  </a:schemeClr>
+                </a:solidFill>
+                <a:latin typeface="Courier New" panose="02070309020205020404" pitchFamily="49" charset="0"/>
+                <a:cs typeface="Courier New" panose="02070309020205020404" pitchFamily="49" charset="0"/>
+              </a:rPr>
+              <a:t>String</a:t>
+            </a:r>
+            <a:r>
+              <a:rPr lang="en-US" sz="1200" dirty="0">
+                <a:latin typeface="Courier New" panose="02070309020205020404" pitchFamily="49" charset="0"/>
+                <a:cs typeface="Courier New" panose="02070309020205020404" pitchFamily="49" charset="0"/>
+              </a:rPr>
+              <a:t> </a:t>
+            </a:r>
+            <a:r>
+              <a:rPr lang="en-US" sz="1200" b="1" dirty="0">
+                <a:solidFill>
+                  <a:srgbClr val="C00000"/>
+                </a:solidFill>
+                <a:latin typeface="Courier New" panose="02070309020205020404" pitchFamily="49" charset="0"/>
+                <a:cs typeface="Courier New" panose="02070309020205020404" pitchFamily="49" charset="0"/>
+              </a:rPr>
+              <a:t>lastName</a:t>
+            </a:r>
+            <a:r>
+              <a:rPr lang="en-US" sz="1200" dirty="0">
+                <a:latin typeface="Courier New" panose="02070309020205020404" pitchFamily="49" charset="0"/>
+                <a:cs typeface="Courier New" panose="02070309020205020404" pitchFamily="49" charset="0"/>
+              </a:rPr>
+              <a:t>;</a:t>
+            </a:r>
+          </a:p>
+          <a:p>
+            <a:pPr marL="0" indent="0">
+              <a:lnSpc>
+                <a:spcPct val="100000"/>
+              </a:lnSpc>
+              <a:spcBef>
+                <a:spcPts val="0"/>
+              </a:spcBef>
+              <a:buNone/>
+            </a:pPr>
+            <a:endParaRPr lang="en-US" sz="1200" dirty="0">
+              <a:latin typeface="Courier New" panose="02070309020205020404" pitchFamily="49" charset="0"/>
+              <a:cs typeface="Courier New" panose="02070309020205020404" pitchFamily="49" charset="0"/>
+            </a:endParaRPr>
+          </a:p>
+          <a:p>
+            <a:pPr marL="0" indent="0">
+              <a:lnSpc>
+                <a:spcPct val="100000"/>
+              </a:lnSpc>
+              <a:spcBef>
+                <a:spcPts val="0"/>
+              </a:spcBef>
+              <a:buNone/>
+            </a:pPr>
+            <a:r>
+              <a:rPr lang="en-US" sz="1200" dirty="0">
+                <a:latin typeface="Courier New" panose="02070309020205020404" pitchFamily="49" charset="0"/>
+                <a:cs typeface="Courier New" panose="02070309020205020404" pitchFamily="49" charset="0"/>
+              </a:rPr>
+              <a:t>  </a:t>
+            </a:r>
+            <a:r>
+              <a:rPr lang="en-US" sz="1200" b="1" dirty="0">
+                <a:solidFill>
+                  <a:srgbClr val="7030A0"/>
+                </a:solidFill>
+                <a:latin typeface="Courier New" panose="02070309020205020404" pitchFamily="49" charset="0"/>
+                <a:cs typeface="Courier New" panose="02070309020205020404" pitchFamily="49" charset="0"/>
+              </a:rPr>
+              <a:t>public</a:t>
+            </a:r>
+            <a:r>
+              <a:rPr lang="en-US" sz="1200" dirty="0">
+                <a:latin typeface="Courier New" panose="02070309020205020404" pitchFamily="49" charset="0"/>
+                <a:cs typeface="Courier New" panose="02070309020205020404" pitchFamily="49" charset="0"/>
+              </a:rPr>
+              <a:t> </a:t>
+            </a:r>
+            <a:r>
+              <a:rPr lang="en-US" sz="1200" b="1" dirty="0">
+                <a:solidFill>
+                  <a:schemeClr val="accent4">
+                    <a:lumMod val="50000"/>
+                  </a:schemeClr>
+                </a:solidFill>
+                <a:latin typeface="Courier New" panose="02070309020205020404" pitchFamily="49" charset="0"/>
+                <a:cs typeface="Courier New" panose="02070309020205020404" pitchFamily="49" charset="0"/>
+              </a:rPr>
+              <a:t>boolean</a:t>
+            </a:r>
+            <a:r>
+              <a:rPr lang="en-US" sz="1200" dirty="0">
+                <a:latin typeface="Courier New" panose="02070309020205020404" pitchFamily="49" charset="0"/>
+                <a:cs typeface="Courier New" panose="02070309020205020404" pitchFamily="49" charset="0"/>
+              </a:rPr>
+              <a:t> </a:t>
+            </a:r>
+            <a:r>
+              <a:rPr lang="en-US" sz="1200" b="1" dirty="0">
+                <a:solidFill>
+                  <a:schemeClr val="accent5">
+                    <a:lumMod val="50000"/>
+                  </a:schemeClr>
+                </a:solidFill>
+                <a:latin typeface="Courier New" panose="02070309020205020404" pitchFamily="49" charset="0"/>
+                <a:cs typeface="Courier New" panose="02070309020205020404" pitchFamily="49" charset="0"/>
+              </a:rPr>
+              <a:t>equals</a:t>
+            </a:r>
+            <a:r>
+              <a:rPr lang="en-US" sz="1200" dirty="0">
+                <a:latin typeface="Courier New" panose="02070309020205020404" pitchFamily="49" charset="0"/>
+                <a:cs typeface="Courier New" panose="02070309020205020404" pitchFamily="49" charset="0"/>
+              </a:rPr>
+              <a:t> (</a:t>
+            </a:r>
+            <a:r>
+              <a:rPr lang="en-US" sz="1200" b="1" dirty="0">
+                <a:solidFill>
+                  <a:schemeClr val="accent4">
+                    <a:lumMod val="50000"/>
+                  </a:schemeClr>
+                </a:solidFill>
+                <a:latin typeface="Courier New" panose="02070309020205020404" pitchFamily="49" charset="0"/>
+                <a:cs typeface="Courier New" panose="02070309020205020404" pitchFamily="49" charset="0"/>
+              </a:rPr>
+              <a:t>Object</a:t>
+            </a:r>
+            <a:r>
+              <a:rPr lang="en-US" sz="1200" dirty="0">
+                <a:latin typeface="Courier New" panose="02070309020205020404" pitchFamily="49" charset="0"/>
+                <a:cs typeface="Courier New" panose="02070309020205020404" pitchFamily="49" charset="0"/>
+              </a:rPr>
+              <a:t> o) {</a:t>
+            </a:r>
+          </a:p>
+          <a:p>
+            <a:pPr marL="0" indent="0">
+              <a:lnSpc>
+                <a:spcPct val="100000"/>
+              </a:lnSpc>
+              <a:spcBef>
+                <a:spcPts val="0"/>
+              </a:spcBef>
+              <a:buNone/>
+            </a:pPr>
+            <a:r>
+              <a:rPr lang="en-US" sz="1200" dirty="0">
+                <a:latin typeface="Courier New" panose="02070309020205020404" pitchFamily="49" charset="0"/>
+                <a:cs typeface="Courier New" panose="02070309020205020404" pitchFamily="49" charset="0"/>
+              </a:rPr>
+              <a:t>    </a:t>
+            </a:r>
+            <a:r>
+              <a:rPr lang="en-US" sz="1200" b="1" dirty="0">
+                <a:solidFill>
+                  <a:srgbClr val="7030A0"/>
+                </a:solidFill>
+                <a:latin typeface="Courier New" panose="02070309020205020404" pitchFamily="49" charset="0"/>
+                <a:cs typeface="Courier New" panose="02070309020205020404" pitchFamily="49" charset="0"/>
+              </a:rPr>
+              <a:t>if</a:t>
+            </a:r>
+            <a:r>
+              <a:rPr lang="en-US" sz="1200" dirty="0">
+                <a:latin typeface="Courier New" panose="02070309020205020404" pitchFamily="49" charset="0"/>
+                <a:cs typeface="Courier New" panose="02070309020205020404" pitchFamily="49" charset="0"/>
+              </a:rPr>
+              <a:t> (o == </a:t>
+            </a:r>
+            <a:r>
+              <a:rPr lang="en-US" sz="1200" b="1" dirty="0">
+                <a:solidFill>
+                  <a:schemeClr val="accent4">
+                    <a:lumMod val="50000"/>
+                  </a:schemeClr>
+                </a:solidFill>
+                <a:latin typeface="Courier New" panose="02070309020205020404" pitchFamily="49" charset="0"/>
+                <a:cs typeface="Courier New" panose="02070309020205020404" pitchFamily="49" charset="0"/>
+              </a:rPr>
+              <a:t>null</a:t>
+            </a:r>
+            <a:r>
+              <a:rPr lang="en-US" sz="1200" dirty="0">
+                <a:latin typeface="Courier New" panose="02070309020205020404" pitchFamily="49" charset="0"/>
+                <a:cs typeface="Courier New" panose="02070309020205020404" pitchFamily="49" charset="0"/>
+              </a:rPr>
+              <a:t>) </a:t>
+            </a:r>
+            <a:r>
+              <a:rPr lang="en-US" sz="1200" b="1" dirty="0">
+                <a:solidFill>
+                  <a:srgbClr val="7030A0"/>
+                </a:solidFill>
+                <a:latin typeface="Courier New" panose="02070309020205020404" pitchFamily="49" charset="0"/>
+                <a:cs typeface="Courier New" panose="02070309020205020404" pitchFamily="49" charset="0"/>
+              </a:rPr>
+              <a:t>return</a:t>
+            </a:r>
+            <a:r>
+              <a:rPr lang="en-US" sz="1200" dirty="0">
+                <a:latin typeface="Courier New" panose="02070309020205020404" pitchFamily="49" charset="0"/>
+                <a:cs typeface="Courier New" panose="02070309020205020404" pitchFamily="49" charset="0"/>
+              </a:rPr>
+              <a:t> </a:t>
+            </a:r>
+            <a:r>
+              <a:rPr lang="en-US" sz="1200" b="1" dirty="0">
+                <a:solidFill>
+                  <a:schemeClr val="accent4">
+                    <a:lumMod val="50000"/>
+                  </a:schemeClr>
+                </a:solidFill>
+                <a:latin typeface="Courier New" panose="02070309020205020404" pitchFamily="49" charset="0"/>
+                <a:cs typeface="Courier New" panose="02070309020205020404" pitchFamily="49" charset="0"/>
+              </a:rPr>
+              <a:t>false</a:t>
+            </a:r>
+            <a:r>
+              <a:rPr lang="en-US" sz="1200" dirty="0">
+                <a:latin typeface="Courier New" panose="02070309020205020404" pitchFamily="49" charset="0"/>
+                <a:cs typeface="Courier New" panose="02070309020205020404" pitchFamily="49" charset="0"/>
+              </a:rPr>
+              <a:t>;</a:t>
+            </a:r>
+          </a:p>
+          <a:p>
+            <a:pPr marL="0" indent="0">
+              <a:lnSpc>
+                <a:spcPct val="100000"/>
+              </a:lnSpc>
+              <a:spcBef>
+                <a:spcPts val="0"/>
+              </a:spcBef>
+              <a:buNone/>
+            </a:pPr>
+            <a:r>
+              <a:rPr lang="en-US" sz="1200" dirty="0">
+                <a:latin typeface="Courier New" panose="02070309020205020404" pitchFamily="49" charset="0"/>
+                <a:cs typeface="Courier New" panose="02070309020205020404" pitchFamily="49" charset="0"/>
+              </a:rPr>
+              <a:t>    </a:t>
+            </a:r>
+            <a:r>
+              <a:rPr lang="en-US" sz="1200" b="1" dirty="0">
+                <a:solidFill>
+                  <a:srgbClr val="7030A0"/>
+                </a:solidFill>
+                <a:latin typeface="Courier New" panose="02070309020205020404" pitchFamily="49" charset="0"/>
+                <a:cs typeface="Courier New" panose="02070309020205020404" pitchFamily="49" charset="0"/>
+              </a:rPr>
+              <a:t>if</a:t>
+            </a:r>
+            <a:r>
+              <a:rPr lang="en-US" sz="1200" dirty="0">
+                <a:latin typeface="Courier New" panose="02070309020205020404" pitchFamily="49" charset="0"/>
+                <a:cs typeface="Courier New" panose="02070309020205020404" pitchFamily="49" charset="0"/>
+              </a:rPr>
+              <a:t> (!(o </a:t>
+            </a:r>
+            <a:r>
+              <a:rPr lang="en-US" sz="1200" b="1" dirty="0">
+                <a:solidFill>
+                  <a:srgbClr val="7030A0"/>
+                </a:solidFill>
+                <a:latin typeface="Courier New" panose="02070309020205020404" pitchFamily="49" charset="0"/>
+                <a:cs typeface="Courier New" panose="02070309020205020404" pitchFamily="49" charset="0"/>
+              </a:rPr>
+              <a:t>instanceof</a:t>
+            </a:r>
+            <a:r>
+              <a:rPr lang="en-US" sz="1200" dirty="0">
+                <a:latin typeface="Courier New" panose="02070309020205020404" pitchFamily="49" charset="0"/>
+                <a:cs typeface="Courier New" panose="02070309020205020404" pitchFamily="49" charset="0"/>
+              </a:rPr>
+              <a:t>) </a:t>
+            </a:r>
+            <a:r>
+              <a:rPr lang="en-US" sz="1200" b="1" dirty="0">
+                <a:solidFill>
+                  <a:schemeClr val="accent4">
+                    <a:lumMod val="50000"/>
+                  </a:schemeClr>
+                </a:solidFill>
+                <a:latin typeface="Courier New" panose="02070309020205020404" pitchFamily="49" charset="0"/>
+                <a:cs typeface="Courier New" panose="02070309020205020404" pitchFamily="49" charset="0"/>
+              </a:rPr>
+              <a:t>Employee</a:t>
+            </a:r>
+            <a:r>
+              <a:rPr lang="en-US" sz="1200" dirty="0">
+                <a:latin typeface="Courier New" panose="02070309020205020404" pitchFamily="49" charset="0"/>
+                <a:cs typeface="Courier New" panose="02070309020205020404" pitchFamily="49" charset="0"/>
+              </a:rPr>
+              <a:t>) </a:t>
+            </a:r>
+            <a:r>
+              <a:rPr lang="en-US" sz="1200" b="1" dirty="0">
+                <a:solidFill>
+                  <a:srgbClr val="7030A0"/>
+                </a:solidFill>
+                <a:latin typeface="Courier New" panose="02070309020205020404" pitchFamily="49" charset="0"/>
+                <a:cs typeface="Courier New" panose="02070309020205020404" pitchFamily="49" charset="0"/>
+              </a:rPr>
+              <a:t>return</a:t>
+            </a:r>
+            <a:r>
+              <a:rPr lang="en-US" sz="1200" dirty="0">
+                <a:latin typeface="Courier New" panose="02070309020205020404" pitchFamily="49" charset="0"/>
+                <a:cs typeface="Courier New" panose="02070309020205020404" pitchFamily="49" charset="0"/>
+              </a:rPr>
+              <a:t> </a:t>
+            </a:r>
+            <a:r>
+              <a:rPr lang="en-US" sz="1200" b="1" dirty="0">
+                <a:solidFill>
+                  <a:schemeClr val="accent4">
+                    <a:lumMod val="50000"/>
+                  </a:schemeClr>
+                </a:solidFill>
+                <a:latin typeface="Courier New" panose="02070309020205020404" pitchFamily="49" charset="0"/>
+                <a:cs typeface="Courier New" panose="02070309020205020404" pitchFamily="49" charset="0"/>
+              </a:rPr>
+              <a:t>false</a:t>
+            </a:r>
+            <a:r>
+              <a:rPr lang="en-US" sz="1200" dirty="0">
+                <a:latin typeface="Courier New" panose="02070309020205020404" pitchFamily="49" charset="0"/>
+                <a:cs typeface="Courier New" panose="02070309020205020404" pitchFamily="49" charset="0"/>
+              </a:rPr>
+              <a:t>;</a:t>
+            </a:r>
+          </a:p>
+          <a:p>
+            <a:pPr marL="0" indent="0">
+              <a:lnSpc>
+                <a:spcPct val="100000"/>
+              </a:lnSpc>
+              <a:spcBef>
+                <a:spcPts val="0"/>
+              </a:spcBef>
+              <a:buNone/>
+            </a:pPr>
+            <a:r>
+              <a:rPr lang="en-US" sz="1200" dirty="0">
+                <a:latin typeface="Courier New" panose="02070309020205020404" pitchFamily="49" charset="0"/>
+                <a:cs typeface="Courier New" panose="02070309020205020404" pitchFamily="49" charset="0"/>
+              </a:rPr>
+              <a:t>    </a:t>
+            </a:r>
+            <a:r>
+              <a:rPr lang="en-US" sz="1200" b="1" dirty="0">
+                <a:solidFill>
+                  <a:schemeClr val="accent4">
+                    <a:lumMod val="50000"/>
+                  </a:schemeClr>
+                </a:solidFill>
+                <a:latin typeface="Courier New" panose="02070309020205020404" pitchFamily="49" charset="0"/>
+                <a:cs typeface="Courier New" panose="02070309020205020404" pitchFamily="49" charset="0"/>
+              </a:rPr>
+              <a:t>Employee</a:t>
+            </a:r>
+            <a:r>
+              <a:rPr lang="en-US" sz="1200" dirty="0">
+                <a:latin typeface="Courier New" panose="02070309020205020404" pitchFamily="49" charset="0"/>
+                <a:cs typeface="Courier New" panose="02070309020205020404" pitchFamily="49" charset="0"/>
+              </a:rPr>
+              <a:t> </a:t>
+            </a:r>
+            <a:r>
+              <a:rPr lang="en-US" sz="1200" b="1" dirty="0">
+                <a:solidFill>
+                  <a:srgbClr val="C00000"/>
+                </a:solidFill>
+                <a:latin typeface="Courier New" panose="02070309020205020404" pitchFamily="49" charset="0"/>
+                <a:cs typeface="Courier New" panose="02070309020205020404" pitchFamily="49" charset="0"/>
+              </a:rPr>
+              <a:t>other</a:t>
+            </a:r>
+            <a:r>
+              <a:rPr lang="en-US" sz="1200" dirty="0">
+                <a:latin typeface="Courier New" panose="02070309020205020404" pitchFamily="49" charset="0"/>
+                <a:cs typeface="Courier New" panose="02070309020205020404" pitchFamily="49" charset="0"/>
+              </a:rPr>
+              <a:t> = (</a:t>
+            </a:r>
+            <a:r>
+              <a:rPr lang="en-US" sz="1200" b="1" dirty="0">
+                <a:solidFill>
+                  <a:schemeClr val="accent4">
+                    <a:lumMod val="50000"/>
+                  </a:schemeClr>
+                </a:solidFill>
+                <a:latin typeface="Courier New" panose="02070309020205020404" pitchFamily="49" charset="0"/>
+                <a:cs typeface="Courier New" panose="02070309020205020404" pitchFamily="49" charset="0"/>
+              </a:rPr>
+              <a:t>Employee</a:t>
+            </a:r>
+            <a:r>
+              <a:rPr lang="en-US" sz="1200" dirty="0">
+                <a:latin typeface="Courier New" panose="02070309020205020404" pitchFamily="49" charset="0"/>
+                <a:cs typeface="Courier New" panose="02070309020205020404" pitchFamily="49" charset="0"/>
+              </a:rPr>
+              <a:t>) o;</a:t>
+            </a:r>
+          </a:p>
+          <a:p>
+            <a:pPr marL="0" indent="0">
+              <a:lnSpc>
+                <a:spcPct val="100000"/>
+              </a:lnSpc>
+              <a:spcBef>
+                <a:spcPts val="0"/>
+              </a:spcBef>
+              <a:buNone/>
+            </a:pPr>
+            <a:r>
+              <a:rPr lang="en-US" sz="1200" dirty="0">
+                <a:latin typeface="Courier New" panose="02070309020205020404" pitchFamily="49" charset="0"/>
+                <a:cs typeface="Courier New" panose="02070309020205020404" pitchFamily="49" charset="0"/>
+              </a:rPr>
+              <a:t>    </a:t>
+            </a:r>
+            <a:r>
+              <a:rPr lang="en-US" sz="1200" b="1" dirty="0">
+                <a:solidFill>
+                  <a:srgbClr val="7030A0"/>
+                </a:solidFill>
+                <a:latin typeface="Courier New" panose="02070309020205020404" pitchFamily="49" charset="0"/>
+                <a:cs typeface="Courier New" panose="02070309020205020404" pitchFamily="49" charset="0"/>
+              </a:rPr>
+              <a:t>if</a:t>
+            </a:r>
+            <a:r>
+              <a:rPr lang="en-US" sz="1200" dirty="0">
+                <a:latin typeface="Courier New" panose="02070309020205020404" pitchFamily="49" charset="0"/>
+                <a:cs typeface="Courier New" panose="02070309020205020404" pitchFamily="49" charset="0"/>
+              </a:rPr>
+              <a:t> (</a:t>
+            </a:r>
+            <a:r>
+              <a:rPr lang="en-US" sz="1200" b="1" dirty="0">
+                <a:solidFill>
+                  <a:srgbClr val="C00000"/>
+                </a:solidFill>
+                <a:latin typeface="Courier New" panose="02070309020205020404" pitchFamily="49" charset="0"/>
+                <a:cs typeface="Courier New" panose="02070309020205020404" pitchFamily="49" charset="0"/>
+              </a:rPr>
+              <a:t>this</a:t>
+            </a:r>
+            <a:r>
+              <a:rPr lang="en-US" sz="1200" dirty="0">
+                <a:latin typeface="Courier New" panose="02070309020205020404" pitchFamily="49" charset="0"/>
+                <a:cs typeface="Courier New" panose="02070309020205020404" pitchFamily="49" charset="0"/>
+              </a:rPr>
+              <a:t>.</a:t>
+            </a:r>
+            <a:r>
+              <a:rPr lang="en-US" sz="1200" b="1" dirty="0">
+                <a:solidFill>
+                  <a:srgbClr val="C00000"/>
+                </a:solidFill>
+                <a:latin typeface="Courier New" panose="02070309020205020404" pitchFamily="49" charset="0"/>
+                <a:cs typeface="Courier New" panose="02070309020205020404" pitchFamily="49" charset="0"/>
+              </a:rPr>
+              <a:t>employeeId</a:t>
+            </a:r>
+            <a:r>
+              <a:rPr lang="en-US" sz="1200" dirty="0">
+                <a:latin typeface="Courier New" panose="02070309020205020404" pitchFamily="49" charset="0"/>
+                <a:cs typeface="Courier New" panose="02070309020205020404" pitchFamily="49" charset="0"/>
+              </a:rPr>
+              <a:t> != </a:t>
+            </a:r>
+            <a:r>
+              <a:rPr lang="en-US" sz="1200" b="1" dirty="0">
+                <a:solidFill>
+                  <a:srgbClr val="C00000"/>
+                </a:solidFill>
+                <a:latin typeface="Courier New" panose="02070309020205020404" pitchFamily="49" charset="0"/>
+                <a:cs typeface="Courier New" panose="02070309020205020404" pitchFamily="49" charset="0"/>
+              </a:rPr>
+              <a:t>other</a:t>
+            </a:r>
+            <a:r>
+              <a:rPr lang="en-US" sz="1200" dirty="0">
+                <a:latin typeface="Courier New" panose="02070309020205020404" pitchFamily="49" charset="0"/>
+                <a:cs typeface="Courier New" panose="02070309020205020404" pitchFamily="49" charset="0"/>
+              </a:rPr>
+              <a:t>.</a:t>
+            </a:r>
+            <a:r>
+              <a:rPr lang="en-US" sz="1200" b="1" dirty="0">
+                <a:solidFill>
+                  <a:srgbClr val="C00000"/>
+                </a:solidFill>
+                <a:latin typeface="Courier New" panose="02070309020205020404" pitchFamily="49" charset="0"/>
+                <a:cs typeface="Courier New" panose="02070309020205020404" pitchFamily="49" charset="0"/>
+              </a:rPr>
+              <a:t>employeeId</a:t>
+            </a:r>
+            <a:r>
+              <a:rPr lang="en-US" sz="1200" dirty="0">
+                <a:latin typeface="Courier New" panose="02070309020205020404" pitchFamily="49" charset="0"/>
+                <a:cs typeface="Courier New" panose="02070309020205020404" pitchFamily="49" charset="0"/>
+              </a:rPr>
+              <a:t>) </a:t>
+            </a:r>
+            <a:r>
+              <a:rPr lang="en-US" sz="1200" b="1" dirty="0">
+                <a:solidFill>
+                  <a:srgbClr val="7030A0"/>
+                </a:solidFill>
+                <a:latin typeface="Courier New" panose="02070309020205020404" pitchFamily="49" charset="0"/>
+                <a:cs typeface="Courier New" panose="02070309020205020404" pitchFamily="49" charset="0"/>
+              </a:rPr>
+              <a:t>return</a:t>
+            </a:r>
+            <a:r>
+              <a:rPr lang="en-US" sz="1200" dirty="0">
+                <a:latin typeface="Courier New" panose="02070309020205020404" pitchFamily="49" charset="0"/>
+                <a:cs typeface="Courier New" panose="02070309020205020404" pitchFamily="49" charset="0"/>
+              </a:rPr>
+              <a:t> </a:t>
+            </a:r>
+            <a:r>
+              <a:rPr lang="en-US" sz="1200" b="1" dirty="0">
+                <a:solidFill>
+                  <a:schemeClr val="accent4">
+                    <a:lumMod val="50000"/>
+                  </a:schemeClr>
+                </a:solidFill>
+                <a:latin typeface="Courier New" panose="02070309020205020404" pitchFamily="49" charset="0"/>
+                <a:cs typeface="Courier New" panose="02070309020205020404" pitchFamily="49" charset="0"/>
+              </a:rPr>
+              <a:t>false</a:t>
+            </a:r>
+            <a:r>
+              <a:rPr lang="en-US" sz="1200" dirty="0">
+                <a:latin typeface="Courier New" panose="02070309020205020404" pitchFamily="49" charset="0"/>
+                <a:cs typeface="Courier New" panose="02070309020205020404" pitchFamily="49" charset="0"/>
+              </a:rPr>
+              <a:t>;</a:t>
+            </a:r>
+          </a:p>
+          <a:p>
+            <a:pPr marL="0" indent="0">
+              <a:lnSpc>
+                <a:spcPct val="100000"/>
+              </a:lnSpc>
+              <a:spcBef>
+                <a:spcPts val="0"/>
+              </a:spcBef>
+              <a:buNone/>
+            </a:pPr>
+            <a:r>
+              <a:rPr lang="en-US" sz="1200" dirty="0">
+                <a:latin typeface="Courier New" panose="02070309020205020404" pitchFamily="49" charset="0"/>
+                <a:cs typeface="Courier New" panose="02070309020205020404" pitchFamily="49" charset="0"/>
+              </a:rPr>
+              <a:t>    </a:t>
+            </a:r>
+            <a:r>
+              <a:rPr lang="en-US" sz="1200" b="1" dirty="0">
+                <a:solidFill>
+                  <a:srgbClr val="7030A0"/>
+                </a:solidFill>
+                <a:latin typeface="Courier New" panose="02070309020205020404" pitchFamily="49" charset="0"/>
+                <a:cs typeface="Courier New" panose="02070309020205020404" pitchFamily="49" charset="0"/>
+              </a:rPr>
+              <a:t>if</a:t>
+            </a:r>
+            <a:r>
+              <a:rPr lang="en-US" sz="1200" dirty="0">
+                <a:latin typeface="Courier New" panose="02070309020205020404" pitchFamily="49" charset="0"/>
+                <a:cs typeface="Courier New" panose="02070309020205020404" pitchFamily="49" charset="0"/>
+              </a:rPr>
+              <a:t> (! </a:t>
+            </a:r>
+            <a:r>
+              <a:rPr lang="en-US" sz="1200" b="1" dirty="0">
+                <a:solidFill>
+                  <a:srgbClr val="C00000"/>
+                </a:solidFill>
+                <a:latin typeface="Courier New" panose="02070309020205020404" pitchFamily="49" charset="0"/>
+                <a:cs typeface="Courier New" panose="02070309020205020404" pitchFamily="49" charset="0"/>
+              </a:rPr>
+              <a:t>this</a:t>
+            </a:r>
+            <a:r>
+              <a:rPr lang="en-US" sz="1200" dirty="0">
+                <a:latin typeface="Courier New" panose="02070309020205020404" pitchFamily="49" charset="0"/>
+                <a:cs typeface="Courier New" panose="02070309020205020404" pitchFamily="49" charset="0"/>
+              </a:rPr>
+              <a:t>.</a:t>
+            </a:r>
+            <a:r>
+              <a:rPr lang="en-US" sz="1200" b="1" dirty="0">
+                <a:solidFill>
+                  <a:srgbClr val="C00000"/>
+                </a:solidFill>
+                <a:latin typeface="Courier New" panose="02070309020205020404" pitchFamily="49" charset="0"/>
+                <a:cs typeface="Courier New" panose="02070309020205020404" pitchFamily="49" charset="0"/>
+              </a:rPr>
+              <a:t>firstName</a:t>
+            </a:r>
+            <a:r>
+              <a:rPr lang="en-US" sz="1200" dirty="0">
+                <a:latin typeface="Courier New" panose="02070309020205020404" pitchFamily="49" charset="0"/>
+                <a:cs typeface="Courier New" panose="02070309020205020404" pitchFamily="49" charset="0"/>
+              </a:rPr>
+              <a:t>.</a:t>
+            </a:r>
+            <a:r>
+              <a:rPr lang="en-US" sz="1200" b="1" dirty="0">
+                <a:solidFill>
+                  <a:schemeClr val="accent5">
+                    <a:lumMod val="50000"/>
+                  </a:schemeClr>
+                </a:solidFill>
+                <a:latin typeface="Courier New" panose="02070309020205020404" pitchFamily="49" charset="0"/>
+                <a:cs typeface="Courier New" panose="02070309020205020404" pitchFamily="49" charset="0"/>
+              </a:rPr>
+              <a:t>equals</a:t>
+            </a:r>
+            <a:r>
+              <a:rPr lang="en-US" sz="1200" dirty="0">
+                <a:latin typeface="Courier New" panose="02070309020205020404" pitchFamily="49" charset="0"/>
+                <a:cs typeface="Courier New" panose="02070309020205020404" pitchFamily="49" charset="0"/>
+              </a:rPr>
+              <a:t> (</a:t>
+            </a:r>
+            <a:r>
+              <a:rPr lang="en-US" sz="1200" b="1" dirty="0">
+                <a:solidFill>
+                  <a:srgbClr val="C00000"/>
+                </a:solidFill>
+                <a:latin typeface="Courier New" panose="02070309020205020404" pitchFamily="49" charset="0"/>
+                <a:cs typeface="Courier New" panose="02070309020205020404" pitchFamily="49" charset="0"/>
+              </a:rPr>
+              <a:t>other</a:t>
+            </a:r>
+            <a:r>
+              <a:rPr lang="en-US" sz="1200" dirty="0">
+                <a:latin typeface="Courier New" panose="02070309020205020404" pitchFamily="49" charset="0"/>
+                <a:cs typeface="Courier New" panose="02070309020205020404" pitchFamily="49" charset="0"/>
+              </a:rPr>
+              <a:t>.</a:t>
+            </a:r>
+            <a:r>
+              <a:rPr lang="en-US" sz="1200" b="1" dirty="0">
+                <a:solidFill>
+                  <a:srgbClr val="C00000"/>
+                </a:solidFill>
+                <a:latin typeface="Courier New" panose="02070309020205020404" pitchFamily="49" charset="0"/>
+                <a:cs typeface="Courier New" panose="02070309020205020404" pitchFamily="49" charset="0"/>
+              </a:rPr>
+              <a:t>firstName</a:t>
+            </a:r>
+            <a:r>
+              <a:rPr lang="en-US" sz="1200" dirty="0">
+                <a:latin typeface="Courier New" panose="02070309020205020404" pitchFamily="49" charset="0"/>
+                <a:cs typeface="Courier New" panose="02070309020205020404" pitchFamily="49" charset="0"/>
+              </a:rPr>
+              <a:t>)) </a:t>
+            </a:r>
+            <a:r>
+              <a:rPr lang="en-US" sz="1200" b="1" dirty="0">
+                <a:solidFill>
+                  <a:srgbClr val="7030A0"/>
+                </a:solidFill>
+                <a:latin typeface="Courier New" panose="02070309020205020404" pitchFamily="49" charset="0"/>
+                <a:cs typeface="Courier New" panose="02070309020205020404" pitchFamily="49" charset="0"/>
+              </a:rPr>
+              <a:t>return</a:t>
+            </a:r>
+            <a:r>
+              <a:rPr lang="en-US" sz="1200" dirty="0">
+                <a:latin typeface="Courier New" panose="02070309020205020404" pitchFamily="49" charset="0"/>
+                <a:cs typeface="Courier New" panose="02070309020205020404" pitchFamily="49" charset="0"/>
+              </a:rPr>
+              <a:t> </a:t>
+            </a:r>
+            <a:r>
+              <a:rPr lang="en-US" sz="1200" b="1" dirty="0">
+                <a:solidFill>
+                  <a:schemeClr val="accent4">
+                    <a:lumMod val="50000"/>
+                  </a:schemeClr>
+                </a:solidFill>
+                <a:latin typeface="Courier New" panose="02070309020205020404" pitchFamily="49" charset="0"/>
+                <a:cs typeface="Courier New" panose="02070309020205020404" pitchFamily="49" charset="0"/>
+              </a:rPr>
+              <a:t>false</a:t>
+            </a:r>
+            <a:r>
+              <a:rPr lang="en-US" sz="1200" dirty="0">
+                <a:latin typeface="Courier New" panose="02070309020205020404" pitchFamily="49" charset="0"/>
+                <a:cs typeface="Courier New" panose="02070309020205020404" pitchFamily="49" charset="0"/>
+              </a:rPr>
+              <a:t>;</a:t>
+            </a:r>
+          </a:p>
+          <a:p>
+            <a:pPr marL="0" indent="0">
+              <a:lnSpc>
+                <a:spcPct val="100000"/>
+              </a:lnSpc>
+              <a:spcBef>
+                <a:spcPts val="0"/>
+              </a:spcBef>
+              <a:buNone/>
+            </a:pPr>
+            <a:r>
+              <a:rPr lang="en-US" sz="1200" dirty="0">
+                <a:latin typeface="Courier New" panose="02070309020205020404" pitchFamily="49" charset="0"/>
+                <a:cs typeface="Courier New" panose="02070309020205020404" pitchFamily="49" charset="0"/>
+              </a:rPr>
+              <a:t>    </a:t>
+            </a:r>
+            <a:r>
+              <a:rPr lang="en-US" sz="1200" b="1" dirty="0">
+                <a:solidFill>
+                  <a:srgbClr val="7030A0"/>
+                </a:solidFill>
+                <a:latin typeface="Courier New" panose="02070309020205020404" pitchFamily="49" charset="0"/>
+                <a:cs typeface="Courier New" panose="02070309020205020404" pitchFamily="49" charset="0"/>
+              </a:rPr>
+              <a:t>if</a:t>
+            </a:r>
+            <a:r>
+              <a:rPr lang="en-US" sz="1200" dirty="0">
+                <a:latin typeface="Courier New" panose="02070309020205020404" pitchFamily="49" charset="0"/>
+                <a:cs typeface="Courier New" panose="02070309020205020404" pitchFamily="49" charset="0"/>
+              </a:rPr>
+              <a:t> (! </a:t>
+            </a:r>
+            <a:r>
+              <a:rPr lang="en-US" sz="1200" b="1" dirty="0">
+                <a:solidFill>
+                  <a:srgbClr val="C00000"/>
+                </a:solidFill>
+                <a:latin typeface="Courier New" panose="02070309020205020404" pitchFamily="49" charset="0"/>
+                <a:cs typeface="Courier New" panose="02070309020205020404" pitchFamily="49" charset="0"/>
+              </a:rPr>
+              <a:t>this</a:t>
+            </a:r>
+            <a:r>
+              <a:rPr lang="en-US" sz="1200" dirty="0">
+                <a:latin typeface="Courier New" panose="02070309020205020404" pitchFamily="49" charset="0"/>
+                <a:cs typeface="Courier New" panose="02070309020205020404" pitchFamily="49" charset="0"/>
+              </a:rPr>
+              <a:t>.</a:t>
+            </a:r>
+            <a:r>
+              <a:rPr lang="en-US" sz="1200" b="1" dirty="0">
+                <a:solidFill>
+                  <a:srgbClr val="C00000"/>
+                </a:solidFill>
+                <a:latin typeface="Courier New" panose="02070309020205020404" pitchFamily="49" charset="0"/>
+                <a:cs typeface="Courier New" panose="02070309020205020404" pitchFamily="49" charset="0"/>
+              </a:rPr>
+              <a:t>lastName</a:t>
+            </a:r>
+            <a:r>
+              <a:rPr lang="en-US" sz="1200" dirty="0">
+                <a:latin typeface="Courier New" panose="02070309020205020404" pitchFamily="49" charset="0"/>
+                <a:cs typeface="Courier New" panose="02070309020205020404" pitchFamily="49" charset="0"/>
+              </a:rPr>
+              <a:t>.</a:t>
+            </a:r>
+            <a:r>
+              <a:rPr lang="en-US" sz="1200" b="1" dirty="0">
+                <a:solidFill>
+                  <a:schemeClr val="accent5">
+                    <a:lumMod val="50000"/>
+                  </a:schemeClr>
+                </a:solidFill>
+                <a:latin typeface="Courier New" panose="02070309020205020404" pitchFamily="49" charset="0"/>
+                <a:cs typeface="Courier New" panose="02070309020205020404" pitchFamily="49" charset="0"/>
+              </a:rPr>
+              <a:t>equals</a:t>
+            </a:r>
+            <a:r>
+              <a:rPr lang="en-US" sz="1200" dirty="0">
+                <a:latin typeface="Courier New" panose="02070309020205020404" pitchFamily="49" charset="0"/>
+                <a:cs typeface="Courier New" panose="02070309020205020404" pitchFamily="49" charset="0"/>
+              </a:rPr>
+              <a:t> (</a:t>
+            </a:r>
+            <a:r>
+              <a:rPr lang="en-US" sz="1200" b="1" dirty="0">
+                <a:solidFill>
+                  <a:srgbClr val="C00000"/>
+                </a:solidFill>
+                <a:latin typeface="Courier New" panose="02070309020205020404" pitchFamily="49" charset="0"/>
+                <a:cs typeface="Courier New" panose="02070309020205020404" pitchFamily="49" charset="0"/>
+              </a:rPr>
+              <a:t>other</a:t>
+            </a:r>
+            <a:r>
+              <a:rPr lang="en-US" sz="1200" dirty="0">
+                <a:latin typeface="Courier New" panose="02070309020205020404" pitchFamily="49" charset="0"/>
+                <a:cs typeface="Courier New" panose="02070309020205020404" pitchFamily="49" charset="0"/>
+              </a:rPr>
+              <a:t>.</a:t>
+            </a:r>
+            <a:r>
+              <a:rPr lang="en-US" sz="1200" b="1" dirty="0">
+                <a:solidFill>
+                  <a:srgbClr val="C00000"/>
+                </a:solidFill>
+                <a:latin typeface="Courier New" panose="02070309020205020404" pitchFamily="49" charset="0"/>
+                <a:cs typeface="Courier New" panose="02070309020205020404" pitchFamily="49" charset="0"/>
+              </a:rPr>
+              <a:t>lastName</a:t>
+            </a:r>
+            <a:r>
+              <a:rPr lang="en-US" sz="1200" dirty="0">
+                <a:latin typeface="Courier New" panose="02070309020205020404" pitchFamily="49" charset="0"/>
+                <a:cs typeface="Courier New" panose="02070309020205020404" pitchFamily="49" charset="0"/>
+              </a:rPr>
+              <a:t>)) </a:t>
+            </a:r>
+            <a:r>
+              <a:rPr lang="en-US" sz="1200" b="1" dirty="0">
+                <a:solidFill>
+                  <a:srgbClr val="7030A0"/>
+                </a:solidFill>
+                <a:latin typeface="Courier New" panose="02070309020205020404" pitchFamily="49" charset="0"/>
+                <a:cs typeface="Courier New" panose="02070309020205020404" pitchFamily="49" charset="0"/>
+              </a:rPr>
+              <a:t>return</a:t>
+            </a:r>
+            <a:r>
+              <a:rPr lang="en-US" sz="1200" dirty="0">
+                <a:latin typeface="Courier New" panose="02070309020205020404" pitchFamily="49" charset="0"/>
+                <a:cs typeface="Courier New" panose="02070309020205020404" pitchFamily="49" charset="0"/>
+              </a:rPr>
+              <a:t> </a:t>
+            </a:r>
+            <a:r>
+              <a:rPr lang="en-US" sz="1200" b="1" dirty="0">
+                <a:solidFill>
+                  <a:schemeClr val="accent4">
+                    <a:lumMod val="50000"/>
+                  </a:schemeClr>
+                </a:solidFill>
+                <a:latin typeface="Courier New" panose="02070309020205020404" pitchFamily="49" charset="0"/>
+                <a:cs typeface="Courier New" panose="02070309020205020404" pitchFamily="49" charset="0"/>
+              </a:rPr>
+              <a:t>false</a:t>
+            </a:r>
+            <a:r>
+              <a:rPr lang="en-US" sz="1200" dirty="0">
+                <a:latin typeface="Courier New" panose="02070309020205020404" pitchFamily="49" charset="0"/>
+                <a:cs typeface="Courier New" panose="02070309020205020404" pitchFamily="49" charset="0"/>
+              </a:rPr>
+              <a:t>;</a:t>
+            </a:r>
+          </a:p>
+          <a:p>
+            <a:pPr marL="0" indent="0">
+              <a:lnSpc>
+                <a:spcPct val="100000"/>
+              </a:lnSpc>
+              <a:spcBef>
+                <a:spcPts val="0"/>
+              </a:spcBef>
+              <a:buNone/>
+            </a:pPr>
+            <a:r>
+              <a:rPr lang="en-US" sz="1200" dirty="0">
+                <a:latin typeface="Courier New" panose="02070309020205020404" pitchFamily="49" charset="0"/>
+                <a:cs typeface="Courier New" panose="02070309020205020404" pitchFamily="49" charset="0"/>
+              </a:rPr>
+              <a:t>    </a:t>
+            </a:r>
+            <a:r>
+              <a:rPr lang="en-US" sz="1200" b="1" dirty="0">
+                <a:solidFill>
+                  <a:srgbClr val="7030A0"/>
+                </a:solidFill>
+                <a:latin typeface="Courier New" panose="02070309020205020404" pitchFamily="49" charset="0"/>
+                <a:cs typeface="Courier New" panose="02070309020205020404" pitchFamily="49" charset="0"/>
+              </a:rPr>
+              <a:t>return</a:t>
+            </a:r>
+            <a:r>
+              <a:rPr lang="en-US" sz="1200" dirty="0">
+                <a:latin typeface="Courier New" panose="02070309020205020404" pitchFamily="49" charset="0"/>
+                <a:cs typeface="Courier New" panose="02070309020205020404" pitchFamily="49" charset="0"/>
+              </a:rPr>
+              <a:t> </a:t>
+            </a:r>
+            <a:r>
+              <a:rPr lang="en-US" sz="1200" b="1" dirty="0">
+                <a:solidFill>
+                  <a:schemeClr val="accent4">
+                    <a:lumMod val="50000"/>
+                  </a:schemeClr>
+                </a:solidFill>
+                <a:latin typeface="Courier New" panose="02070309020205020404" pitchFamily="49" charset="0"/>
+                <a:cs typeface="Courier New" panose="02070309020205020404" pitchFamily="49" charset="0"/>
+              </a:rPr>
+              <a:t>true</a:t>
+            </a:r>
+            <a:r>
+              <a:rPr lang="en-US" sz="1200" dirty="0">
+                <a:latin typeface="Courier New" panose="02070309020205020404" pitchFamily="49" charset="0"/>
+                <a:cs typeface="Courier New" panose="02070309020205020404" pitchFamily="49" charset="0"/>
+              </a:rPr>
+              <a:t>;</a:t>
+            </a:r>
+          </a:p>
+          <a:p>
+            <a:pPr marL="0" indent="0">
+              <a:lnSpc>
+                <a:spcPct val="100000"/>
+              </a:lnSpc>
+              <a:spcBef>
+                <a:spcPts val="0"/>
+              </a:spcBef>
+              <a:buNone/>
+            </a:pPr>
+            <a:r>
+              <a:rPr lang="en-US" sz="1200" dirty="0">
+                <a:latin typeface="Courier New" panose="02070309020205020404" pitchFamily="49" charset="0"/>
+                <a:cs typeface="Courier New" panose="02070309020205020404" pitchFamily="49" charset="0"/>
+              </a:rPr>
+              <a:t>  }</a:t>
+            </a:r>
+          </a:p>
+          <a:p>
+            <a:pPr marL="0" indent="0">
+              <a:lnSpc>
+                <a:spcPct val="100000"/>
+              </a:lnSpc>
+              <a:spcBef>
+                <a:spcPts val="0"/>
+              </a:spcBef>
+              <a:buNone/>
+            </a:pPr>
+            <a:endParaRPr lang="en-US" sz="1200" dirty="0">
+              <a:latin typeface="Courier New" panose="02070309020205020404" pitchFamily="49" charset="0"/>
+              <a:cs typeface="Courier New" panose="02070309020205020404" pitchFamily="49" charset="0"/>
+            </a:endParaRPr>
+          </a:p>
+          <a:p>
+            <a:pPr marL="0" indent="0">
+              <a:lnSpc>
+                <a:spcPct val="100000"/>
+              </a:lnSpc>
+              <a:spcBef>
+                <a:spcPts val="0"/>
+              </a:spcBef>
+              <a:buNone/>
+            </a:pPr>
+            <a:r>
+              <a:rPr lang="en-US" sz="1200" dirty="0">
+                <a:latin typeface="Courier New" panose="02070309020205020404" pitchFamily="49" charset="0"/>
+                <a:cs typeface="Courier New" panose="02070309020205020404" pitchFamily="49" charset="0"/>
+              </a:rPr>
+              <a:t>  </a:t>
+            </a:r>
+            <a:r>
+              <a:rPr lang="en-US" sz="1200" b="1" dirty="0">
+                <a:solidFill>
+                  <a:srgbClr val="7030A0"/>
+                </a:solidFill>
+                <a:latin typeface="Courier New" panose="02070309020205020404" pitchFamily="49" charset="0"/>
+                <a:cs typeface="Courier New" panose="02070309020205020404" pitchFamily="49" charset="0"/>
+              </a:rPr>
+              <a:t>public</a:t>
+            </a:r>
+            <a:r>
+              <a:rPr lang="en-US" sz="1200" dirty="0">
+                <a:latin typeface="Courier New" panose="02070309020205020404" pitchFamily="49" charset="0"/>
+                <a:cs typeface="Courier New" panose="02070309020205020404" pitchFamily="49" charset="0"/>
+              </a:rPr>
+              <a:t> </a:t>
+            </a:r>
+            <a:r>
+              <a:rPr lang="en-US" sz="1200" b="1" dirty="0">
+                <a:solidFill>
+                  <a:schemeClr val="accent4">
+                    <a:lumMod val="50000"/>
+                  </a:schemeClr>
+                </a:solidFill>
+                <a:latin typeface="Courier New" panose="02070309020205020404" pitchFamily="49" charset="0"/>
+                <a:cs typeface="Courier New" panose="02070309020205020404" pitchFamily="49" charset="0"/>
+              </a:rPr>
+              <a:t>int</a:t>
+            </a:r>
+            <a:r>
+              <a:rPr lang="en-US" sz="1200" dirty="0">
+                <a:latin typeface="Courier New" panose="02070309020205020404" pitchFamily="49" charset="0"/>
+                <a:cs typeface="Courier New" panose="02070309020205020404" pitchFamily="49" charset="0"/>
+              </a:rPr>
+              <a:t> </a:t>
+            </a:r>
+            <a:r>
+              <a:rPr lang="en-US" sz="1200" b="1" dirty="0">
+                <a:solidFill>
+                  <a:schemeClr val="accent5">
+                    <a:lumMod val="50000"/>
+                  </a:schemeClr>
+                </a:solidFill>
+                <a:latin typeface="Courier New" panose="02070309020205020404" pitchFamily="49" charset="0"/>
+                <a:cs typeface="Courier New" panose="02070309020205020404" pitchFamily="49" charset="0"/>
+              </a:rPr>
+              <a:t>hashCode</a:t>
+            </a:r>
+            <a:r>
+              <a:rPr lang="en-US" sz="1200" dirty="0">
+                <a:latin typeface="Courier New" panose="02070309020205020404" pitchFamily="49" charset="0"/>
+                <a:cs typeface="Courier New" panose="02070309020205020404" pitchFamily="49" charset="0"/>
+              </a:rPr>
+              <a:t>() {</a:t>
+            </a:r>
+          </a:p>
+          <a:p>
+            <a:pPr marL="0" indent="0">
+              <a:lnSpc>
+                <a:spcPct val="100000"/>
+              </a:lnSpc>
+              <a:spcBef>
+                <a:spcPts val="0"/>
+              </a:spcBef>
+              <a:buNone/>
+            </a:pPr>
+            <a:r>
+              <a:rPr lang="en-US" sz="1200" dirty="0">
+                <a:latin typeface="Courier New" panose="02070309020205020404" pitchFamily="49" charset="0"/>
+                <a:cs typeface="Courier New" panose="02070309020205020404" pitchFamily="49" charset="0"/>
+              </a:rPr>
+              <a:t>    </a:t>
+            </a:r>
+            <a:r>
+              <a:rPr lang="en-US" sz="1200" b="1" dirty="0">
+                <a:solidFill>
+                  <a:srgbClr val="7030A0"/>
+                </a:solidFill>
+                <a:latin typeface="Courier New" panose="02070309020205020404" pitchFamily="49" charset="0"/>
+                <a:cs typeface="Courier New" panose="02070309020205020404" pitchFamily="49" charset="0"/>
+              </a:rPr>
+              <a:t>return</a:t>
+            </a:r>
+            <a:r>
+              <a:rPr lang="en-US" sz="1200" dirty="0">
+                <a:latin typeface="Courier New" panose="02070309020205020404" pitchFamily="49" charset="0"/>
+                <a:cs typeface="Courier New" panose="02070309020205020404" pitchFamily="49" charset="0"/>
+              </a:rPr>
+              <a:t> (</a:t>
+            </a:r>
+            <a:r>
+              <a:rPr lang="en-US" sz="1200" dirty="0">
+                <a:solidFill>
+                  <a:schemeClr val="accent4">
+                    <a:lumMod val="50000"/>
+                  </a:schemeClr>
+                </a:solidFill>
+                <a:latin typeface="Courier New" panose="02070309020205020404" pitchFamily="49" charset="0"/>
+                <a:cs typeface="Courier New" panose="02070309020205020404" pitchFamily="49" charset="0"/>
+              </a:rPr>
+              <a:t>int</a:t>
+            </a:r>
+            <a:r>
+              <a:rPr lang="en-US" sz="1200" dirty="0">
+                <a:latin typeface="Courier New" panose="02070309020205020404" pitchFamily="49" charset="0"/>
+                <a:cs typeface="Courier New" panose="02070309020205020404" pitchFamily="49" charset="0"/>
+              </a:rPr>
+              <a:t>) </a:t>
+            </a:r>
+            <a:r>
+              <a:rPr lang="en-US" sz="1200" b="1" dirty="0">
+                <a:solidFill>
+                  <a:srgbClr val="C00000"/>
+                </a:solidFill>
+                <a:latin typeface="Courier New" panose="02070309020205020404" pitchFamily="49" charset="0"/>
+                <a:cs typeface="Courier New" panose="02070309020205020404" pitchFamily="49" charset="0"/>
+              </a:rPr>
+              <a:t>employeeId</a:t>
+            </a:r>
+            <a:r>
+              <a:rPr lang="en-US" sz="1200" dirty="0">
+                <a:latin typeface="Courier New" panose="02070309020205020404" pitchFamily="49" charset="0"/>
+                <a:cs typeface="Courier New" panose="02070309020205020404" pitchFamily="49" charset="0"/>
+              </a:rPr>
+              <a:t> * </a:t>
+            </a:r>
+            <a:r>
+              <a:rPr lang="en-US" sz="1200" b="1" dirty="0">
+                <a:solidFill>
+                  <a:srgbClr val="C00000"/>
+                </a:solidFill>
+                <a:latin typeface="Courier New" panose="02070309020205020404" pitchFamily="49" charset="0"/>
+                <a:cs typeface="Courier New" panose="02070309020205020404" pitchFamily="49" charset="0"/>
+              </a:rPr>
+              <a:t>firstName</a:t>
+            </a:r>
+            <a:r>
+              <a:rPr lang="en-US" sz="1200" dirty="0">
+                <a:latin typeface="Courier New" panose="02070309020205020404" pitchFamily="49" charset="0"/>
+                <a:cs typeface="Courier New" panose="02070309020205020404" pitchFamily="49" charset="0"/>
+              </a:rPr>
+              <a:t>.</a:t>
+            </a:r>
+            <a:r>
+              <a:rPr lang="en-US" sz="1200" b="1" dirty="0">
+                <a:solidFill>
+                  <a:schemeClr val="accent5">
+                    <a:lumMod val="50000"/>
+                  </a:schemeClr>
+                </a:solidFill>
+                <a:latin typeface="Courier New" panose="02070309020205020404" pitchFamily="49" charset="0"/>
+                <a:cs typeface="Courier New" panose="02070309020205020404" pitchFamily="49" charset="0"/>
+              </a:rPr>
+              <a:t>hashCode</a:t>
+            </a:r>
+            <a:r>
+              <a:rPr lang="en-US" sz="1200" dirty="0">
+                <a:latin typeface="Courier New" panose="02070309020205020404" pitchFamily="49" charset="0"/>
+                <a:cs typeface="Courier New" panose="02070309020205020404" pitchFamily="49" charset="0"/>
+              </a:rPr>
+              <a:t>() * </a:t>
+            </a:r>
+            <a:r>
+              <a:rPr lang="en-US" sz="1200" b="1" dirty="0">
+                <a:solidFill>
+                  <a:srgbClr val="C00000"/>
+                </a:solidFill>
+                <a:latin typeface="Courier New" panose="02070309020205020404" pitchFamily="49" charset="0"/>
+                <a:cs typeface="Courier New" panose="02070309020205020404" pitchFamily="49" charset="0"/>
+              </a:rPr>
+              <a:t>lastName</a:t>
+            </a:r>
+            <a:r>
+              <a:rPr lang="en-US" sz="1200" dirty="0">
+                <a:latin typeface="Courier New" panose="02070309020205020404" pitchFamily="49" charset="0"/>
+                <a:cs typeface="Courier New" panose="02070309020205020404" pitchFamily="49" charset="0"/>
+              </a:rPr>
+              <a:t>.</a:t>
+            </a:r>
+            <a:r>
+              <a:rPr lang="en-US" sz="1200" b="1" dirty="0">
+                <a:solidFill>
+                  <a:schemeClr val="accent5">
+                    <a:lumMod val="50000"/>
+                  </a:schemeClr>
+                </a:solidFill>
+                <a:latin typeface="Courier New" panose="02070309020205020404" pitchFamily="49" charset="0"/>
+                <a:cs typeface="Courier New" panose="02070309020205020404" pitchFamily="49" charset="0"/>
+              </a:rPr>
+              <a:t>hashCode</a:t>
+            </a:r>
+            <a:r>
+              <a:rPr lang="en-US" sz="1200" dirty="0">
+                <a:latin typeface="Courier New" panose="02070309020205020404" pitchFamily="49" charset="0"/>
+                <a:cs typeface="Courier New" panose="02070309020205020404" pitchFamily="49" charset="0"/>
+              </a:rPr>
+              <a:t>();</a:t>
+            </a:r>
+          </a:p>
+          <a:p>
+            <a:pPr marL="0" indent="0">
+              <a:lnSpc>
+                <a:spcPct val="100000"/>
+              </a:lnSpc>
+              <a:spcBef>
+                <a:spcPts val="0"/>
+              </a:spcBef>
+              <a:buNone/>
+            </a:pPr>
+            <a:r>
+              <a:rPr lang="en-US" sz="1200" dirty="0">
+                <a:latin typeface="Courier New" panose="02070309020205020404" pitchFamily="49" charset="0"/>
+                <a:cs typeface="Courier New" panose="02070309020205020404" pitchFamily="49" charset="0"/>
+              </a:rPr>
+              <a:t>  }</a:t>
+            </a:r>
+          </a:p>
+          <a:p>
+            <a:pPr marL="0" indent="0">
+              <a:lnSpc>
+                <a:spcPct val="100000"/>
+              </a:lnSpc>
+              <a:spcBef>
+                <a:spcPts val="0"/>
+              </a:spcBef>
+              <a:buNone/>
+            </a:pPr>
+            <a:r>
+              <a:rPr lang="en-US" sz="1200" dirty="0">
+                <a:latin typeface="Courier New" panose="02070309020205020404" pitchFamily="49" charset="0"/>
+                <a:cs typeface="Courier New" panose="02070309020205020404" pitchFamily="49" charset="0"/>
+              </a:rPr>
+              <a:t>}</a:t>
             </a:r>
           </a:p>
         </p:txBody>
@@ -8004,18 +7905,857 @@
           <a:lstStyle/>
           <a:p>
             <a:r>
+              <a:rPr lang="en-US" b="1" dirty="0">
+                <a:solidFill>
+                  <a:srgbClr val="7030A0"/>
+                </a:solidFill>
+              </a:rPr>
+              <a:t>TypeScript Collections Framework by Larry Diamond                                    </a:t>
+            </a:r>
+            <a:r>
+              <a:rPr lang="en-US" b="1" dirty="0" err="1">
+                <a:solidFill>
+                  <a:srgbClr val="7030A0"/>
+                </a:solidFill>
+              </a:rPr>
+              <a:t>npm</a:t>
+            </a:r>
+            <a:r>
+              <a:rPr lang="en-US" b="1" dirty="0">
+                <a:solidFill>
+                  <a:srgbClr val="7030A0"/>
+                </a:solidFill>
+              </a:rPr>
+              <a:t> install typescriptcollectionsframework --save</a:t>
+            </a:r>
+          </a:p>
+          <a:p>
+            <a:pPr algn="ctr"/>
+            <a:r>
+              <a:rPr lang="en-US" dirty="0">
+                <a:hlinkClick r:id="rId2"/>
+              </a:rPr>
+              <a:t>https://github.com/larrydiamond/typescriptcollectionsframework</a:t>
+            </a:r>
+            <a:endParaRPr lang="en-US" dirty="0"/>
+          </a:p>
+          <a:p>
+            <a:endParaRPr lang="en-US" dirty="0"/>
+          </a:p>
+        </p:txBody>
+      </p:sp>
+      <p:sp>
+        <p:nvSpPr>
+          <p:cNvPr id="5" name="TextBox 4"/>
+          <p:cNvSpPr txBox="1"/>
+          <p:nvPr/>
+        </p:nvSpPr>
+        <p:spPr>
+          <a:xfrm>
+            <a:off x="838200" y="824459"/>
+            <a:ext cx="2483708" cy="769441"/>
+          </a:xfrm>
+          <a:prstGeom prst="rect">
+            <a:avLst/>
+          </a:prstGeom>
+          <a:noFill/>
+        </p:spPr>
+        <p:txBody>
+          <a:bodyPr wrap="square" rtlCol="0">
+            <a:spAutoFit/>
+          </a:bodyPr>
+          <a:lstStyle/>
+          <a:p>
+            <a:r>
+              <a:rPr lang="en-US" sz="4400" dirty="0"/>
+              <a:t>Java Code</a:t>
+            </a:r>
+          </a:p>
+        </p:txBody>
+      </p:sp>
+      <p:sp>
+        <p:nvSpPr>
+          <p:cNvPr id="6" name="TextBox 5"/>
+          <p:cNvSpPr txBox="1"/>
+          <p:nvPr/>
+        </p:nvSpPr>
+        <p:spPr>
+          <a:xfrm>
+            <a:off x="7641589" y="824459"/>
+            <a:ext cx="4030361" cy="769441"/>
+          </a:xfrm>
+          <a:prstGeom prst="rect">
+            <a:avLst/>
+          </a:prstGeom>
+          <a:noFill/>
+        </p:spPr>
+        <p:txBody>
+          <a:bodyPr wrap="square" rtlCol="0">
+            <a:spAutoFit/>
+          </a:bodyPr>
+          <a:lstStyle/>
+          <a:p>
+            <a:r>
+              <a:rPr lang="en-US" sz="4400" dirty="0"/>
+              <a:t>TypeScript Code</a:t>
+            </a:r>
+          </a:p>
+        </p:txBody>
+      </p:sp>
+      <p:sp>
+        <p:nvSpPr>
+          <p:cNvPr id="7" name="Rectangle 6"/>
+          <p:cNvSpPr/>
+          <p:nvPr/>
+        </p:nvSpPr>
+        <p:spPr>
+          <a:xfrm>
+            <a:off x="6366155" y="1593900"/>
+            <a:ext cx="5205271" cy="1569660"/>
+          </a:xfrm>
+          <a:prstGeom prst="rect">
+            <a:avLst/>
+          </a:prstGeom>
+          <a:ln>
+            <a:solidFill>
+              <a:srgbClr val="0070C0"/>
+            </a:solidFill>
+          </a:ln>
+        </p:spPr>
+        <p:txBody>
+          <a:bodyPr wrap="none">
+            <a:spAutoFit/>
+          </a:bodyPr>
+          <a:lstStyle/>
+          <a:p>
+            <a:r>
+              <a:rPr lang="en-US" sz="1200" b="1" dirty="0">
+                <a:solidFill>
+                  <a:srgbClr val="7030A0"/>
+                </a:solidFill>
+                <a:latin typeface="Courier New" panose="02070309020205020404" pitchFamily="49" charset="0"/>
+                <a:cs typeface="Courier New" panose="02070309020205020404" pitchFamily="49" charset="0"/>
+              </a:rPr>
+              <a:t>export class </a:t>
+            </a:r>
+            <a:r>
+              <a:rPr lang="en-US" sz="1200" b="1" dirty="0">
+                <a:solidFill>
+                  <a:schemeClr val="accent4">
+                    <a:lumMod val="50000"/>
+                  </a:schemeClr>
+                </a:solidFill>
+                <a:latin typeface="Courier New" panose="02070309020205020404" pitchFamily="49" charset="0"/>
+                <a:cs typeface="Courier New" panose="02070309020205020404" pitchFamily="49" charset="0"/>
+              </a:rPr>
+              <a:t>Employee</a:t>
+            </a:r>
+            <a:r>
+              <a:rPr lang="en-US" sz="1200" b="1" dirty="0">
+                <a:solidFill>
+                  <a:srgbClr val="7030A0"/>
+                </a:solidFill>
+                <a:latin typeface="Courier New" panose="02070309020205020404" pitchFamily="49" charset="0"/>
+                <a:cs typeface="Courier New" panose="02070309020205020404" pitchFamily="49" charset="0"/>
+              </a:rPr>
+              <a:t> {</a:t>
+            </a:r>
+          </a:p>
+          <a:p>
+            <a:r>
+              <a:rPr lang="en-US" sz="1200" b="1" dirty="0">
+                <a:solidFill>
+                  <a:srgbClr val="7030A0"/>
+                </a:solidFill>
+                <a:latin typeface="Courier New" panose="02070309020205020404" pitchFamily="49" charset="0"/>
+                <a:cs typeface="Courier New" panose="02070309020205020404" pitchFamily="49" charset="0"/>
+              </a:rPr>
+              <a:t>  </a:t>
+            </a:r>
+            <a:r>
+              <a:rPr lang="en-US" sz="1200" b="1" dirty="0">
+                <a:solidFill>
+                  <a:srgbClr val="C00000"/>
+                </a:solidFill>
+                <a:latin typeface="Courier New" panose="02070309020205020404" pitchFamily="49" charset="0"/>
+                <a:cs typeface="Courier New" panose="02070309020205020404" pitchFamily="49" charset="0"/>
+              </a:rPr>
+              <a:t>employeeId</a:t>
+            </a:r>
+            <a:r>
+              <a:rPr lang="en-US" sz="1200" b="1" dirty="0">
+                <a:solidFill>
+                  <a:srgbClr val="7030A0"/>
+                </a:solidFill>
+                <a:latin typeface="Courier New" panose="02070309020205020404" pitchFamily="49" charset="0"/>
+                <a:cs typeface="Courier New" panose="02070309020205020404" pitchFamily="49" charset="0"/>
+              </a:rPr>
+              <a:t>:</a:t>
+            </a:r>
+            <a:r>
+              <a:rPr lang="en-US" sz="1200" b="1" dirty="0">
+                <a:solidFill>
+                  <a:schemeClr val="accent4">
+                    <a:lumMod val="50000"/>
+                  </a:schemeClr>
+                </a:solidFill>
+                <a:latin typeface="Courier New" panose="02070309020205020404" pitchFamily="49" charset="0"/>
+                <a:cs typeface="Courier New" panose="02070309020205020404" pitchFamily="49" charset="0"/>
+              </a:rPr>
+              <a:t>number</a:t>
+            </a:r>
+            <a:r>
+              <a:rPr lang="en-US" sz="1200" b="1" dirty="0">
+                <a:solidFill>
+                  <a:srgbClr val="7030A0"/>
+                </a:solidFill>
+                <a:latin typeface="Courier New" panose="02070309020205020404" pitchFamily="49" charset="0"/>
+                <a:cs typeface="Courier New" panose="02070309020205020404" pitchFamily="49" charset="0"/>
+              </a:rPr>
+              <a:t>; </a:t>
+            </a:r>
+          </a:p>
+          <a:p>
+            <a:r>
+              <a:rPr lang="en-US" sz="1200" b="1" dirty="0">
+                <a:solidFill>
+                  <a:srgbClr val="7030A0"/>
+                </a:solidFill>
+                <a:latin typeface="Courier New" panose="02070309020205020404" pitchFamily="49" charset="0"/>
+                <a:cs typeface="Courier New" panose="02070309020205020404" pitchFamily="49" charset="0"/>
+              </a:rPr>
+              <a:t>  </a:t>
+            </a:r>
+            <a:r>
+              <a:rPr lang="en-US" sz="1200" b="1" dirty="0">
+                <a:solidFill>
+                  <a:srgbClr val="C00000"/>
+                </a:solidFill>
+                <a:latin typeface="Courier New" panose="02070309020205020404" pitchFamily="49" charset="0"/>
+                <a:cs typeface="Courier New" panose="02070309020205020404" pitchFamily="49" charset="0"/>
+              </a:rPr>
+              <a:t>firstName</a:t>
+            </a:r>
+            <a:r>
+              <a:rPr lang="en-US" sz="1200" b="1" dirty="0">
+                <a:solidFill>
+                  <a:srgbClr val="7030A0"/>
+                </a:solidFill>
+                <a:latin typeface="Courier New" panose="02070309020205020404" pitchFamily="49" charset="0"/>
+                <a:cs typeface="Courier New" panose="02070309020205020404" pitchFamily="49" charset="0"/>
+              </a:rPr>
+              <a:t>:</a:t>
+            </a:r>
+            <a:r>
+              <a:rPr lang="en-US" sz="1200" b="1" dirty="0">
+                <a:solidFill>
+                  <a:schemeClr val="accent4">
+                    <a:lumMod val="50000"/>
+                  </a:schemeClr>
+                </a:solidFill>
+                <a:latin typeface="Courier New" panose="02070309020205020404" pitchFamily="49" charset="0"/>
+                <a:cs typeface="Courier New" panose="02070309020205020404" pitchFamily="49" charset="0"/>
+              </a:rPr>
+              <a:t>string</a:t>
+            </a:r>
+            <a:r>
+              <a:rPr lang="en-US" sz="1200" b="1" dirty="0">
+                <a:solidFill>
+                  <a:srgbClr val="7030A0"/>
+                </a:solidFill>
+                <a:latin typeface="Courier New" panose="02070309020205020404" pitchFamily="49" charset="0"/>
+                <a:cs typeface="Courier New" panose="02070309020205020404" pitchFamily="49" charset="0"/>
+              </a:rPr>
+              <a:t>; </a:t>
+            </a:r>
+          </a:p>
+          <a:p>
+            <a:r>
+              <a:rPr lang="en-US" sz="1200" b="1" dirty="0">
+                <a:solidFill>
+                  <a:srgbClr val="7030A0"/>
+                </a:solidFill>
+                <a:latin typeface="Courier New" panose="02070309020205020404" pitchFamily="49" charset="0"/>
+                <a:cs typeface="Courier New" panose="02070309020205020404" pitchFamily="49" charset="0"/>
+              </a:rPr>
+              <a:t>  </a:t>
+            </a:r>
+            <a:r>
+              <a:rPr lang="en-US" sz="1200" b="1" dirty="0">
+                <a:solidFill>
+                  <a:srgbClr val="C00000"/>
+                </a:solidFill>
+                <a:latin typeface="Courier New" panose="02070309020205020404" pitchFamily="49" charset="0"/>
+                <a:cs typeface="Courier New" panose="02070309020205020404" pitchFamily="49" charset="0"/>
+              </a:rPr>
+              <a:t>lastName</a:t>
+            </a:r>
+            <a:r>
+              <a:rPr lang="en-US" sz="1200" b="1" dirty="0">
+                <a:solidFill>
+                  <a:srgbClr val="7030A0"/>
+                </a:solidFill>
+                <a:latin typeface="Courier New" panose="02070309020205020404" pitchFamily="49" charset="0"/>
+                <a:cs typeface="Courier New" panose="02070309020205020404" pitchFamily="49" charset="0"/>
+              </a:rPr>
+              <a:t>:</a:t>
+            </a:r>
+            <a:r>
+              <a:rPr lang="en-US" sz="1200" b="1" dirty="0">
+                <a:solidFill>
+                  <a:schemeClr val="accent4">
+                    <a:lumMod val="50000"/>
+                  </a:schemeClr>
+                </a:solidFill>
+                <a:latin typeface="Courier New" panose="02070309020205020404" pitchFamily="49" charset="0"/>
+                <a:cs typeface="Courier New" panose="02070309020205020404" pitchFamily="49" charset="0"/>
+              </a:rPr>
+              <a:t>string</a:t>
+            </a:r>
+            <a:r>
+              <a:rPr lang="en-US" sz="1200" b="1" dirty="0">
+                <a:solidFill>
+                  <a:srgbClr val="7030A0"/>
+                </a:solidFill>
+                <a:latin typeface="Courier New" panose="02070309020205020404" pitchFamily="49" charset="0"/>
+                <a:cs typeface="Courier New" panose="02070309020205020404" pitchFamily="49" charset="0"/>
+              </a:rPr>
+              <a:t>;</a:t>
+            </a:r>
+          </a:p>
+          <a:p>
+            <a:r>
+              <a:rPr lang="en-US" sz="1200" b="1" dirty="0">
+                <a:solidFill>
+                  <a:srgbClr val="7030A0"/>
+                </a:solidFill>
+                <a:latin typeface="Courier New" panose="02070309020205020404" pitchFamily="49" charset="0"/>
+                <a:cs typeface="Courier New" panose="02070309020205020404" pitchFamily="49" charset="0"/>
+              </a:rPr>
+              <a:t>}</a:t>
+            </a:r>
+          </a:p>
+          <a:p>
+            <a:endParaRPr lang="en-US" sz="1200" b="1" dirty="0">
+              <a:solidFill>
+                <a:srgbClr val="7030A0"/>
+              </a:solidFill>
+              <a:latin typeface="Courier New" panose="02070309020205020404" pitchFamily="49" charset="0"/>
+              <a:cs typeface="Courier New" panose="02070309020205020404" pitchFamily="49" charset="0"/>
+            </a:endParaRPr>
+          </a:p>
+          <a:p>
+            <a:r>
+              <a:rPr lang="en-US" sz="1200" b="1" dirty="0">
+                <a:solidFill>
+                  <a:srgbClr val="7030A0"/>
+                </a:solidFill>
+                <a:latin typeface="Courier New" panose="02070309020205020404" pitchFamily="49" charset="0"/>
+                <a:cs typeface="Courier New" panose="02070309020205020404" pitchFamily="49" charset="0"/>
+              </a:rPr>
+              <a:t>const</a:t>
+            </a:r>
+            <a:r>
+              <a:rPr lang="en-US" sz="1200" dirty="0">
+                <a:latin typeface="Courier New" panose="02070309020205020404" pitchFamily="49" charset="0"/>
+                <a:cs typeface="Courier New" panose="02070309020205020404" pitchFamily="49" charset="0"/>
+              </a:rPr>
+              <a:t> </a:t>
+            </a:r>
+            <a:r>
+              <a:rPr lang="en-US" sz="1200" b="1" dirty="0">
+                <a:solidFill>
+                  <a:srgbClr val="C00000"/>
+                </a:solidFill>
+                <a:latin typeface="Courier New" panose="02070309020205020404" pitchFamily="49" charset="0"/>
+                <a:cs typeface="Courier New" panose="02070309020205020404" pitchFamily="49" charset="0"/>
+              </a:rPr>
+              <a:t>stuff</a:t>
+            </a:r>
+            <a:r>
+              <a:rPr lang="en-US" sz="1200" dirty="0">
+                <a:latin typeface="Courier New" panose="02070309020205020404" pitchFamily="49" charset="0"/>
+                <a:cs typeface="Courier New" panose="02070309020205020404" pitchFamily="49" charset="0"/>
+              </a:rPr>
+              <a:t>:</a:t>
+            </a:r>
+            <a:r>
+              <a:rPr lang="en-US" sz="1200" b="1" dirty="0">
+                <a:solidFill>
+                  <a:schemeClr val="accent4">
+                    <a:lumMod val="50000"/>
+                  </a:schemeClr>
+                </a:solidFill>
+                <a:latin typeface="Courier New" panose="02070309020205020404" pitchFamily="49" charset="0"/>
+                <a:cs typeface="Courier New" panose="02070309020205020404" pitchFamily="49" charset="0"/>
+              </a:rPr>
+              <a:t>HashSet</a:t>
+            </a:r>
+            <a:r>
+              <a:rPr lang="en-US" sz="1200" dirty="0">
+                <a:latin typeface="Courier New" panose="02070309020205020404" pitchFamily="49" charset="0"/>
+                <a:cs typeface="Courier New" panose="02070309020205020404" pitchFamily="49" charset="0"/>
+              </a:rPr>
+              <a:t>&lt;</a:t>
+            </a:r>
+            <a:r>
+              <a:rPr lang="en-US" sz="1200" b="1" dirty="0">
+                <a:solidFill>
+                  <a:srgbClr val="002060"/>
+                </a:solidFill>
+                <a:latin typeface="Courier New" panose="02070309020205020404" pitchFamily="49" charset="0"/>
+                <a:cs typeface="Courier New" panose="02070309020205020404" pitchFamily="49" charset="0"/>
+              </a:rPr>
+              <a:t>Employee</a:t>
+            </a:r>
+            <a:r>
+              <a:rPr lang="en-US" sz="1200" dirty="0">
+                <a:latin typeface="Courier New" panose="02070309020205020404" pitchFamily="49" charset="0"/>
+                <a:cs typeface="Courier New" panose="02070309020205020404" pitchFamily="49" charset="0"/>
+              </a:rPr>
+              <a:t>&gt; = new </a:t>
+            </a:r>
+            <a:r>
+              <a:rPr lang="en-US" sz="1200" b="1" dirty="0">
+                <a:solidFill>
+                  <a:schemeClr val="accent4">
+                    <a:lumMod val="50000"/>
+                  </a:schemeClr>
+                </a:solidFill>
+                <a:latin typeface="Courier New" panose="02070309020205020404" pitchFamily="49" charset="0"/>
+                <a:cs typeface="Courier New" panose="02070309020205020404" pitchFamily="49" charset="0"/>
+              </a:rPr>
+              <a:t>HashSet</a:t>
+            </a:r>
+            <a:r>
+              <a:rPr lang="en-US" sz="1200" dirty="0">
+                <a:latin typeface="Courier New" panose="02070309020205020404" pitchFamily="49" charset="0"/>
+                <a:cs typeface="Courier New" panose="02070309020205020404" pitchFamily="49" charset="0"/>
+              </a:rPr>
+              <a:t>&lt;</a:t>
+            </a:r>
+            <a:r>
+              <a:rPr lang="en-US" sz="1200" b="1" dirty="0">
+                <a:solidFill>
+                  <a:srgbClr val="002060"/>
+                </a:solidFill>
+                <a:latin typeface="Courier New" panose="02070309020205020404" pitchFamily="49" charset="0"/>
+                <a:cs typeface="Courier New" panose="02070309020205020404" pitchFamily="49" charset="0"/>
+              </a:rPr>
+              <a:t>Employee</a:t>
+            </a:r>
+            <a:r>
+              <a:rPr lang="en-US" sz="1200" dirty="0">
+                <a:latin typeface="Courier New" panose="02070309020205020404" pitchFamily="49" charset="0"/>
+                <a:cs typeface="Courier New" panose="02070309020205020404" pitchFamily="49" charset="0"/>
+              </a:rPr>
+              <a:t>&gt;(</a:t>
+            </a:r>
+          </a:p>
+          <a:p>
+            <a:r>
+              <a:rPr lang="en-US" sz="1200" dirty="0">
+                <a:latin typeface="Courier New" panose="02070309020205020404" pitchFamily="49" charset="0"/>
+                <a:cs typeface="Courier New" panose="02070309020205020404" pitchFamily="49" charset="0"/>
+              </a:rPr>
+              <a:t>		new </a:t>
+            </a:r>
+            <a:r>
+              <a:rPr lang="en-US" sz="1200" b="1" dirty="0">
+                <a:solidFill>
+                  <a:schemeClr val="accent4">
+                    <a:lumMod val="50000"/>
+                  </a:schemeClr>
+                </a:solidFill>
+                <a:latin typeface="Courier New" panose="02070309020205020404" pitchFamily="49" charset="0"/>
+                <a:cs typeface="Courier New" panose="02070309020205020404" pitchFamily="49" charset="0"/>
+              </a:rPr>
+              <a:t>AllFieldHashable</a:t>
+            </a:r>
+            <a:r>
+              <a:rPr lang="en-US" sz="1200" dirty="0">
+                <a:latin typeface="Courier New" panose="02070309020205020404" pitchFamily="49" charset="0"/>
+                <a:cs typeface="Courier New" panose="02070309020205020404" pitchFamily="49" charset="0"/>
+              </a:rPr>
+              <a:t>&lt;</a:t>
+            </a:r>
+            <a:r>
+              <a:rPr lang="en-US" sz="1200" b="1" dirty="0">
+                <a:solidFill>
+                  <a:srgbClr val="002060"/>
+                </a:solidFill>
+                <a:latin typeface="Courier New" panose="02070309020205020404" pitchFamily="49" charset="0"/>
+                <a:cs typeface="Courier New" panose="02070309020205020404" pitchFamily="49" charset="0"/>
+              </a:rPr>
+              <a:t>Employee</a:t>
+            </a:r>
+            <a:r>
+              <a:rPr lang="en-US" sz="1200" dirty="0">
+                <a:latin typeface="Courier New" panose="02070309020205020404" pitchFamily="49" charset="0"/>
+                <a:cs typeface="Courier New" panose="02070309020205020404" pitchFamily="49" charset="0"/>
+              </a:rPr>
+              <a:t>&gt;());</a:t>
+            </a:r>
+          </a:p>
+        </p:txBody>
+      </p:sp>
+      <p:sp>
+        <p:nvSpPr>
+          <p:cNvPr id="9" name="TextBox 8"/>
+          <p:cNvSpPr txBox="1"/>
+          <p:nvPr/>
+        </p:nvSpPr>
+        <p:spPr>
+          <a:xfrm>
+            <a:off x="151775" y="5656586"/>
+            <a:ext cx="5693544" cy="584775"/>
+          </a:xfrm>
+          <a:prstGeom prst="rect">
+            <a:avLst/>
+          </a:prstGeom>
+          <a:noFill/>
+        </p:spPr>
+        <p:txBody>
+          <a:bodyPr wrap="square" rtlCol="0">
+            <a:spAutoFit/>
+          </a:bodyPr>
+          <a:lstStyle/>
+          <a:p>
+            <a:r>
+              <a:rPr lang="en-US" sz="1600" dirty="0"/>
+              <a:t>Anybody ever find a bug in somebody’s equals method?  					Tedious, huh?</a:t>
+            </a:r>
+          </a:p>
+        </p:txBody>
+      </p:sp>
+      <p:sp>
+        <p:nvSpPr>
+          <p:cNvPr id="10" name="TextBox 9"/>
+          <p:cNvSpPr txBox="1"/>
+          <p:nvPr/>
+        </p:nvSpPr>
+        <p:spPr>
+          <a:xfrm>
+            <a:off x="6366155" y="3247231"/>
+            <a:ext cx="5588280" cy="2031325"/>
+          </a:xfrm>
+          <a:prstGeom prst="rect">
+            <a:avLst/>
+          </a:prstGeom>
+          <a:noFill/>
+        </p:spPr>
+        <p:txBody>
+          <a:bodyPr wrap="square" rtlCol="0">
+            <a:spAutoFit/>
+          </a:bodyPr>
+          <a:lstStyle/>
+          <a:p>
+            <a:r>
               <a:rPr lang="en-US" dirty="0"/>
+              <a:t>AllFieldHashable uses </a:t>
+            </a:r>
+            <a:r>
+              <a:rPr lang="en-US" dirty="0" err="1"/>
+              <a:t>JSON.stringify</a:t>
+            </a:r>
+            <a:r>
+              <a:rPr lang="en-US" dirty="0"/>
+              <a:t> when it needs to compare instances and will build a hash code off of the </a:t>
+            </a:r>
+            <a:r>
+              <a:rPr lang="en-US" dirty="0" err="1"/>
+              <a:t>JSON.stringify</a:t>
+            </a:r>
+            <a:r>
+              <a:rPr lang="en-US" dirty="0"/>
+              <a:t> results.   </a:t>
+            </a:r>
+          </a:p>
+          <a:p>
+            <a:endParaRPr lang="en-US" dirty="0"/>
+          </a:p>
+          <a:p>
+            <a:r>
+              <a:rPr lang="en-US" dirty="0"/>
+              <a:t>This all means that you can build collections off of anybody’s code – they don’t need to support the framework.</a:t>
+            </a:r>
+          </a:p>
+        </p:txBody>
+      </p:sp>
+      <p:sp>
+        <p:nvSpPr>
+          <p:cNvPr id="8" name="Rectangle 7"/>
+          <p:cNvSpPr/>
+          <p:nvPr/>
+        </p:nvSpPr>
+        <p:spPr>
+          <a:xfrm>
+            <a:off x="6482963" y="5398864"/>
+            <a:ext cx="5188987" cy="369332"/>
+          </a:xfrm>
+          <a:prstGeom prst="rect">
+            <a:avLst/>
+          </a:prstGeom>
+        </p:spPr>
+        <p:txBody>
+          <a:bodyPr wrap="square">
+            <a:spAutoFit/>
+          </a:bodyPr>
+          <a:lstStyle/>
+          <a:p>
+            <a:r>
+              <a:rPr lang="en-US" dirty="0">
+                <a:solidFill>
+                  <a:srgbClr val="24292E"/>
+                </a:solidFill>
+                <a:latin typeface="SFMono-Regular"/>
+              </a:rPr>
+              <a:t>&lt;</a:t>
+            </a:r>
+            <a:r>
+              <a:rPr lang="en-US" dirty="0">
+                <a:solidFill>
+                  <a:srgbClr val="22863A"/>
+                </a:solidFill>
+                <a:latin typeface="SFMono-Regular"/>
+              </a:rPr>
+              <a:t>li</a:t>
+            </a:r>
+            <a:r>
+              <a:rPr lang="en-US" dirty="0">
+                <a:solidFill>
+                  <a:srgbClr val="24292E"/>
+                </a:solidFill>
+                <a:latin typeface="SFMono-Regular"/>
+              </a:rPr>
+              <a:t> *</a:t>
+            </a:r>
+            <a:r>
+              <a:rPr lang="en-US" dirty="0" err="1">
+                <a:solidFill>
+                  <a:srgbClr val="6F42C1"/>
+                </a:solidFill>
+                <a:latin typeface="SFMono-Regular"/>
+              </a:rPr>
+              <a:t>ngFor</a:t>
+            </a:r>
+            <a:r>
+              <a:rPr lang="en-US" dirty="0">
+                <a:solidFill>
+                  <a:srgbClr val="24292E"/>
+                </a:solidFill>
+                <a:latin typeface="SFMono-Regular"/>
+              </a:rPr>
+              <a:t>=</a:t>
+            </a:r>
+            <a:r>
+              <a:rPr lang="en-US" dirty="0">
+                <a:solidFill>
+                  <a:srgbClr val="032F62"/>
+                </a:solidFill>
+                <a:latin typeface="SFMono-Regular"/>
+              </a:rPr>
+              <a:t>"let </a:t>
+            </a:r>
+            <a:r>
+              <a:rPr lang="en-US" dirty="0" err="1">
+                <a:solidFill>
+                  <a:srgbClr val="032F62"/>
+                </a:solidFill>
+                <a:latin typeface="SFMono-Regular"/>
+              </a:rPr>
+              <a:t>emp</a:t>
+            </a:r>
+            <a:r>
+              <a:rPr lang="en-US" dirty="0">
+                <a:solidFill>
+                  <a:srgbClr val="032F62"/>
+                </a:solidFill>
+                <a:latin typeface="SFMono-Regular"/>
+              </a:rPr>
+              <a:t> of stuff"</a:t>
+            </a:r>
+            <a:r>
+              <a:rPr lang="en-US" dirty="0">
+                <a:solidFill>
+                  <a:srgbClr val="24292E"/>
+                </a:solidFill>
+                <a:latin typeface="SFMono-Regular"/>
+              </a:rPr>
+              <a:t>&gt;{{</a:t>
+            </a:r>
+            <a:r>
+              <a:rPr lang="en-US" dirty="0" err="1">
+                <a:solidFill>
+                  <a:srgbClr val="24292E"/>
+                </a:solidFill>
+                <a:latin typeface="SFMono-Regular"/>
+              </a:rPr>
+              <a:t>emp.firstName</a:t>
+            </a:r>
+            <a:r>
+              <a:rPr lang="en-US" dirty="0">
+                <a:solidFill>
+                  <a:srgbClr val="24292E"/>
+                </a:solidFill>
+                <a:latin typeface="SFMono-Regular"/>
+              </a:rPr>
+              <a:t>}}&lt;/</a:t>
+            </a:r>
+            <a:r>
+              <a:rPr lang="en-US" dirty="0">
+                <a:solidFill>
+                  <a:srgbClr val="22863A"/>
+                </a:solidFill>
+                <a:latin typeface="SFMono-Regular"/>
+              </a:rPr>
+              <a:t>li</a:t>
+            </a:r>
+            <a:r>
+              <a:rPr lang="en-US" dirty="0">
+                <a:solidFill>
+                  <a:srgbClr val="24292E"/>
+                </a:solidFill>
+                <a:latin typeface="SFMono-Regular"/>
+              </a:rPr>
+              <a:t>&gt;</a:t>
+            </a:r>
+            <a:endParaRPr lang="en-US" dirty="0"/>
+          </a:p>
+        </p:txBody>
+      </p:sp>
+    </p:spTree>
+    <p:extLst>
+      <p:ext uri="{BB962C8B-B14F-4D97-AF65-F5344CB8AC3E}">
+        <p14:creationId xmlns:p14="http://schemas.microsoft.com/office/powerpoint/2010/main" val="3563178291"/>
+      </p:ext>
+    </p:extLst>
+  </p:cSld>
+  <p:clrMapOvr>
+    <a:masterClrMapping/>
+  </p:clrMapOvr>
+</p:sld>
+</file>
+
+<file path=ppt/slides/slide6.xml><?xml version="1.0" encoding="utf-8"?>
+<p:sld xmlns:a="http://schemas.openxmlformats.org/drawingml/2006/main" xmlns:r="http://schemas.openxmlformats.org/officeDocument/2006/relationships" xmlns:p="http://schemas.openxmlformats.org/presentationml/2006/main">
+  <p:cSld>
+    <p:spTree>
+      <p:nvGrpSpPr>
+        <p:cNvPr id="1" name=""/>
+        <p:cNvGrpSpPr/>
+        <p:nvPr/>
+      </p:nvGrpSpPr>
+      <p:grpSpPr>
+        <a:xfrm>
+          <a:off x="0" y="0"/>
+          <a:ext cx="0" cy="0"/>
+          <a:chOff x="0" y="0"/>
+          <a:chExt cx="0" cy="0"/>
+        </a:xfrm>
+      </p:grpSpPr>
+      <p:sp>
+        <p:nvSpPr>
+          <p:cNvPr id="2" name="Title 1"/>
+          <p:cNvSpPr>
+            <a:spLocks noGrp="1"/>
+          </p:cNvSpPr>
+          <p:nvPr>
+            <p:ph type="title"/>
+          </p:nvPr>
+        </p:nvSpPr>
+        <p:spPr>
+          <a:xfrm>
+            <a:off x="838200" y="0"/>
+            <a:ext cx="10515600" cy="1057523"/>
+          </a:xfrm>
+        </p:spPr>
+        <p:txBody>
+          <a:bodyPr/>
+          <a:lstStyle/>
+          <a:p>
+            <a:pPr algn="ctr"/>
+            <a:r>
+              <a:rPr lang="en-US" b="1" dirty="0" err="1">
+                <a:solidFill>
+                  <a:srgbClr val="7030A0"/>
+                </a:solidFill>
+              </a:rPr>
+              <a:t>SkipListSet</a:t>
+            </a:r>
+            <a:r>
+              <a:rPr lang="en-US" b="1" dirty="0">
+                <a:solidFill>
+                  <a:srgbClr val="7030A0"/>
+                </a:solidFill>
+              </a:rPr>
+              <a:t> and TreeSet (</a:t>
+            </a:r>
+            <a:r>
+              <a:rPr lang="en-US" b="1" dirty="0" err="1">
+                <a:solidFill>
+                  <a:srgbClr val="7030A0"/>
+                </a:solidFill>
+              </a:rPr>
+              <a:t>NavigableSet</a:t>
+            </a:r>
+            <a:r>
+              <a:rPr lang="en-US" b="1" dirty="0">
+                <a:solidFill>
+                  <a:srgbClr val="7030A0"/>
+                </a:solidFill>
+              </a:rPr>
+              <a:t>)</a:t>
+            </a:r>
+          </a:p>
+        </p:txBody>
+      </p:sp>
+      <p:sp>
+        <p:nvSpPr>
+          <p:cNvPr id="4" name="TextBox 3"/>
+          <p:cNvSpPr txBox="1"/>
+          <p:nvPr/>
+        </p:nvSpPr>
+        <p:spPr>
+          <a:xfrm>
+            <a:off x="329784" y="6165504"/>
+            <a:ext cx="11862215" cy="923330"/>
+          </a:xfrm>
+          <a:prstGeom prst="rect">
+            <a:avLst/>
+          </a:prstGeom>
+          <a:noFill/>
+        </p:spPr>
+        <p:txBody>
+          <a:bodyPr wrap="square" rtlCol="0">
+            <a:spAutoFit/>
+          </a:bodyPr>
+          <a:lstStyle/>
+          <a:p>
+            <a:r>
+              <a:rPr lang="en-US" b="1" dirty="0">
+                <a:solidFill>
+                  <a:srgbClr val="7030A0"/>
+                </a:solidFill>
+              </a:rPr>
               <a:t>TypeScript Collections Framework by Larry Diamond                                    </a:t>
             </a:r>
             <a:r>
-              <a:rPr lang="en-US" dirty="0" err="1"/>
+              <a:rPr lang="en-US" b="1" dirty="0" err="1">
+                <a:solidFill>
+                  <a:srgbClr val="7030A0"/>
+                </a:solidFill>
+              </a:rPr>
               <a:t>npm</a:t>
             </a:r>
             <a:r>
-              <a:rPr lang="en-US" dirty="0"/>
+              <a:rPr lang="en-US" b="1" dirty="0">
+                <a:solidFill>
+                  <a:srgbClr val="7030A0"/>
+                </a:solidFill>
+              </a:rPr>
               <a:t> install typescriptcollectionsframework --save</a:t>
             </a:r>
-            <a:endParaRPr lang="en-US" dirty="0"/>
           </a:p>
           <a:p>
             <a:pPr algn="ctr"/>
@@ -10371,6 +11111,148 @@
           </a:p>
         </p:txBody>
       </p:sp>
+      <p:sp>
+        <p:nvSpPr>
+          <p:cNvPr id="3" name="Rectangle 2"/>
+          <p:cNvSpPr/>
+          <p:nvPr/>
+        </p:nvSpPr>
+        <p:spPr>
+          <a:xfrm>
+            <a:off x="5992052" y="5493624"/>
+            <a:ext cx="5923723" cy="369332"/>
+          </a:xfrm>
+          <a:prstGeom prst="rect">
+            <a:avLst/>
+          </a:prstGeom>
+        </p:spPr>
+        <p:txBody>
+          <a:bodyPr wrap="square">
+            <a:spAutoFit/>
+          </a:bodyPr>
+          <a:lstStyle/>
+          <a:p>
+            <a:r>
+              <a:rPr lang="en-US" dirty="0">
+                <a:solidFill>
+                  <a:srgbClr val="24292E"/>
+                </a:solidFill>
+                <a:latin typeface="SFMono-Regular"/>
+              </a:rPr>
+              <a:t>&lt;</a:t>
+            </a:r>
+            <a:r>
+              <a:rPr lang="en-US" dirty="0">
+                <a:solidFill>
+                  <a:srgbClr val="22863A"/>
+                </a:solidFill>
+                <a:latin typeface="SFMono-Regular"/>
+              </a:rPr>
+              <a:t>li</a:t>
+            </a:r>
+            <a:r>
+              <a:rPr lang="en-US" dirty="0">
+                <a:solidFill>
+                  <a:srgbClr val="24292E"/>
+                </a:solidFill>
+                <a:latin typeface="SFMono-Regular"/>
+              </a:rPr>
+              <a:t> *</a:t>
+            </a:r>
+            <a:r>
+              <a:rPr lang="en-US" dirty="0" err="1">
+                <a:solidFill>
+                  <a:srgbClr val="6F42C1"/>
+                </a:solidFill>
+                <a:latin typeface="SFMono-Regular"/>
+              </a:rPr>
+              <a:t>ngFor</a:t>
+            </a:r>
+            <a:r>
+              <a:rPr lang="en-US" dirty="0">
+                <a:solidFill>
+                  <a:srgbClr val="24292E"/>
+                </a:solidFill>
+                <a:latin typeface="SFMono-Regular"/>
+              </a:rPr>
+              <a:t>=</a:t>
+            </a:r>
+            <a:r>
+              <a:rPr lang="en-US" dirty="0">
+                <a:solidFill>
+                  <a:srgbClr val="032F62"/>
+                </a:solidFill>
+                <a:latin typeface="SFMono-Regular"/>
+              </a:rPr>
+              <a:t>"let </a:t>
+            </a:r>
+            <a:r>
+              <a:rPr lang="en-US" dirty="0" err="1">
+                <a:solidFill>
+                  <a:srgbClr val="032F62"/>
+                </a:solidFill>
+                <a:latin typeface="SFMono-Regular"/>
+              </a:rPr>
+              <a:t>emp</a:t>
+            </a:r>
+            <a:r>
+              <a:rPr lang="en-US" dirty="0">
+                <a:solidFill>
+                  <a:srgbClr val="032F62"/>
+                </a:solidFill>
+                <a:latin typeface="SFMono-Regular"/>
+              </a:rPr>
+              <a:t> of employees"</a:t>
+            </a:r>
+            <a:r>
+              <a:rPr lang="en-US" dirty="0">
+                <a:solidFill>
+                  <a:srgbClr val="24292E"/>
+                </a:solidFill>
+                <a:latin typeface="SFMono-Regular"/>
+              </a:rPr>
+              <a:t>&gt;{{</a:t>
+            </a:r>
+            <a:r>
+              <a:rPr lang="en-US" dirty="0" err="1">
+                <a:solidFill>
+                  <a:srgbClr val="24292E"/>
+                </a:solidFill>
+                <a:latin typeface="SFMono-Regular"/>
+              </a:rPr>
+              <a:t>emp.firstName</a:t>
+            </a:r>
+            <a:r>
+              <a:rPr lang="en-US" dirty="0">
+                <a:solidFill>
+                  <a:srgbClr val="24292E"/>
+                </a:solidFill>
+                <a:latin typeface="SFMono-Regular"/>
+              </a:rPr>
+              <a:t>}} &lt;/</a:t>
+            </a:r>
+            <a:r>
+              <a:rPr lang="en-US" dirty="0">
+                <a:solidFill>
+                  <a:srgbClr val="22863A"/>
+                </a:solidFill>
+                <a:latin typeface="SFMono-Regular"/>
+              </a:rPr>
+              <a:t>li</a:t>
+            </a:r>
+            <a:r>
+              <a:rPr lang="en-US" dirty="0">
+                <a:solidFill>
+                  <a:srgbClr val="24292E"/>
+                </a:solidFill>
+                <a:latin typeface="SFMono-Regular"/>
+              </a:rPr>
+              <a:t>&gt;</a:t>
+            </a:r>
+            <a:endParaRPr lang="en-US" dirty="0"/>
+          </a:p>
+        </p:txBody>
+      </p:sp>
     </p:spTree>
     <p:extLst>
       <p:ext uri="{BB962C8B-B14F-4D97-AF65-F5344CB8AC3E}">
@@ -10384,7 +11266,7 @@
 </p:sld>
 </file>
 
-<file path=ppt/slides/slide6.xml><?xml version="1.0" encoding="utf-8"?>
+<file path=ppt/slides/slide7.xml><?xml version="1.0" encoding="utf-8"?>
 <p:sld xmlns:a="http://schemas.openxmlformats.org/drawingml/2006/main" xmlns:r="http://schemas.openxmlformats.org/officeDocument/2006/relationships" xmlns:p="http://schemas.openxmlformats.org/presentationml/2006/main">
   <p:cSld>
     <p:spTree>
@@ -10444,18 +11326,30 @@
           <a:p>
             <a:pPr algn="ctr"/>
             <a:r>
-              <a:rPr lang="en-US" sz="3200" b="1" dirty="0"/>
+              <a:rPr lang="en-US" sz="3200" b="1" dirty="0">
+                <a:solidFill>
+                  <a:srgbClr val="7030A0"/>
+                </a:solidFill>
+              </a:rPr>
               <a:t>Why use the TypeScript Collections Framework?   </a:t>
             </a:r>
           </a:p>
           <a:p>
             <a:pPr algn="ctr"/>
             <a:r>
-              <a:rPr lang="en-US" sz="3200" b="1" dirty="0" err="1"/>
+              <a:rPr lang="en-US" sz="3200" b="1" dirty="0" err="1">
+                <a:solidFill>
+                  <a:srgbClr val="7030A0"/>
+                </a:solidFill>
+              </a:rPr>
               <a:t>Arent</a:t>
             </a:r>
             <a:r>
-              <a:rPr lang="en-US" sz="3200" b="1" dirty="0"/>
+              <a:rPr lang="en-US" sz="3200" b="1" dirty="0">
+                <a:solidFill>
+                  <a:srgbClr val="7030A0"/>
+                </a:solidFill>
+              </a:rPr>
               <a:t> there other really good libraries in JavaScript?</a:t>
             </a:r>
           </a:p>
@@ -10751,18 +11645,29 @@
           <a:lstStyle/>
           <a:p>
             <a:r>
-              <a:rPr lang="en-US" dirty="0"/>
+              <a:rPr lang="en-US" b="1" dirty="0">
+                <a:solidFill>
+                  <a:srgbClr val="7030A0"/>
+                </a:solidFill>
+              </a:rPr>
               <a:t>TypeScript Collections Framework by Larry Diamond                                    </a:t>
             </a:r>
             <a:r>
-              <a:rPr lang="en-US" dirty="0" err="1"/>
+              <a:rPr lang="en-US" b="1" dirty="0" err="1">
+                <a:solidFill>
+                  <a:srgbClr val="7030A0"/>
+                </a:solidFill>
+              </a:rPr>
               <a:t>npm</a:t>
             </a:r>
             <a:r>
-              <a:rPr lang="en-US" dirty="0"/>
+              <a:rPr lang="en-US" b="1" dirty="0">
+                <a:solidFill>
+                  <a:srgbClr val="7030A0"/>
+                </a:solidFill>
+              </a:rPr>
               <a:t> install typescriptcollectionsframework --save</a:t>
             </a:r>
-            <a:endParaRPr lang="en-US" dirty="0"/>
           </a:p>
           <a:p>
             <a:pPr algn="ctr"/>
@@ -10783,169 +11688,6 @@
     <p:extLst>
       <p:ext uri="{BB962C8B-B14F-4D97-AF65-F5344CB8AC3E}">
         <p14:creationId xmlns:p14="http://schemas.microsoft.com/office/powerpoint/2010/main" val="2636936013"/>
-      </p:ext>
-    </p:extLst>
-  </p:cSld>
-  <p:clrMapOvr>
-    <a:masterClrMapping/>
-  </p:clrMapOvr>
-</p:sld>
-</file>
-
-<file path=ppt/slides/slide7.xml><?xml version="1.0" encoding="utf-8"?>
-<p:sld xmlns:a="http://schemas.openxmlformats.org/drawingml/2006/main" xmlns:r="http://schemas.openxmlformats.org/officeDocument/2006/relationships" xmlns:p="http://schemas.openxmlformats.org/presentationml/2006/main">
-  <p:cSld>
-    <p:spTree>
-      <p:nvGrpSpPr>
-        <p:cNvPr id="1" name=""/>
-        <p:cNvGrpSpPr/>
-        <p:nvPr/>
-      </p:nvGrpSpPr>
-      <p:grpSpPr>
-        <a:xfrm>
-          <a:off x="0" y="0"/>
-          <a:ext cx="0" cy="0"/>
-          <a:chOff x="0" y="0"/>
-          <a:chExt cx="0" cy="0"/>
-        </a:xfrm>
-      </p:grpSpPr>
-      <p:sp>
-        <p:nvSpPr>
-          <p:cNvPr id="2" name="Title 1"/>
-          <p:cNvSpPr>
-            <a:spLocks noGrp="1"/>
-          </p:cNvSpPr>
-          <p:nvPr>
-            <p:ph type="title"/>
-          </p:nvPr>
-        </p:nvSpPr>
-        <p:spPr>
-          <a:xfrm>
-            <a:off x="442913" y="0"/>
-            <a:ext cx="10910887" cy="1325563"/>
-          </a:xfrm>
-        </p:spPr>
-        <p:txBody>
-          <a:bodyPr/>
-          <a:lstStyle/>
-          <a:p>
-            <a:r>
-              <a:rPr lang="en-US" dirty="0"/>
-              <a:t>Future of the TypeScript Collections Framework</a:t>
-            </a:r>
-          </a:p>
-        </p:txBody>
-      </p:sp>
-      <p:sp>
-        <p:nvSpPr>
-          <p:cNvPr id="3" name="Content Placeholder 2"/>
-          <p:cNvSpPr>
-            <a:spLocks noGrp="1"/>
-          </p:cNvSpPr>
-          <p:nvPr>
-            <p:ph idx="1"/>
-          </p:nvPr>
-        </p:nvSpPr>
-        <p:spPr>
-          <a:xfrm>
-            <a:off x="640556" y="1200150"/>
-            <a:ext cx="10515600" cy="4262438"/>
-          </a:xfrm>
-        </p:spPr>
-        <p:txBody>
-          <a:bodyPr>
-            <a:normAutofit/>
-          </a:bodyPr>
-          <a:lstStyle/>
-          <a:p>
-            <a:r>
-              <a:rPr lang="en-US" dirty="0">
-                <a:sym typeface="Wingdings" panose="05000000000000000000" pitchFamily="2" charset="2"/>
-              </a:rPr>
-              <a:t>Queue, Stack, Deque</a:t>
-            </a:r>
-          </a:p>
-          <a:p>
-            <a:r>
-              <a:rPr lang="en-US" dirty="0">
-                <a:sym typeface="Wingdings" panose="05000000000000000000" pitchFamily="2" charset="2"/>
-              </a:rPr>
-              <a:t>MultiSet &amp; MultiMap from Google Guava</a:t>
-            </a:r>
-          </a:p>
-          <a:p>
-            <a:r>
-              <a:rPr lang="en-US" dirty="0">
-                <a:sym typeface="Wingdings" panose="05000000000000000000" pitchFamily="2" charset="2"/>
-              </a:rPr>
-              <a:t>Ease of use / fewer keystrokes to use</a:t>
-            </a:r>
-          </a:p>
-          <a:p>
-            <a:r>
-              <a:rPr lang="en-US" dirty="0">
-                <a:sym typeface="Wingdings" panose="05000000000000000000" pitchFamily="2" charset="2"/>
-              </a:rPr>
-              <a:t>LinkedHashMap, NavigableHashMap</a:t>
-            </a:r>
-          </a:p>
-        </p:txBody>
-      </p:sp>
-      <p:sp>
-        <p:nvSpPr>
-          <p:cNvPr id="4" name="TextBox 3"/>
-          <p:cNvSpPr txBox="1"/>
-          <p:nvPr/>
-        </p:nvSpPr>
-        <p:spPr>
-          <a:xfrm>
-            <a:off x="329784" y="6165504"/>
-            <a:ext cx="11862215" cy="923330"/>
-          </a:xfrm>
-          <a:prstGeom prst="rect">
-            <a:avLst/>
-          </a:prstGeom>
-          <a:noFill/>
-        </p:spPr>
-        <p:txBody>
-          <a:bodyPr wrap="square" rtlCol="0">
-            <a:spAutoFit/>
-          </a:bodyPr>
-          <a:lstStyle/>
-          <a:p>
-            <a:r>
-              <a:rPr lang="en-US" dirty="0"/>
-              <a:t>TypeScript Collections Framework by Larry Diamond                                    </a:t>
-            </a:r>
-            <a:r>
-              <a:rPr lang="en-US" dirty="0" err="1"/>
-              <a:t>npm</a:t>
-            </a:r>
-            <a:r>
-              <a:rPr lang="en-US" dirty="0"/>
-              <a:t> install typescriptcollectionsframework --save</a:t>
-            </a:r>
-            <a:endParaRPr lang="en-US" dirty="0"/>
-          </a:p>
-          <a:p>
-            <a:pPr algn="ctr"/>
-            <a:r>
-              <a:rPr lang="en-US" dirty="0">
-                <a:hlinkClick r:id="rId2"/>
-              </a:rPr>
-              <a:t>https://github.com/larrydiamond/typescriptcollectionsframework</a:t>
-            </a:r>
-            <a:endParaRPr lang="en-US" dirty="0"/>
-          </a:p>
-          <a:p>
-            <a:endParaRPr lang="en-US" dirty="0"/>
-          </a:p>
-        </p:txBody>
-      </p:sp>
-    </p:spTree>
-    <p:extLst>
-      <p:ext uri="{BB962C8B-B14F-4D97-AF65-F5344CB8AC3E}">
-        <p14:creationId xmlns:p14="http://schemas.microsoft.com/office/powerpoint/2010/main" val="2881332917"/>
       </p:ext>
     </p:extLst>
   </p:cSld>
@@ -10984,8 +11726,8 @@
         </p:nvSpPr>
         <p:spPr>
           <a:xfrm>
-            <a:off x="838200" y="0"/>
-            <a:ext cx="10515600" cy="1325563"/>
+            <a:off x="442913" y="0"/>
+            <a:ext cx="10910887" cy="1325563"/>
           </a:xfrm>
         </p:spPr>
         <p:txBody>
@@ -10998,7 +11740,7 @@
                   <a:srgbClr val="7030A0"/>
                 </a:solidFill>
               </a:rPr>
-              <a:t>What’s all those Immutable Interfaces?</a:t>
+              <a:t>Future of the TypeScript Collections Framework</a:t>
             </a:r>
           </a:p>
         </p:txBody>
@@ -11015,249 +11757,46 @@
         </p:nvSpPr>
         <p:spPr>
           <a:xfrm>
-            <a:off x="617837" y="1089498"/>
-            <a:ext cx="11182866" cy="5087465"/>
+            <a:off x="640556" y="1200150"/>
+            <a:ext cx="10515600" cy="4262438"/>
           </a:xfrm>
         </p:spPr>
         <p:txBody>
           <a:bodyPr>
-            <a:normAutofit fontScale="62500" lnSpcReduction="20000"/>
+            <a:normAutofit/>
           </a:bodyPr>
           <a:lstStyle/>
           <a:p>
-            <a:pPr marL="0" indent="0">
-              <a:buNone/>
-            </a:pPr>
-            <a:r>
-              <a:rPr lang="en-US" dirty="0" err="1">
-                <a:solidFill>
-                  <a:srgbClr val="002060"/>
-                </a:solidFill>
-              </a:rPr>
-              <a:t>Collections.unmodifiable</a:t>
-            </a:r>
             <a:r>
               <a:rPr lang="en-US" dirty="0">
-                <a:solidFill>
-                  <a:srgbClr val="002060"/>
-                </a:solidFill>
-              </a:rPr>
-              <a:t>&lt;whatever&gt; methods are a FAIL.</a:t>
-            </a:r>
-          </a:p>
-          <a:p>
-            <a:pPr marL="0" indent="0">
-              <a:buNone/>
-            </a:pPr>
+                <a:sym typeface="Wingdings" panose="05000000000000000000" pitchFamily="2" charset="2"/>
+              </a:rPr>
+              <a:t>Queue, Stack, Deque</a:t>
+            </a:r>
+          </a:p>
+          <a:p>
             <a:r>
               <a:rPr lang="en-US" dirty="0">
-                <a:solidFill>
-                  <a:srgbClr val="002060"/>
-                </a:solidFill>
-              </a:rPr>
-              <a:t>Always prefer compile time failures versus run time exceptions.</a:t>
-            </a:r>
-          </a:p>
-          <a:p>
-            <a:pPr marL="0" indent="0">
-              <a:buNone/>
-            </a:pPr>
-            <a:endParaRPr lang="en-US" dirty="0"/>
-          </a:p>
-          <a:p>
-            <a:pPr marL="0" indent="0">
-              <a:buNone/>
-            </a:pPr>
-            <a:r>
-              <a:rPr lang="en-US" dirty="0"/>
-              <a:t>“Hey why did you change my map?   That caused a bug!”</a:t>
-            </a:r>
-          </a:p>
-          <a:p>
-            <a:pPr marL="0" indent="0">
-              <a:buNone/>
-            </a:pPr>
-            <a:r>
-              <a:rPr lang="en-US" dirty="0"/>
-              <a:t>If a method accepts an Immutable&lt;whatever&gt; then it guarantees it won’t change your object.</a:t>
-            </a:r>
-          </a:p>
-          <a:p>
-            <a:pPr marL="0" indent="0">
-              <a:buNone/>
-            </a:pPr>
-            <a:r>
-              <a:rPr lang="en-US" dirty="0"/>
-              <a:t>If you pass in an Immutable&lt;whatever&gt; then you protect yourself by not allowing the method to change your object.</a:t>
-            </a:r>
-          </a:p>
-          <a:p>
-            <a:pPr marL="0" indent="0">
-              <a:buNone/>
-            </a:pPr>
-            <a:endParaRPr lang="en-US" dirty="0"/>
-          </a:p>
-          <a:p>
-            <a:pPr marL="0" indent="0">
-              <a:buNone/>
-            </a:pPr>
-            <a:r>
-              <a:rPr lang="en-US" b="1" dirty="0"/>
-              <a:t>Methods to obtain an Immutable image of your Collection:</a:t>
-            </a:r>
-          </a:p>
-          <a:p>
-            <a:pPr marL="0" indent="0">
-              <a:buNone/>
-            </a:pPr>
+                <a:sym typeface="Wingdings" panose="05000000000000000000" pitchFamily="2" charset="2"/>
+              </a:rPr>
+              <a:t>MultiSet &amp; MultiMap from Google Guava</a:t>
+            </a:r>
+          </a:p>
+          <a:p>
             <a:r>
               <a:rPr lang="en-US" dirty="0">
-                <a:solidFill>
-                  <a:srgbClr val="002060"/>
-                </a:solidFill>
-              </a:rPr>
-              <a:t>.</a:t>
-            </a:r>
-            <a:r>
-              <a:rPr lang="en-US" dirty="0" err="1">
-                <a:solidFill>
-                  <a:srgbClr val="002060"/>
-                </a:solidFill>
-              </a:rPr>
-              <a:t>immutableCollection</a:t>
-            </a:r>
+                <a:sym typeface="Wingdings" panose="05000000000000000000" pitchFamily="2" charset="2"/>
+              </a:rPr>
+              <a:t>Ease of use / fewer keystrokes to use</a:t>
+            </a:r>
+          </a:p>
+          <a:p>
             <a:r>
               <a:rPr lang="en-US" dirty="0">
-                <a:solidFill>
-                  <a:srgbClr val="002060"/>
-                </a:solidFill>
-              </a:rPr>
-              <a:t>()</a:t>
-            </a:r>
-          </a:p>
-          <a:p>
-            <a:pPr marL="0" indent="0">
-              <a:buNone/>
-            </a:pPr>
-            <a:r>
-              <a:rPr lang="en-US" dirty="0">
-                <a:solidFill>
-                  <a:srgbClr val="002060"/>
-                </a:solidFill>
-              </a:rPr>
-              <a:t>.</a:t>
-            </a:r>
-            <a:r>
-              <a:rPr lang="en-US" dirty="0" err="1">
-                <a:solidFill>
-                  <a:srgbClr val="002060"/>
-                </a:solidFill>
-              </a:rPr>
-              <a:t>immutableList</a:t>
-            </a:r>
-            <a:r>
-              <a:rPr lang="en-US" dirty="0">
-                <a:solidFill>
-                  <a:srgbClr val="002060"/>
-                </a:solidFill>
-              </a:rPr>
-              <a:t>()</a:t>
-            </a:r>
-          </a:p>
-          <a:p>
-            <a:pPr marL="0" indent="0">
-              <a:buNone/>
-            </a:pPr>
-            <a:r>
-              <a:rPr lang="en-US" dirty="0">
-                <a:solidFill>
-                  <a:srgbClr val="002060"/>
-                </a:solidFill>
-              </a:rPr>
-              <a:t>.</a:t>
-            </a:r>
-            <a:r>
-              <a:rPr lang="en-US" dirty="0" err="1">
-                <a:solidFill>
-                  <a:srgbClr val="002060"/>
-                </a:solidFill>
-              </a:rPr>
-              <a:t>immutableSet</a:t>
-            </a:r>
-            <a:r>
-              <a:rPr lang="en-US" dirty="0">
-                <a:solidFill>
-                  <a:srgbClr val="002060"/>
-                </a:solidFill>
-              </a:rPr>
-              <a:t>()</a:t>
-            </a:r>
-          </a:p>
-          <a:p>
-            <a:pPr marL="0" indent="0">
-              <a:buNone/>
-            </a:pPr>
-            <a:r>
-              <a:rPr lang="en-US" dirty="0">
-                <a:solidFill>
-                  <a:srgbClr val="002060"/>
-                </a:solidFill>
-              </a:rPr>
-              <a:t>.</a:t>
-            </a:r>
-            <a:r>
-              <a:rPr lang="en-US" dirty="0" err="1">
-                <a:solidFill>
-                  <a:srgbClr val="002060"/>
-                </a:solidFill>
-              </a:rPr>
-              <a:t>immutableMap</a:t>
-            </a:r>
-            <a:r>
-              <a:rPr lang="en-US" dirty="0">
-                <a:solidFill>
-                  <a:srgbClr val="002060"/>
-                </a:solidFill>
-              </a:rPr>
-              <a:t>()</a:t>
-            </a:r>
-          </a:p>
-          <a:p>
-            <a:pPr marL="0" indent="0">
-              <a:buNone/>
-            </a:pPr>
-            <a:endParaRPr lang="en-US" dirty="0"/>
-          </a:p>
-          <a:p>
-            <a:pPr marL="0" indent="0">
-              <a:buNone/>
-            </a:pPr>
-            <a:r>
-              <a:rPr lang="en-US" b="1" dirty="0">
-                <a:solidFill>
-                  <a:srgbClr val="7030A0"/>
-                </a:solidFill>
-              </a:rPr>
-              <a:t>Google Guava understood this a long time ago and implemented this already in Java.</a:t>
-            </a:r>
-          </a:p>
-          <a:p>
-            <a:pPr marL="0" indent="0">
-              <a:buNone/>
-            </a:pPr>
-            <a:r>
-              <a:rPr lang="en-US" b="1" dirty="0">
-                <a:solidFill>
-                  <a:srgbClr val="7030A0"/>
-                </a:solidFill>
-              </a:rPr>
-              <a:t>https://github.com/google/guava/wiki/ImmutableCollectionsExplained</a:t>
-            </a:r>
-            <a:endParaRPr lang="en-US" b="1" dirty="0">
-              <a:solidFill>
-                <a:srgbClr val="7030A0"/>
-              </a:solidFill>
-            </a:endParaRPr>
+                <a:sym typeface="Wingdings" panose="05000000000000000000" pitchFamily="2" charset="2"/>
+              </a:rPr>
+              <a:t>LinkedHashMap, NavigableHashMap</a:t>
+            </a:r>
           </a:p>
         </p:txBody>
       </p:sp>
@@ -11284,18 +11823,29 @@
           <a:lstStyle/>
           <a:p>
             <a:r>
-              <a:rPr lang="en-US" dirty="0"/>
+              <a:rPr lang="en-US" b="1" dirty="0">
+                <a:solidFill>
+                  <a:srgbClr val="7030A0"/>
+                </a:solidFill>
+              </a:rPr>
               <a:t>TypeScript Collections Framework by Larry Diamond                                    </a:t>
             </a:r>
             <a:r>
-              <a:rPr lang="en-US" dirty="0" err="1"/>
+              <a:rPr lang="en-US" b="1" dirty="0" err="1">
+                <a:solidFill>
+                  <a:srgbClr val="7030A0"/>
+                </a:solidFill>
+              </a:rPr>
               <a:t>npm</a:t>
             </a:r>
             <a:r>
-              <a:rPr lang="en-US" dirty="0"/>
+              <a:rPr lang="en-US" b="1" dirty="0">
+                <a:solidFill>
+                  <a:srgbClr val="7030A0"/>
+                </a:solidFill>
+              </a:rPr>
               <a:t> install typescriptcollectionsframework --save</a:t>
             </a:r>
-            <a:endParaRPr lang="en-US" dirty="0"/>
           </a:p>
           <a:p>
             <a:pPr algn="ctr"/>
@@ -11315,7 +11865,7 @@
     </p:spTree>
     <p:extLst>
       <p:ext uri="{BB962C8B-B14F-4D97-AF65-F5344CB8AC3E}">
-        <p14:creationId xmlns:p14="http://schemas.microsoft.com/office/powerpoint/2010/main" val="4271853622"/>
+        <p14:creationId xmlns:p14="http://schemas.microsoft.com/office/powerpoint/2010/main" val="2881332917"/>
       </p:ext>
     </p:extLst>
   </p:cSld>
@@ -11354,20 +11904,21 @@
         </p:nvSpPr>
         <p:spPr>
           <a:xfrm>
-            <a:off x="872387" y="105901"/>
+            <a:off x="838200" y="0"/>
             <a:ext cx="10515600" cy="1325563"/>
           </a:xfrm>
         </p:spPr>
         <p:txBody>
-          <a:bodyPr>
-            <a:normAutofit fontScale="90000"/>
-          </a:bodyPr>
+          <a:bodyPr/>
           <a:lstStyle/>
           <a:p>
-            <a:pPr algn="ctr"/>
-            <a:r>
-              <a:rPr lang="en-US" dirty="0"/>
-              <a:t>Open Source resources without which the TypeScript Collections Framework would not exist</a:t>
+            <a:r>
+              <a:rPr lang="en-US" b="1" dirty="0">
+                <a:solidFill>
+                  <a:srgbClr val="7030A0"/>
+                </a:solidFill>
+              </a:rPr>
+              <a:t>What’s all those Immutable Interfaces?</a:t>
             </a:r>
           </a:p>
         </p:txBody>
@@ -11384,67 +11935,243 @@
         </p:nvSpPr>
         <p:spPr>
           <a:xfrm>
-            <a:off x="872387" y="1622815"/>
-            <a:ext cx="10515600" cy="4351338"/>
+            <a:off x="617837" y="1089498"/>
+            <a:ext cx="11182866" cy="5087465"/>
           </a:xfrm>
         </p:spPr>
         <p:txBody>
           <a:bodyPr>
-            <a:normAutofit fontScale="92500"/>
+            <a:normAutofit fontScale="62500" lnSpcReduction="20000"/>
           </a:bodyPr>
           <a:lstStyle/>
           <a:p>
+            <a:pPr marL="0" indent="0">
+              <a:buNone/>
+            </a:pPr>
+            <a:r>
+              <a:rPr lang="en-US" dirty="0" err="1">
+                <a:solidFill>
+                  <a:srgbClr val="002060"/>
+                </a:solidFill>
+              </a:rPr>
+              <a:t>Collections.unmodifiable</a:t>
+            </a:r>
+            <a:r>
+              <a:rPr lang="en-US" dirty="0">
+                <a:solidFill>
+                  <a:srgbClr val="002060"/>
+                </a:solidFill>
+              </a:rPr>
+              <a:t>&lt;whatever&gt; methods are a FAIL.</a:t>
+            </a:r>
+          </a:p>
+          <a:p>
+            <a:pPr marL="0" indent="0">
+              <a:buNone/>
+            </a:pPr>
+            <a:r>
+              <a:rPr lang="en-US" dirty="0">
+                <a:solidFill>
+                  <a:srgbClr val="002060"/>
+                </a:solidFill>
+              </a:rPr>
+              <a:t>Always prefer compile time failures versus run time exceptions.</a:t>
+            </a:r>
+          </a:p>
+          <a:p>
+            <a:pPr marL="0" indent="0">
+              <a:buNone/>
+            </a:pPr>
+            <a:endParaRPr lang="en-US" dirty="0"/>
+          </a:p>
+          <a:p>
+            <a:pPr marL="0" indent="0">
+              <a:buNone/>
+            </a:pPr>
             <a:r>
               <a:rPr lang="en-US" dirty="0"/>
-              <a:t>Github.com for free source code hosting</a:t>
-            </a:r>
-          </a:p>
-          <a:p>
+              <a:t>“Hey why did you change my map?   That caused a bug!”</a:t>
+            </a:r>
+          </a:p>
+          <a:p>
+            <a:pPr marL="0" indent="0">
+              <a:buNone/>
+            </a:pPr>
             <a:r>
               <a:rPr lang="en-US" dirty="0"/>
-              <a:t>Npmjs.org for free distribution hosting</a:t>
-            </a:r>
-          </a:p>
-          <a:p>
+              <a:t>If a method accepts an Immutable&lt;whatever&gt; then it guarantees it won’t change your object.</a:t>
+            </a:r>
+          </a:p>
+          <a:p>
+            <a:pPr marL="0" indent="0">
+              <a:buNone/>
+            </a:pPr>
             <a:r>
               <a:rPr lang="en-US" dirty="0"/>
-              <a:t>Travis-ci for free automatic builds</a:t>
-            </a:r>
-          </a:p>
-          <a:p>
-            <a:r>
-              <a:rPr lang="en-US" dirty="0"/>
-              <a:t>Codcov.io for free code coverage analysis and UI</a:t>
-            </a:r>
-          </a:p>
-          <a:p>
-            <a:r>
-              <a:rPr lang="en-US" dirty="0"/>
-              <a:t>David-dm.org for free dependency analysis</a:t>
-            </a:r>
-          </a:p>
-          <a:p>
-            <a:r>
-              <a:rPr lang="en-US" dirty="0"/>
-              <a:t>Nodesecurity.io for free security analysis</a:t>
-            </a:r>
-          </a:p>
-          <a:p>
-            <a:r>
-              <a:rPr lang="en-US" dirty="0"/>
-              <a:t>All of the people who are using the TypeScript Collections Framework</a:t>
-            </a:r>
-          </a:p>
-          <a:p>
-            <a:r>
-              <a:rPr lang="en-US" dirty="0"/>
-              <a:t>OpenCamps 2017 for allowing me to present (and the recommendations!)</a:t>
-            </a:r>
-          </a:p>
-          <a:p>
-            <a:r>
-              <a:rPr lang="en-US" dirty="0"/>
-              <a:t>You for sitting through my presentation!</a:t>
+              <a:t>If you pass in an Immutable&lt;whatever&gt; then you protect yourself by not allowing the method to change your object.</a:t>
+            </a:r>
+          </a:p>
+          <a:p>
+            <a:pPr marL="0" indent="0">
+              <a:buNone/>
+            </a:pPr>
+            <a:endParaRPr lang="en-US" dirty="0"/>
+          </a:p>
+          <a:p>
+            <a:pPr marL="0" indent="0">
+              <a:buNone/>
+            </a:pPr>
+            <a:r>
+              <a:rPr lang="en-US" b="1" dirty="0"/>
+              <a:t>Methods to obtain an Immutable image of your Collection:</a:t>
+            </a:r>
+          </a:p>
+          <a:p>
+            <a:pPr marL="0" indent="0">
+              <a:buNone/>
+            </a:pPr>
+            <a:r>
+              <a:rPr lang="en-US" dirty="0">
+                <a:solidFill>
+                  <a:srgbClr val="002060"/>
+                </a:solidFill>
+              </a:rPr>
+              <a:t>.</a:t>
+            </a:r>
+            <a:r>
+              <a:rPr lang="en-US" dirty="0" err="1">
+                <a:solidFill>
+                  <a:srgbClr val="002060"/>
+                </a:solidFill>
+              </a:rPr>
+              <a:t>immutableCollection</a:t>
+            </a:r>
+            <a:r>
+              <a:rPr lang="en-US" dirty="0">
+                <a:solidFill>
+                  <a:srgbClr val="002060"/>
+                </a:solidFill>
+              </a:rPr>
+              <a:t>()</a:t>
+            </a:r>
+          </a:p>
+          <a:p>
+            <a:pPr marL="0" indent="0">
+              <a:buNone/>
+            </a:pPr>
+            <a:r>
+              <a:rPr lang="en-US" dirty="0">
+                <a:solidFill>
+                  <a:srgbClr val="002060"/>
+                </a:solidFill>
+              </a:rPr>
+              <a:t>.</a:t>
+            </a:r>
+            <a:r>
+              <a:rPr lang="en-US" dirty="0" err="1">
+                <a:solidFill>
+                  <a:srgbClr val="002060"/>
+                </a:solidFill>
+              </a:rPr>
+              <a:t>immutableList</a:t>
+            </a:r>
+            <a:r>
+              <a:rPr lang="en-US" dirty="0">
+                <a:solidFill>
+                  <a:srgbClr val="002060"/>
+                </a:solidFill>
+              </a:rPr>
+              <a:t>()</a:t>
+            </a:r>
+          </a:p>
+          <a:p>
+            <a:pPr marL="0" indent="0">
+              <a:buNone/>
+            </a:pPr>
+            <a:r>
+              <a:rPr lang="en-US" dirty="0">
+                <a:solidFill>
+                  <a:srgbClr val="002060"/>
+                </a:solidFill>
+              </a:rPr>
+              <a:t>.</a:t>
+            </a:r>
+            <a:r>
+              <a:rPr lang="en-US" dirty="0" err="1">
+                <a:solidFill>
+                  <a:srgbClr val="002060"/>
+                </a:solidFill>
+              </a:rPr>
+              <a:t>immutableSet</a:t>
+            </a:r>
+            <a:r>
+              <a:rPr lang="en-US" dirty="0">
+                <a:solidFill>
+                  <a:srgbClr val="002060"/>
+                </a:solidFill>
+              </a:rPr>
+              <a:t>()</a:t>
+            </a:r>
+          </a:p>
+          <a:p>
+            <a:pPr marL="0" indent="0">
+              <a:buNone/>
+            </a:pPr>
+            <a:r>
+              <a:rPr lang="en-US" dirty="0">
+                <a:solidFill>
+                  <a:srgbClr val="002060"/>
+                </a:solidFill>
+              </a:rPr>
+              <a:t>.</a:t>
+            </a:r>
+            <a:r>
+              <a:rPr lang="en-US" dirty="0" err="1">
+                <a:solidFill>
+                  <a:srgbClr val="002060"/>
+                </a:solidFill>
+              </a:rPr>
+              <a:t>immutableMap</a:t>
+            </a:r>
+            <a:r>
+              <a:rPr lang="en-US" dirty="0">
+                <a:solidFill>
+                  <a:srgbClr val="002060"/>
+                </a:solidFill>
+              </a:rPr>
+              <a:t>()</a:t>
+            </a:r>
+          </a:p>
+          <a:p>
+            <a:pPr marL="0" indent="0">
+              <a:buNone/>
+            </a:pPr>
+            <a:endParaRPr lang="en-US" dirty="0"/>
+          </a:p>
+          <a:p>
+            <a:pPr marL="0" indent="0">
+              <a:buNone/>
+            </a:pPr>
+            <a:r>
+              <a:rPr lang="en-US" b="1" dirty="0">
+                <a:solidFill>
+                  <a:srgbClr val="7030A0"/>
+                </a:solidFill>
+              </a:rPr>
+              <a:t>Google Guava understood this a long time ago and implemented this already in Java.</a:t>
+            </a:r>
+          </a:p>
+          <a:p>
+            <a:pPr marL="0" indent="0">
+              <a:buNone/>
+            </a:pPr>
+            <a:r>
+              <a:rPr lang="en-US" b="1" dirty="0">
+                <a:solidFill>
+                  <a:srgbClr val="7030A0"/>
+                </a:solidFill>
+              </a:rPr>
+              <a:t>https://github.com/google/guava/wiki/ImmutableCollectionsExplained</a:t>
             </a:r>
           </a:p>
         </p:txBody>
@@ -11472,18 +12199,29 @@
           <a:lstStyle/>
           <a:p>
             <a:r>
-              <a:rPr lang="en-US" dirty="0"/>
+              <a:rPr lang="en-US" b="1" dirty="0">
+                <a:solidFill>
+                  <a:srgbClr val="7030A0"/>
+                </a:solidFill>
+              </a:rPr>
               <a:t>TypeScript Collections Framework by Larry Diamond                                    </a:t>
             </a:r>
             <a:r>
-              <a:rPr lang="en-US" dirty="0" err="1"/>
+              <a:rPr lang="en-US" b="1" dirty="0" err="1">
+                <a:solidFill>
+                  <a:srgbClr val="7030A0"/>
+                </a:solidFill>
+              </a:rPr>
               <a:t>npm</a:t>
             </a:r>
             <a:r>
-              <a:rPr lang="en-US" dirty="0"/>
+              <a:rPr lang="en-US" b="1" dirty="0">
+                <a:solidFill>
+                  <a:srgbClr val="7030A0"/>
+                </a:solidFill>
+              </a:rPr>
               <a:t> install typescriptcollectionsframework --save</a:t>
             </a:r>
-            <a:endParaRPr lang="en-US" dirty="0"/>
           </a:p>
           <a:p>
             <a:pPr algn="ctr"/>
@@ -11497,83 +12235,13 @@
           </a:p>
           <a:p>
             <a:endParaRPr lang="en-US" dirty="0"/>
-          </a:p>
-        </p:txBody>
-      </p:sp>
-      <p:sp>
-        <p:nvSpPr>
-          <p:cNvPr id="5" name="Arrow: Down 4"/>
-          <p:cNvSpPr/>
-          <p:nvPr/>
-        </p:nvSpPr>
-        <p:spPr>
-          <a:xfrm rot="8555977">
-            <a:off x="9983009" y="1442042"/>
-            <a:ext cx="541884" cy="732224"/>
-          </a:xfrm>
-          <a:prstGeom prst="downArrow">
-            <a:avLst/>
-          </a:prstGeom>
-          <a:noFill/>
-        </p:spPr>
-        <p:style>
-          <a:lnRef idx="2">
-            <a:schemeClr val="accent1">
-              <a:shade val="50000"/>
-            </a:schemeClr>
-          </a:lnRef>
-          <a:fillRef idx="1">
-            <a:schemeClr val="accent1"/>
-          </a:fillRef>
-          <a:effectRef idx="0">
-            <a:schemeClr val="accent1"/>
-          </a:effectRef>
-          <a:fontRef idx="minor">
-            <a:schemeClr val="lt1"/>
-          </a:fontRef>
-        </p:style>
-        <p:txBody>
-          <a:bodyPr rtlCol="0" anchor="ctr"/>
-          <a:lstStyle/>
-          <a:p>
-            <a:pPr algn="ctr"/>
-            <a:endParaRPr lang="en-US"/>
-          </a:p>
-        </p:txBody>
-      </p:sp>
-      <p:sp>
-        <p:nvSpPr>
-          <p:cNvPr id="6" name="TextBox 5"/>
-          <p:cNvSpPr txBox="1"/>
-          <p:nvPr/>
-        </p:nvSpPr>
-        <p:spPr>
-          <a:xfrm>
-            <a:off x="8951258" y="2201294"/>
-            <a:ext cx="3240741" cy="646331"/>
-          </a:xfrm>
-          <a:prstGeom prst="rect">
-            <a:avLst/>
-          </a:prstGeom>
-          <a:noFill/>
-        </p:spPr>
-        <p:txBody>
-          <a:bodyPr wrap="square" rtlCol="0">
-            <a:spAutoFit/>
-          </a:bodyPr>
-          <a:lstStyle/>
-          <a:p>
-            <a:r>
-              <a:rPr lang="en-US" dirty="0"/>
-              <a:t>A very big thank you to all of these people and organizations</a:t>
-            </a:r>
           </a:p>
         </p:txBody>
       </p:sp>
     </p:spTree>
     <p:extLst>
       <p:ext uri="{BB962C8B-B14F-4D97-AF65-F5344CB8AC3E}">
-        <p14:creationId xmlns:p14="http://schemas.microsoft.com/office/powerpoint/2010/main" val="3409023381"/>
+        <p14:creationId xmlns:p14="http://schemas.microsoft.com/office/powerpoint/2010/main" val="4271853622"/>
       </p:ext>
     </p:extLst>
   </p:cSld>
